--- a/presentation/dam.pptx
+++ b/presentation/dam.pptx
@@ -5,7 +5,7 @@
     <p:sldMasterId id="2147483665" r:id="rId1"/>
   </p:sldMasterIdLst>
   <p:notesMasterIdLst>
-    <p:notesMasterId r:id="rId31"/>
+    <p:notesMasterId r:id="rId44"/>
   </p:notesMasterIdLst>
   <p:sldIdLst>
     <p:sldId id="256" r:id="rId2"/>
@@ -37,52 +37,70 @@
     <p:sldId id="329" r:id="rId28"/>
     <p:sldId id="314" r:id="rId29"/>
     <p:sldId id="330" r:id="rId30"/>
+    <p:sldId id="331" r:id="rId31"/>
+    <p:sldId id="332" r:id="rId32"/>
+    <p:sldId id="315" r:id="rId33"/>
+    <p:sldId id="316" r:id="rId34"/>
+    <p:sldId id="333" r:id="rId35"/>
+    <p:sldId id="334" r:id="rId36"/>
+    <p:sldId id="335" r:id="rId37"/>
+    <p:sldId id="336" r:id="rId38"/>
+    <p:sldId id="337" r:id="rId39"/>
+    <p:sldId id="338" r:id="rId40"/>
+    <p:sldId id="339" r:id="rId41"/>
+    <p:sldId id="340" r:id="rId42"/>
+    <p:sldId id="322" r:id="rId43"/>
   </p:sldIdLst>
   <p:sldSz cx="9144000" cy="5143500" type="screen16x9"/>
   <p:notesSz cx="6858000" cy="9144000"/>
   <p:embeddedFontLst>
     <p:embeddedFont>
       <p:font typeface="Bahnschrift SemiBold Condensed" panose="020B0502040204020203" pitchFamily="34" charset="0"/>
-      <p:bold r:id="rId32"/>
+      <p:bold r:id="rId45"/>
     </p:embeddedFont>
     <p:embeddedFont>
       <p:font typeface="Century" panose="02040604050505020304" pitchFamily="18" charset="0"/>
-      <p:regular r:id="rId33"/>
+      <p:regular r:id="rId46"/>
     </p:embeddedFont>
     <p:embeddedFont>
       <p:font typeface="Didact Gothic" panose="00000500000000000000" pitchFamily="2" charset="0"/>
-      <p:regular r:id="rId34"/>
+      <p:regular r:id="rId47"/>
     </p:embeddedFont>
     <p:embeddedFont>
       <p:font typeface="Libre Franklin" pitchFamily="2" charset="0"/>
-      <p:regular r:id="rId35"/>
-      <p:bold r:id="rId36"/>
-      <p:italic r:id="rId37"/>
-      <p:boldItalic r:id="rId38"/>
+      <p:regular r:id="rId48"/>
+      <p:bold r:id="rId49"/>
+      <p:italic r:id="rId50"/>
+      <p:boldItalic r:id="rId51"/>
+    </p:embeddedFont>
+    <p:embeddedFont>
+      <p:font typeface="Montserrat" panose="00000500000000000000" pitchFamily="2" charset="0"/>
+      <p:regular r:id="rId52"/>
+      <p:bold r:id="rId53"/>
     </p:embeddedFont>
     <p:embeddedFont>
       <p:font typeface="Nunito Light" pitchFamily="2" charset="0"/>
-      <p:regular r:id="rId39"/>
-      <p:italic r:id="rId40"/>
+      <p:regular r:id="rId54"/>
+      <p:italic r:id="rId55"/>
     </p:embeddedFont>
     <p:embeddedFont>
       <p:font typeface="Poppins" panose="00000500000000000000" pitchFamily="2" charset="0"/>
-      <p:regular r:id="rId41"/>
-      <p:bold r:id="rId42"/>
-      <p:italic r:id="rId43"/>
-      <p:boldItalic r:id="rId44"/>
+      <p:regular r:id="rId56"/>
+      <p:bold r:id="rId57"/>
+      <p:italic r:id="rId58"/>
+      <p:boldItalic r:id="rId59"/>
     </p:embeddedFont>
     <p:embeddedFont>
       <p:font typeface="Raleway" pitchFamily="2" charset="0"/>
-      <p:regular r:id="rId45"/>
-      <p:bold r:id="rId46"/>
-      <p:italic r:id="rId47"/>
-      <p:boldItalic r:id="rId48"/>
+      <p:regular r:id="rId60"/>
+      <p:bold r:id="rId61"/>
+      <p:italic r:id="rId62"/>
+      <p:boldItalic r:id="rId63"/>
     </p:embeddedFont>
     <p:embeddedFont>
       <p:font typeface="Segoe UI Black" panose="020B0A02040204020203" pitchFamily="34" charset="0"/>
-      <p:bold r:id="rId49"/>
-      <p:boldItalic r:id="rId50"/>
+      <p:bold r:id="rId64"/>
+      <p:boldItalic r:id="rId65"/>
     </p:embeddedFont>
   </p:embeddedFontLst>
   <p:defaultTextStyle>
@@ -320,6 +338,119 @@
     </p:ext>
   </p:extLst>
 </p:presentation>
+</file>
+
+<file path=ppt/revisionInfo.xml><?xml version="1.0" encoding="utf-8"?>
+<p1510:revInfo xmlns:a="http://schemas.openxmlformats.org/drawingml/2006/main" xmlns:r="http://schemas.openxmlformats.org/officeDocument/2006/relationships" xmlns:p1510="http://schemas.microsoft.com/office/powerpoint/2015/10/main">
+  <p1510:revLst>
+    <p1510:client id="{AA5D7B47-62A6-4617-9382-30DE93583E0C}" v="1" dt="2026-01-30T16:02:59.190"/>
+  </p1510:revLst>
+</p1510:revInfo>
+</file>
+
+<file path=ppt/changesInfos/changesInfo1.xml><?xml version="1.0" encoding="utf-8"?>
+<pc:chgInfo xmlns:a="http://schemas.openxmlformats.org/drawingml/2006/main" xmlns:r="http://schemas.openxmlformats.org/officeDocument/2006/relationships" xmlns:ac="http://schemas.microsoft.com/office/drawing/2013/main/command" xmlns:pc="http://schemas.microsoft.com/office/powerpoint/2013/main/command">
+  <pc:docChgLst>
+    <pc:chgData name="asd asd" userId="b4befc514d541a6f" providerId="LiveId" clId="{B6038FD3-2B18-4F7A-92ED-D33EE05E090D}"/>
+    <pc:docChg chg="addSld modSld">
+      <pc:chgData name="asd asd" userId="b4befc514d541a6f" providerId="LiveId" clId="{B6038FD3-2B18-4F7A-92ED-D33EE05E090D}" dt="2026-01-30T16:02:59.177" v="0"/>
+      <pc:docMkLst>
+        <pc:docMk/>
+      </pc:docMkLst>
+      <pc:sldChg chg="add">
+        <pc:chgData name="asd asd" userId="b4befc514d541a6f" providerId="LiveId" clId="{B6038FD3-2B18-4F7A-92ED-D33EE05E090D}" dt="2026-01-30T16:02:59.177" v="0"/>
+        <pc:sldMkLst>
+          <pc:docMk/>
+          <pc:sldMk cId="0" sldId="315"/>
+        </pc:sldMkLst>
+      </pc:sldChg>
+      <pc:sldChg chg="add">
+        <pc:chgData name="asd asd" userId="b4befc514d541a6f" providerId="LiveId" clId="{B6038FD3-2B18-4F7A-92ED-D33EE05E090D}" dt="2026-01-30T16:02:59.177" v="0"/>
+        <pc:sldMkLst>
+          <pc:docMk/>
+          <pc:sldMk cId="0" sldId="316"/>
+        </pc:sldMkLst>
+      </pc:sldChg>
+      <pc:sldChg chg="add">
+        <pc:chgData name="asd asd" userId="b4befc514d541a6f" providerId="LiveId" clId="{B6038FD3-2B18-4F7A-92ED-D33EE05E090D}" dt="2026-01-30T16:02:59.177" v="0"/>
+        <pc:sldMkLst>
+          <pc:docMk/>
+          <pc:sldMk cId="0" sldId="322"/>
+        </pc:sldMkLst>
+      </pc:sldChg>
+      <pc:sldChg chg="add">
+        <pc:chgData name="asd asd" userId="b4befc514d541a6f" providerId="LiveId" clId="{B6038FD3-2B18-4F7A-92ED-D33EE05E090D}" dt="2026-01-30T16:02:59.177" v="0"/>
+        <pc:sldMkLst>
+          <pc:docMk/>
+          <pc:sldMk cId="4096627422" sldId="331"/>
+        </pc:sldMkLst>
+      </pc:sldChg>
+      <pc:sldChg chg="add">
+        <pc:chgData name="asd asd" userId="b4befc514d541a6f" providerId="LiveId" clId="{B6038FD3-2B18-4F7A-92ED-D33EE05E090D}" dt="2026-01-30T16:02:59.177" v="0"/>
+        <pc:sldMkLst>
+          <pc:docMk/>
+          <pc:sldMk cId="3929202884" sldId="332"/>
+        </pc:sldMkLst>
+      </pc:sldChg>
+      <pc:sldChg chg="add">
+        <pc:chgData name="asd asd" userId="b4befc514d541a6f" providerId="LiveId" clId="{B6038FD3-2B18-4F7A-92ED-D33EE05E090D}" dt="2026-01-30T16:02:59.177" v="0"/>
+        <pc:sldMkLst>
+          <pc:docMk/>
+          <pc:sldMk cId="3697553333" sldId="333"/>
+        </pc:sldMkLst>
+      </pc:sldChg>
+      <pc:sldChg chg="add">
+        <pc:chgData name="asd asd" userId="b4befc514d541a6f" providerId="LiveId" clId="{B6038FD3-2B18-4F7A-92ED-D33EE05E090D}" dt="2026-01-30T16:02:59.177" v="0"/>
+        <pc:sldMkLst>
+          <pc:docMk/>
+          <pc:sldMk cId="38158927" sldId="334"/>
+        </pc:sldMkLst>
+      </pc:sldChg>
+      <pc:sldChg chg="add">
+        <pc:chgData name="asd asd" userId="b4befc514d541a6f" providerId="LiveId" clId="{B6038FD3-2B18-4F7A-92ED-D33EE05E090D}" dt="2026-01-30T16:02:59.177" v="0"/>
+        <pc:sldMkLst>
+          <pc:docMk/>
+          <pc:sldMk cId="0" sldId="335"/>
+        </pc:sldMkLst>
+      </pc:sldChg>
+      <pc:sldChg chg="add">
+        <pc:chgData name="asd asd" userId="b4befc514d541a6f" providerId="LiveId" clId="{B6038FD3-2B18-4F7A-92ED-D33EE05E090D}" dt="2026-01-30T16:02:59.177" v="0"/>
+        <pc:sldMkLst>
+          <pc:docMk/>
+          <pc:sldMk cId="3928523224" sldId="336"/>
+        </pc:sldMkLst>
+      </pc:sldChg>
+      <pc:sldChg chg="add">
+        <pc:chgData name="asd asd" userId="b4befc514d541a6f" providerId="LiveId" clId="{B6038FD3-2B18-4F7A-92ED-D33EE05E090D}" dt="2026-01-30T16:02:59.177" v="0"/>
+        <pc:sldMkLst>
+          <pc:docMk/>
+          <pc:sldMk cId="0" sldId="337"/>
+        </pc:sldMkLst>
+      </pc:sldChg>
+      <pc:sldChg chg="add">
+        <pc:chgData name="asd asd" userId="b4befc514d541a6f" providerId="LiveId" clId="{B6038FD3-2B18-4F7A-92ED-D33EE05E090D}" dt="2026-01-30T16:02:59.177" v="0"/>
+        <pc:sldMkLst>
+          <pc:docMk/>
+          <pc:sldMk cId="0" sldId="338"/>
+        </pc:sldMkLst>
+      </pc:sldChg>
+      <pc:sldChg chg="add">
+        <pc:chgData name="asd asd" userId="b4befc514d541a6f" providerId="LiveId" clId="{B6038FD3-2B18-4F7A-92ED-D33EE05E090D}" dt="2026-01-30T16:02:59.177" v="0"/>
+        <pc:sldMkLst>
+          <pc:docMk/>
+          <pc:sldMk cId="2306713959" sldId="339"/>
+        </pc:sldMkLst>
+      </pc:sldChg>
+      <pc:sldChg chg="add">
+        <pc:chgData name="asd asd" userId="b4befc514d541a6f" providerId="LiveId" clId="{B6038FD3-2B18-4F7A-92ED-D33EE05E090D}" dt="2026-01-30T16:02:59.177" v="0"/>
+        <pc:sldMkLst>
+          <pc:docMk/>
+          <pc:sldMk cId="0" sldId="340"/>
+        </pc:sldMkLst>
+      </pc:sldChg>
+    </pc:docChg>
+  </pc:docChgLst>
+</pc:chgInfo>
 </file>
 
 <file path=ppt/notesMasters/notesMaster1.xml><?xml version="1.0" encoding="utf-8"?>
@@ -19460,6 +19591,3620 @@
 </p:sld>
 </file>
 
+<file path=ppt/slides/slide30.xml><?xml version="1.0" encoding="utf-8"?>
+<p:sld xmlns:a="http://schemas.openxmlformats.org/drawingml/2006/main" xmlns:r="http://schemas.openxmlformats.org/officeDocument/2006/relationships" xmlns:p="http://schemas.openxmlformats.org/presentationml/2006/main">
+  <p:cSld>
+    <p:spTree>
+      <p:nvGrpSpPr>
+        <p:cNvPr id="1" name=""/>
+        <p:cNvGrpSpPr/>
+        <p:nvPr/>
+      </p:nvGrpSpPr>
+      <p:grpSpPr>
+        <a:xfrm>
+          <a:off x="0" y="0"/>
+          <a:ext cx="0" cy="0"/>
+          <a:chOff x="0" y="0"/>
+          <a:chExt cx="0" cy="0"/>
+        </a:xfrm>
+      </p:grpSpPr>
+      <p:sp>
+        <p:nvSpPr>
+          <p:cNvPr id="2" name="Title 1">
+            <a:extLst>
+              <a:ext uri="{FF2B5EF4-FFF2-40B4-BE49-F238E27FC236}">
+                <a16:creationId xmlns:a16="http://schemas.microsoft.com/office/drawing/2014/main" id="{0F47D201-2A69-4C72-A934-B1D7E3089FDB}"/>
+              </a:ext>
+            </a:extLst>
+          </p:cNvPr>
+          <p:cNvSpPr>
+            <a:spLocks noGrp="1"/>
+          </p:cNvSpPr>
+          <p:nvPr>
+            <p:ph type="title"/>
+          </p:nvPr>
+        </p:nvSpPr>
+        <p:spPr>
+          <a:xfrm>
+            <a:off x="2317949" y="1307100"/>
+            <a:ext cx="5239621" cy="2529300"/>
+          </a:xfrm>
+        </p:spPr>
+        <p:txBody>
+          <a:bodyPr/>
+          <a:lstStyle/>
+          <a:p>
+            <a:r>
+              <a:rPr lang="en-US" dirty="0"/>
+              <a:t>4. INSIGHTS</a:t>
+            </a:r>
+          </a:p>
+        </p:txBody>
+      </p:sp>
+    </p:spTree>
+    <p:extLst>
+      <p:ext uri="{BB962C8B-B14F-4D97-AF65-F5344CB8AC3E}">
+        <p14:creationId xmlns:p14="http://schemas.microsoft.com/office/powerpoint/2010/main" val="4096627422"/>
+      </p:ext>
+    </p:extLst>
+  </p:cSld>
+  <p:clrMapOvr>
+    <a:masterClrMapping/>
+  </p:clrMapOvr>
+</p:sld>
+</file>
+
+<file path=ppt/slides/slide31.xml><?xml version="1.0" encoding="utf-8"?>
+<p:sld xmlns:a="http://schemas.openxmlformats.org/drawingml/2006/main" xmlns:r="http://schemas.openxmlformats.org/officeDocument/2006/relationships" xmlns:p="http://schemas.openxmlformats.org/presentationml/2006/main">
+  <p:cSld>
+    <p:spTree>
+      <p:nvGrpSpPr>
+        <p:cNvPr id="1" name=""/>
+        <p:cNvGrpSpPr/>
+        <p:nvPr/>
+      </p:nvGrpSpPr>
+      <p:grpSpPr>
+        <a:xfrm>
+          <a:off x="0" y="0"/>
+          <a:ext cx="0" cy="0"/>
+          <a:chOff x="0" y="0"/>
+          <a:chExt cx="0" cy="0"/>
+        </a:xfrm>
+      </p:grpSpPr>
+      <p:sp>
+        <p:nvSpPr>
+          <p:cNvPr id="2" name="Title 1">
+            <a:extLst>
+              <a:ext uri="{FF2B5EF4-FFF2-40B4-BE49-F238E27FC236}">
+                <a16:creationId xmlns:a16="http://schemas.microsoft.com/office/drawing/2014/main" id="{48B04C6A-C246-EFF2-F4E0-B57F852896D1}"/>
+              </a:ext>
+            </a:extLst>
+          </p:cNvPr>
+          <p:cNvSpPr>
+            <a:spLocks noGrp="1"/>
+          </p:cNvSpPr>
+          <p:nvPr>
+            <p:ph type="title"/>
+          </p:nvPr>
+        </p:nvSpPr>
+        <p:spPr>
+          <a:xfrm>
+            <a:off x="2317949" y="1307100"/>
+            <a:ext cx="5756375" cy="2529300"/>
+          </a:xfrm>
+          <a:noFill/>
+          <a:ln>
+            <a:noFill/>
+          </a:ln>
+        </p:spPr>
+        <p:txBody>
+          <a:bodyPr spcFirstLastPara="1" wrap="square" lIns="91425" tIns="91425" rIns="91425" bIns="91425" anchor="ctr" anchorCtr="0">
+            <a:noAutofit/>
+          </a:bodyPr>
+          <a:lstStyle/>
+          <a:p>
+            <a:pPr>
+              <a:spcBef>
+                <a:spcPts val="300"/>
+              </a:spcBef>
+              <a:spcAft>
+                <a:spcPts val="300"/>
+              </a:spcAft>
+            </a:pPr>
+            <a:r>
+              <a:rPr lang="en-US" sz="4000" dirty="0">
+                <a:latin typeface="Montserrat" panose="00000500000000000000" pitchFamily="2" charset="0"/>
+              </a:rPr>
+              <a:t>4.1. NHẬN ĐỊNH VÀ </a:t>
+            </a:r>
+            <a:br>
+              <a:rPr lang="en-US" sz="4000" dirty="0">
+                <a:latin typeface="Montserrat" panose="00000500000000000000" pitchFamily="2" charset="0"/>
+              </a:rPr>
+            </a:br>
+            <a:r>
+              <a:rPr lang="en-US" sz="4000" dirty="0">
+                <a:latin typeface="Montserrat" panose="00000500000000000000" pitchFamily="2" charset="0"/>
+              </a:rPr>
+              <a:t>RỦI RO </a:t>
+            </a:r>
+          </a:p>
+        </p:txBody>
+      </p:sp>
+    </p:spTree>
+    <p:extLst>
+      <p:ext uri="{BB962C8B-B14F-4D97-AF65-F5344CB8AC3E}">
+        <p14:creationId xmlns:p14="http://schemas.microsoft.com/office/powerpoint/2010/main" val="3929202884"/>
+      </p:ext>
+    </p:extLst>
+  </p:cSld>
+  <p:clrMapOvr>
+    <a:masterClrMapping/>
+  </p:clrMapOvr>
+</p:sld>
+</file>
+
+<file path=ppt/slides/slide32.xml><?xml version="1.0" encoding="utf-8"?>
+<p:sld xmlns:a="http://schemas.openxmlformats.org/drawingml/2006/main" xmlns:r="http://schemas.openxmlformats.org/officeDocument/2006/relationships" xmlns:p="http://schemas.openxmlformats.org/presentationml/2006/main">
+  <p:cSld>
+    <p:spTree>
+      <p:nvGrpSpPr>
+        <p:cNvPr id="1" name=""/>
+        <p:cNvGrpSpPr/>
+        <p:nvPr/>
+      </p:nvGrpSpPr>
+      <p:grpSpPr>
+        <a:xfrm>
+          <a:off x="0" y="0"/>
+          <a:ext cx="0" cy="0"/>
+          <a:chOff x="0" y="0"/>
+          <a:chExt cx="0" cy="0"/>
+        </a:xfrm>
+      </p:grpSpPr>
+      <p:sp>
+        <p:nvSpPr>
+          <p:cNvPr id="2" name="Title 1"/>
+          <p:cNvSpPr>
+            <a:spLocks noGrp="1"/>
+          </p:cNvSpPr>
+          <p:nvPr>
+            <p:ph type="title" idx="4294967295"/>
+          </p:nvPr>
+        </p:nvSpPr>
+        <p:spPr>
+          <a:xfrm>
+            <a:off x="223268" y="351046"/>
+            <a:ext cx="4573018" cy="913322"/>
+          </a:xfrm>
+          <a:noFill/>
+          <a:ln>
+            <a:noFill/>
+          </a:ln>
+        </p:spPr>
+        <p:txBody>
+          <a:bodyPr spcFirstLastPara="1" wrap="square" lIns="91425" tIns="91425" rIns="91425" bIns="91425" anchor="t" anchorCtr="0">
+            <a:noAutofit/>
+          </a:bodyPr>
+          <a:lstStyle/>
+          <a:p>
+            <a:pPr algn="ctr"/>
+            <a:r>
+              <a:rPr sz="4000" dirty="0" err="1">
+                <a:latin typeface="Aptos Display" panose="020B0004020202020204" pitchFamily="34" charset="0"/>
+              </a:rPr>
+              <a:t>Nhận</a:t>
+            </a:r>
+            <a:r>
+              <a:rPr sz="4000" dirty="0">
+                <a:latin typeface="Aptos Display" panose="020B0004020202020204" pitchFamily="34" charset="0"/>
+              </a:rPr>
+              <a:t> </a:t>
+            </a:r>
+            <a:r>
+              <a:rPr sz="4000" dirty="0" err="1">
+                <a:latin typeface="Aptos Display" panose="020B0004020202020204" pitchFamily="34" charset="0"/>
+              </a:rPr>
+              <a:t>định</a:t>
+            </a:r>
+            <a:r>
+              <a:rPr sz="4000" dirty="0">
+                <a:latin typeface="Aptos Display" panose="020B0004020202020204" pitchFamily="34" charset="0"/>
+              </a:rPr>
+              <a:t> </a:t>
+            </a:r>
+            <a:r>
+              <a:rPr lang="en-US" sz="4000" dirty="0" err="1">
+                <a:latin typeface="Aptos Display" panose="020B0004020202020204" pitchFamily="34" charset="0"/>
+              </a:rPr>
+              <a:t>chính</a:t>
+            </a:r>
+            <a:endParaRPr sz="4000" dirty="0">
+              <a:latin typeface="Aptos Display" panose="020B0004020202020204" pitchFamily="34" charset="0"/>
+            </a:endParaRPr>
+          </a:p>
+        </p:txBody>
+      </p:sp>
+      <p:sp>
+        <p:nvSpPr>
+          <p:cNvPr id="4" name="Picture Placeholder 3"/>
+          <p:cNvSpPr>
+            <a:spLocks noGrp="1"/>
+          </p:cNvSpPr>
+          <p:nvPr>
+            <p:ph type="pic" idx="4294967295"/>
+          </p:nvPr>
+        </p:nvSpPr>
+        <p:spPr>
+          <a:xfrm>
+            <a:off x="223268" y="1264368"/>
+            <a:ext cx="8697461" cy="2306968"/>
+          </a:xfrm>
+          <a:noFill/>
+          <a:ln>
+            <a:noFill/>
+          </a:ln>
+        </p:spPr>
+        <p:txBody>
+          <a:bodyPr/>
+          <a:lstStyle/>
+          <a:p>
+            <a:pPr marL="0" indent="0">
+              <a:buNone/>
+            </a:pPr>
+            <a:r>
+              <a:rPr sz="2500" dirty="0">
+                <a:latin typeface="Century" panose="02040604050505020304" pitchFamily="18" charset="0"/>
+              </a:rPr>
+              <a:t>Doanh </a:t>
+            </a:r>
+            <a:r>
+              <a:rPr sz="2500" dirty="0" err="1">
+                <a:latin typeface="Century" panose="02040604050505020304" pitchFamily="18" charset="0"/>
+              </a:rPr>
+              <a:t>thu</a:t>
+            </a:r>
+            <a:r>
+              <a:rPr sz="2500" dirty="0">
+                <a:latin typeface="Century" panose="02040604050505020304" pitchFamily="18" charset="0"/>
+              </a:rPr>
+              <a:t> </a:t>
+            </a:r>
+            <a:r>
+              <a:rPr sz="2500" dirty="0" err="1">
+                <a:latin typeface="Century" panose="02040604050505020304" pitchFamily="18" charset="0"/>
+              </a:rPr>
+              <a:t>có</a:t>
+            </a:r>
+            <a:r>
+              <a:rPr sz="2500" dirty="0">
+                <a:latin typeface="Century" panose="02040604050505020304" pitchFamily="18" charset="0"/>
+              </a:rPr>
+              <a:t> xu </a:t>
+            </a:r>
+            <a:r>
+              <a:rPr sz="2500" dirty="0" err="1">
+                <a:latin typeface="Century" panose="02040604050505020304" pitchFamily="18" charset="0"/>
+              </a:rPr>
+              <a:t>hướng</a:t>
+            </a:r>
+            <a:r>
+              <a:rPr sz="2500" dirty="0">
+                <a:latin typeface="Century" panose="02040604050505020304" pitchFamily="18" charset="0"/>
+              </a:rPr>
+              <a:t> </a:t>
+            </a:r>
+            <a:r>
+              <a:rPr sz="2500" dirty="0" err="1">
+                <a:latin typeface="Century" panose="02040604050505020304" pitchFamily="18" charset="0"/>
+              </a:rPr>
+              <a:t>tăng</a:t>
+            </a:r>
+            <a:r>
+              <a:rPr sz="2500" dirty="0">
+                <a:latin typeface="Century" panose="02040604050505020304" pitchFamily="18" charset="0"/>
+              </a:rPr>
+              <a:t> </a:t>
+            </a:r>
+            <a:r>
+              <a:rPr sz="2500" dirty="0" err="1">
+                <a:latin typeface="Century" panose="02040604050505020304" pitchFamily="18" charset="0"/>
+              </a:rPr>
+              <a:t>trưởng</a:t>
+            </a:r>
+            <a:r>
+              <a:rPr sz="2500" dirty="0">
+                <a:latin typeface="Century" panose="02040604050505020304" pitchFamily="18" charset="0"/>
+              </a:rPr>
+              <a:t> </a:t>
+            </a:r>
+            <a:r>
+              <a:rPr sz="2500" dirty="0" err="1">
+                <a:latin typeface="Century" panose="02040604050505020304" pitchFamily="18" charset="0"/>
+              </a:rPr>
+              <a:t>tích</a:t>
+            </a:r>
+            <a:r>
+              <a:rPr sz="2500" dirty="0">
+                <a:latin typeface="Century" panose="02040604050505020304" pitchFamily="18" charset="0"/>
+              </a:rPr>
+              <a:t> </a:t>
+            </a:r>
+            <a:r>
+              <a:rPr sz="2500" dirty="0" err="1">
+                <a:latin typeface="Century" panose="02040604050505020304" pitchFamily="18" charset="0"/>
+              </a:rPr>
+              <a:t>cực</a:t>
+            </a:r>
+            <a:r>
+              <a:rPr sz="2500" dirty="0">
+                <a:latin typeface="Century" panose="02040604050505020304" pitchFamily="18" charset="0"/>
+              </a:rPr>
+              <a:t> </a:t>
+            </a:r>
+            <a:r>
+              <a:rPr sz="2500" dirty="0" err="1">
+                <a:latin typeface="Century" panose="02040604050505020304" pitchFamily="18" charset="0"/>
+              </a:rPr>
+              <a:t>nhưng</a:t>
+            </a:r>
+            <a:r>
+              <a:rPr sz="2500" dirty="0">
+                <a:latin typeface="Century" panose="02040604050505020304" pitchFamily="18" charset="0"/>
+              </a:rPr>
+              <a:t> </a:t>
+            </a:r>
+            <a:r>
+              <a:rPr sz="2500" dirty="0" err="1">
+                <a:latin typeface="Century" panose="02040604050505020304" pitchFamily="18" charset="0"/>
+              </a:rPr>
+              <a:t>phụ</a:t>
+            </a:r>
+            <a:r>
+              <a:rPr sz="2500" dirty="0">
+                <a:latin typeface="Century" panose="02040604050505020304" pitchFamily="18" charset="0"/>
+              </a:rPr>
+              <a:t> </a:t>
+            </a:r>
+            <a:r>
+              <a:rPr sz="2500" dirty="0" err="1">
+                <a:latin typeface="Century" panose="02040604050505020304" pitchFamily="18" charset="0"/>
+              </a:rPr>
+              <a:t>thuộc</a:t>
+            </a:r>
+            <a:r>
+              <a:rPr sz="2500" dirty="0">
+                <a:latin typeface="Century" panose="02040604050505020304" pitchFamily="18" charset="0"/>
+              </a:rPr>
+              <a:t> </a:t>
+            </a:r>
+            <a:r>
+              <a:rPr sz="2500" dirty="0" err="1">
+                <a:latin typeface="Century" panose="02040604050505020304" pitchFamily="18" charset="0"/>
+              </a:rPr>
+              <a:t>vào</a:t>
+            </a:r>
+            <a:r>
+              <a:rPr sz="2500" dirty="0">
+                <a:latin typeface="Century" panose="02040604050505020304" pitchFamily="18" charset="0"/>
+              </a:rPr>
+              <a:t> </a:t>
+            </a:r>
+            <a:r>
+              <a:rPr sz="2500" dirty="0" err="1">
+                <a:latin typeface="Century" panose="02040604050505020304" pitchFamily="18" charset="0"/>
+              </a:rPr>
+              <a:t>một</a:t>
+            </a:r>
+            <a:r>
+              <a:rPr sz="2500" dirty="0">
+                <a:latin typeface="Century" panose="02040604050505020304" pitchFamily="18" charset="0"/>
+              </a:rPr>
+              <a:t> </a:t>
+            </a:r>
+            <a:r>
+              <a:rPr sz="2500" dirty="0" err="1">
+                <a:latin typeface="Century" panose="02040604050505020304" pitchFamily="18" charset="0"/>
+              </a:rPr>
+              <a:t>số</a:t>
+            </a:r>
+            <a:r>
+              <a:rPr sz="2500" dirty="0">
+                <a:latin typeface="Century" panose="02040604050505020304" pitchFamily="18" charset="0"/>
+              </a:rPr>
+              <a:t> </a:t>
+            </a:r>
+            <a:r>
+              <a:rPr sz="2500" dirty="0" err="1">
+                <a:latin typeface="Century" panose="02040604050505020304" pitchFamily="18" charset="0"/>
+              </a:rPr>
+              <a:t>sản</a:t>
+            </a:r>
+            <a:r>
+              <a:rPr sz="2500" dirty="0">
+                <a:latin typeface="Century" panose="02040604050505020304" pitchFamily="18" charset="0"/>
+              </a:rPr>
+              <a:t> </a:t>
+            </a:r>
+            <a:r>
+              <a:rPr sz="2500" dirty="0" err="1">
+                <a:latin typeface="Century" panose="02040604050505020304" pitchFamily="18" charset="0"/>
+              </a:rPr>
+              <a:t>phẩm</a:t>
+            </a:r>
+            <a:r>
+              <a:rPr sz="2500" dirty="0">
+                <a:latin typeface="Century" panose="02040604050505020304" pitchFamily="18" charset="0"/>
+              </a:rPr>
+              <a:t> </a:t>
+            </a:r>
+            <a:r>
+              <a:rPr sz="2500" dirty="0" err="1">
+                <a:latin typeface="Century" panose="02040604050505020304" pitchFamily="18" charset="0"/>
+              </a:rPr>
+              <a:t>và</a:t>
+            </a:r>
+            <a:r>
+              <a:rPr sz="2500" dirty="0">
+                <a:latin typeface="Century" panose="02040604050505020304" pitchFamily="18" charset="0"/>
+              </a:rPr>
+              <a:t> </a:t>
+            </a:r>
+            <a:r>
+              <a:rPr sz="2500" dirty="0" err="1">
+                <a:latin typeface="Century" panose="02040604050505020304" pitchFamily="18" charset="0"/>
+              </a:rPr>
+              <a:t>khách</a:t>
+            </a:r>
+            <a:r>
+              <a:rPr sz="2500" dirty="0">
+                <a:latin typeface="Century" panose="02040604050505020304" pitchFamily="18" charset="0"/>
+              </a:rPr>
+              <a:t> </a:t>
+            </a:r>
+            <a:r>
+              <a:rPr sz="2500" dirty="0" err="1">
+                <a:latin typeface="Century" panose="02040604050505020304" pitchFamily="18" charset="0"/>
+              </a:rPr>
+              <a:t>hàng</a:t>
+            </a:r>
+            <a:r>
+              <a:rPr sz="2500" dirty="0">
+                <a:latin typeface="Century" panose="02040604050505020304" pitchFamily="18" charset="0"/>
+              </a:rPr>
+              <a:t> </a:t>
+            </a:r>
+            <a:r>
+              <a:rPr sz="2500" dirty="0" err="1">
+                <a:latin typeface="Century" panose="02040604050505020304" pitchFamily="18" charset="0"/>
+              </a:rPr>
+              <a:t>chủ</a:t>
+            </a:r>
+            <a:r>
+              <a:rPr sz="2500" dirty="0">
+                <a:latin typeface="Century" panose="02040604050505020304" pitchFamily="18" charset="0"/>
+              </a:rPr>
+              <a:t> </a:t>
+            </a:r>
+            <a:r>
+              <a:rPr sz="2500" dirty="0" err="1">
+                <a:latin typeface="Century" panose="02040604050505020304" pitchFamily="18" charset="0"/>
+              </a:rPr>
+              <a:t>chốt</a:t>
+            </a:r>
+            <a:r>
+              <a:rPr sz="2500" dirty="0">
+                <a:latin typeface="Century" panose="02040604050505020304" pitchFamily="18" charset="0"/>
+              </a:rPr>
+              <a:t>. </a:t>
+            </a:r>
+            <a:endParaRPr lang="en-US" sz="2500" dirty="0">
+              <a:latin typeface="Century" panose="02040604050505020304" pitchFamily="18" charset="0"/>
+            </a:endParaRPr>
+          </a:p>
+          <a:p>
+            <a:pPr marL="0" indent="0">
+              <a:buNone/>
+            </a:pPr>
+            <a:r>
+              <a:rPr sz="2500" dirty="0" err="1">
+                <a:latin typeface="Century" panose="02040604050505020304" pitchFamily="18" charset="0"/>
+              </a:rPr>
+              <a:t>Yếu</a:t>
+            </a:r>
+            <a:r>
+              <a:rPr sz="2500" dirty="0">
+                <a:latin typeface="Century" panose="02040604050505020304" pitchFamily="18" charset="0"/>
+              </a:rPr>
+              <a:t> </a:t>
+            </a:r>
+            <a:r>
+              <a:rPr sz="2500" dirty="0" err="1">
+                <a:latin typeface="Century" panose="02040604050505020304" pitchFamily="18" charset="0"/>
+              </a:rPr>
+              <a:t>tố</a:t>
+            </a:r>
+            <a:r>
+              <a:rPr sz="2500" dirty="0">
+                <a:latin typeface="Century" panose="02040604050505020304" pitchFamily="18" charset="0"/>
+              </a:rPr>
+              <a:t> </a:t>
+            </a:r>
+            <a:r>
+              <a:rPr sz="2500" dirty="0" err="1">
+                <a:latin typeface="Century" panose="02040604050505020304" pitchFamily="18" charset="0"/>
+              </a:rPr>
+              <a:t>mùa</a:t>
+            </a:r>
+            <a:r>
+              <a:rPr sz="2500" dirty="0">
+                <a:latin typeface="Century" panose="02040604050505020304" pitchFamily="18" charset="0"/>
+              </a:rPr>
+              <a:t> </a:t>
+            </a:r>
+            <a:r>
+              <a:rPr sz="2500" dirty="0" err="1">
+                <a:latin typeface="Century" panose="02040604050505020304" pitchFamily="18" charset="0"/>
+              </a:rPr>
+              <a:t>vụ</a:t>
+            </a:r>
+            <a:r>
+              <a:rPr sz="2500" dirty="0">
+                <a:latin typeface="Century" panose="02040604050505020304" pitchFamily="18" charset="0"/>
+              </a:rPr>
+              <a:t> </a:t>
+            </a:r>
+            <a:r>
+              <a:rPr sz="2500" dirty="0" err="1">
+                <a:latin typeface="Century" panose="02040604050505020304" pitchFamily="18" charset="0"/>
+              </a:rPr>
+              <a:t>đóng</a:t>
+            </a:r>
+            <a:r>
+              <a:rPr sz="2500" dirty="0">
+                <a:latin typeface="Century" panose="02040604050505020304" pitchFamily="18" charset="0"/>
+              </a:rPr>
+              <a:t> </a:t>
+            </a:r>
+            <a:r>
+              <a:rPr sz="2500" dirty="0" err="1">
+                <a:latin typeface="Century" panose="02040604050505020304" pitchFamily="18" charset="0"/>
+              </a:rPr>
+              <a:t>vai</a:t>
+            </a:r>
+            <a:r>
+              <a:rPr sz="2500" dirty="0">
+                <a:latin typeface="Century" panose="02040604050505020304" pitchFamily="18" charset="0"/>
+              </a:rPr>
+              <a:t> </a:t>
+            </a:r>
+            <a:r>
+              <a:rPr sz="2500" dirty="0" err="1">
+                <a:latin typeface="Century" panose="02040604050505020304" pitchFamily="18" charset="0"/>
+              </a:rPr>
+              <a:t>trò</a:t>
+            </a:r>
+            <a:r>
+              <a:rPr sz="2500" dirty="0">
+                <a:latin typeface="Century" panose="02040604050505020304" pitchFamily="18" charset="0"/>
+              </a:rPr>
+              <a:t> </a:t>
+            </a:r>
+            <a:r>
+              <a:rPr sz="2500" dirty="0" err="1">
+                <a:latin typeface="Century" panose="02040604050505020304" pitchFamily="18" charset="0"/>
+              </a:rPr>
+              <a:t>quan</a:t>
+            </a:r>
+            <a:r>
+              <a:rPr sz="2500" dirty="0">
+                <a:latin typeface="Century" panose="02040604050505020304" pitchFamily="18" charset="0"/>
+              </a:rPr>
+              <a:t> </a:t>
+            </a:r>
+            <a:r>
+              <a:rPr sz="2500" dirty="0" err="1">
+                <a:latin typeface="Century" panose="02040604050505020304" pitchFamily="18" charset="0"/>
+              </a:rPr>
+              <a:t>trọng</a:t>
+            </a:r>
+            <a:r>
+              <a:rPr sz="2500" dirty="0">
+                <a:latin typeface="Century" panose="02040604050505020304" pitchFamily="18" charset="0"/>
+              </a:rPr>
+              <a:t> </a:t>
+            </a:r>
+            <a:r>
+              <a:rPr sz="2500" dirty="0" err="1">
+                <a:latin typeface="Century" panose="02040604050505020304" pitchFamily="18" charset="0"/>
+              </a:rPr>
+              <a:t>trong</a:t>
+            </a:r>
+            <a:r>
+              <a:rPr sz="2500" dirty="0">
+                <a:latin typeface="Century" panose="02040604050505020304" pitchFamily="18" charset="0"/>
+              </a:rPr>
+              <a:t> </a:t>
+            </a:r>
+            <a:r>
+              <a:rPr sz="2500" dirty="0" err="1">
+                <a:latin typeface="Century" panose="02040604050505020304" pitchFamily="18" charset="0"/>
+              </a:rPr>
+              <a:t>việc</a:t>
+            </a:r>
+            <a:r>
+              <a:rPr sz="2500" dirty="0">
+                <a:latin typeface="Century" panose="02040604050505020304" pitchFamily="18" charset="0"/>
+              </a:rPr>
+              <a:t> </a:t>
+            </a:r>
+            <a:r>
+              <a:rPr sz="2500" dirty="0" err="1">
+                <a:latin typeface="Century" panose="02040604050505020304" pitchFamily="18" charset="0"/>
+              </a:rPr>
+              <a:t>hình</a:t>
+            </a:r>
+            <a:r>
+              <a:rPr sz="2500" dirty="0">
+                <a:latin typeface="Century" panose="02040604050505020304" pitchFamily="18" charset="0"/>
+              </a:rPr>
+              <a:t> </a:t>
+            </a:r>
+            <a:r>
+              <a:rPr sz="2500" dirty="0" err="1">
+                <a:latin typeface="Century" panose="02040604050505020304" pitchFamily="18" charset="0"/>
+              </a:rPr>
+              <a:t>thành</a:t>
+            </a:r>
+            <a:r>
+              <a:rPr sz="2500" dirty="0">
+                <a:latin typeface="Century" panose="02040604050505020304" pitchFamily="18" charset="0"/>
+              </a:rPr>
+              <a:t> </a:t>
+            </a:r>
+            <a:r>
+              <a:rPr sz="2500" dirty="0" err="1">
+                <a:latin typeface="Century" panose="02040604050505020304" pitchFamily="18" charset="0"/>
+              </a:rPr>
+              <a:t>các</a:t>
+            </a:r>
+            <a:r>
+              <a:rPr sz="2500" dirty="0">
+                <a:latin typeface="Century" panose="02040604050505020304" pitchFamily="18" charset="0"/>
+              </a:rPr>
+              <a:t> </a:t>
+            </a:r>
+            <a:r>
+              <a:rPr sz="2500" dirty="0" err="1">
+                <a:latin typeface="Century" panose="02040604050505020304" pitchFamily="18" charset="0"/>
+              </a:rPr>
+              <a:t>pha</a:t>
+            </a:r>
+            <a:r>
+              <a:rPr sz="2500" dirty="0">
+                <a:latin typeface="Century" panose="02040604050505020304" pitchFamily="18" charset="0"/>
+              </a:rPr>
+              <a:t> </a:t>
+            </a:r>
+            <a:r>
+              <a:rPr sz="2500" dirty="0" err="1">
+                <a:latin typeface="Century" panose="02040604050505020304" pitchFamily="18" charset="0"/>
+              </a:rPr>
+              <a:t>tăng</a:t>
+            </a:r>
+            <a:r>
+              <a:rPr sz="2500" dirty="0">
+                <a:latin typeface="Century" panose="02040604050505020304" pitchFamily="18" charset="0"/>
+              </a:rPr>
+              <a:t> – </a:t>
+            </a:r>
+            <a:r>
+              <a:rPr sz="2500" dirty="0" err="1">
+                <a:latin typeface="Century" panose="02040604050505020304" pitchFamily="18" charset="0"/>
+              </a:rPr>
+              <a:t>giảm</a:t>
+            </a:r>
+            <a:r>
+              <a:rPr sz="2500" dirty="0">
+                <a:latin typeface="Century" panose="02040604050505020304" pitchFamily="18" charset="0"/>
+              </a:rPr>
+              <a:t> </a:t>
+            </a:r>
+            <a:r>
+              <a:rPr sz="2500" dirty="0" err="1">
+                <a:latin typeface="Century" panose="02040604050505020304" pitchFamily="18" charset="0"/>
+              </a:rPr>
+              <a:t>doanh</a:t>
+            </a:r>
+            <a:r>
+              <a:rPr sz="2500" dirty="0">
+                <a:latin typeface="Century" panose="02040604050505020304" pitchFamily="18" charset="0"/>
+              </a:rPr>
+              <a:t> </a:t>
+            </a:r>
+            <a:r>
+              <a:rPr sz="2500" dirty="0" err="1">
+                <a:latin typeface="Century" panose="02040604050505020304" pitchFamily="18" charset="0"/>
+              </a:rPr>
+              <a:t>thu</a:t>
+            </a:r>
+            <a:r>
+              <a:rPr sz="2500" dirty="0">
+                <a:latin typeface="Century" panose="02040604050505020304" pitchFamily="18" charset="0"/>
+              </a:rPr>
+              <a:t> </a:t>
+            </a:r>
+            <a:r>
+              <a:rPr sz="2500" dirty="0" err="1">
+                <a:latin typeface="Century" panose="02040604050505020304" pitchFamily="18" charset="0"/>
+              </a:rPr>
+              <a:t>trong</a:t>
+            </a:r>
+            <a:r>
+              <a:rPr sz="2500" dirty="0">
+                <a:latin typeface="Century" panose="02040604050505020304" pitchFamily="18" charset="0"/>
+              </a:rPr>
+              <a:t> </a:t>
+            </a:r>
+            <a:r>
+              <a:rPr sz="2500" dirty="0" err="1">
+                <a:latin typeface="Century" panose="02040604050505020304" pitchFamily="18" charset="0"/>
+              </a:rPr>
+              <a:t>năm</a:t>
+            </a:r>
+            <a:r>
+              <a:rPr sz="2500" dirty="0">
+                <a:latin typeface="Century" panose="02040604050505020304" pitchFamily="18" charset="0"/>
+              </a:rPr>
+              <a:t>, </a:t>
+            </a:r>
+            <a:r>
+              <a:rPr sz="2500" dirty="0" err="1">
+                <a:latin typeface="Century" panose="02040604050505020304" pitchFamily="18" charset="0"/>
+              </a:rPr>
+              <a:t>cho</a:t>
+            </a:r>
+            <a:r>
+              <a:rPr sz="2500" dirty="0">
+                <a:latin typeface="Century" panose="02040604050505020304" pitchFamily="18" charset="0"/>
+              </a:rPr>
+              <a:t> </a:t>
+            </a:r>
+            <a:r>
+              <a:rPr sz="2500" dirty="0" err="1">
+                <a:latin typeface="Century" panose="02040604050505020304" pitchFamily="18" charset="0"/>
+              </a:rPr>
+              <a:t>thấy</a:t>
+            </a:r>
+            <a:r>
+              <a:rPr sz="2500" dirty="0">
+                <a:latin typeface="Century" panose="02040604050505020304" pitchFamily="18" charset="0"/>
+              </a:rPr>
+              <a:t> </a:t>
+            </a:r>
+            <a:r>
+              <a:rPr sz="2500" dirty="0" err="1">
+                <a:latin typeface="Century" panose="02040604050505020304" pitchFamily="18" charset="0"/>
+              </a:rPr>
+              <a:t>cơ</a:t>
+            </a:r>
+            <a:r>
+              <a:rPr sz="2500" dirty="0">
+                <a:latin typeface="Century" panose="02040604050505020304" pitchFamily="18" charset="0"/>
+              </a:rPr>
+              <a:t> </a:t>
+            </a:r>
+            <a:r>
+              <a:rPr sz="2500" dirty="0" err="1">
+                <a:latin typeface="Century" panose="02040604050505020304" pitchFamily="18" charset="0"/>
+              </a:rPr>
+              <a:t>cấu</a:t>
+            </a:r>
+            <a:r>
+              <a:rPr sz="2500" dirty="0">
+                <a:latin typeface="Century" panose="02040604050505020304" pitchFamily="18" charset="0"/>
+              </a:rPr>
+              <a:t> </a:t>
+            </a:r>
+            <a:r>
+              <a:rPr sz="2500" dirty="0" err="1">
+                <a:latin typeface="Century" panose="02040604050505020304" pitchFamily="18" charset="0"/>
+              </a:rPr>
+              <a:t>doanh</a:t>
+            </a:r>
+            <a:r>
+              <a:rPr sz="2500" dirty="0">
+                <a:latin typeface="Century" panose="02040604050505020304" pitchFamily="18" charset="0"/>
+              </a:rPr>
+              <a:t> </a:t>
+            </a:r>
+            <a:r>
+              <a:rPr sz="2500" dirty="0" err="1">
+                <a:latin typeface="Century" panose="02040604050505020304" pitchFamily="18" charset="0"/>
+              </a:rPr>
+              <a:t>thu</a:t>
+            </a:r>
+            <a:r>
+              <a:rPr sz="2500" dirty="0">
+                <a:latin typeface="Century" panose="02040604050505020304" pitchFamily="18" charset="0"/>
+              </a:rPr>
+              <a:t> </a:t>
+            </a:r>
+            <a:r>
+              <a:rPr sz="2500" dirty="0" err="1">
+                <a:latin typeface="Century" panose="02040604050505020304" pitchFamily="18" charset="0"/>
+              </a:rPr>
+              <a:t>chưa</a:t>
+            </a:r>
+            <a:r>
+              <a:rPr sz="2500" dirty="0">
+                <a:latin typeface="Century" panose="02040604050505020304" pitchFamily="18" charset="0"/>
+              </a:rPr>
+              <a:t> </a:t>
+            </a:r>
+            <a:r>
+              <a:rPr sz="2500" dirty="0" err="1">
+                <a:latin typeface="Century" panose="02040604050505020304" pitchFamily="18" charset="0"/>
+              </a:rPr>
+              <a:t>thực</a:t>
+            </a:r>
+            <a:r>
+              <a:rPr sz="2500" dirty="0">
+                <a:latin typeface="Century" panose="02040604050505020304" pitchFamily="18" charset="0"/>
+              </a:rPr>
+              <a:t> </a:t>
+            </a:r>
+            <a:r>
+              <a:rPr sz="2500" dirty="0" err="1">
+                <a:latin typeface="Century" panose="02040604050505020304" pitchFamily="18" charset="0"/>
+              </a:rPr>
+              <a:t>sự</a:t>
+            </a:r>
+            <a:r>
+              <a:rPr sz="2500" dirty="0">
+                <a:latin typeface="Century" panose="02040604050505020304" pitchFamily="18" charset="0"/>
+              </a:rPr>
+              <a:t> </a:t>
+            </a:r>
+            <a:r>
+              <a:rPr sz="2500" dirty="0" err="1">
+                <a:latin typeface="Century" panose="02040604050505020304" pitchFamily="18" charset="0"/>
+              </a:rPr>
+              <a:t>cân</a:t>
+            </a:r>
+            <a:r>
+              <a:rPr sz="2500" dirty="0">
+                <a:latin typeface="Century" panose="02040604050505020304" pitchFamily="18" charset="0"/>
+              </a:rPr>
+              <a:t> </a:t>
+            </a:r>
+            <a:r>
+              <a:rPr sz="2500" dirty="0" err="1">
+                <a:latin typeface="Century" panose="02040604050505020304" pitchFamily="18" charset="0"/>
+              </a:rPr>
+              <a:t>bằng</a:t>
+            </a:r>
+            <a:r>
+              <a:rPr sz="2500" dirty="0">
+                <a:latin typeface="Century" panose="02040604050505020304" pitchFamily="18" charset="0"/>
+              </a:rPr>
+              <a:t>.</a:t>
+            </a:r>
+          </a:p>
+        </p:txBody>
+      </p:sp>
+    </p:spTree>
+  </p:cSld>
+  <p:clrMapOvr>
+    <a:masterClrMapping/>
+  </p:clrMapOvr>
+</p:sld>
+</file>
+
+<file path=ppt/slides/slide33.xml><?xml version="1.0" encoding="utf-8"?>
+<p:sld xmlns:a="http://schemas.openxmlformats.org/drawingml/2006/main" xmlns:r="http://schemas.openxmlformats.org/officeDocument/2006/relationships" xmlns:p="http://schemas.openxmlformats.org/presentationml/2006/main">
+  <p:cSld>
+    <p:spTree>
+      <p:nvGrpSpPr>
+        <p:cNvPr id="1" name=""/>
+        <p:cNvGrpSpPr/>
+        <p:nvPr/>
+      </p:nvGrpSpPr>
+      <p:grpSpPr>
+        <a:xfrm>
+          <a:off x="0" y="0"/>
+          <a:ext cx="0" cy="0"/>
+          <a:chOff x="0" y="0"/>
+          <a:chExt cx="0" cy="0"/>
+        </a:xfrm>
+      </p:grpSpPr>
+      <p:sp>
+        <p:nvSpPr>
+          <p:cNvPr id="2" name="Title 1"/>
+          <p:cNvSpPr>
+            <a:spLocks noGrp="1"/>
+          </p:cNvSpPr>
+          <p:nvPr>
+            <p:ph type="title" idx="4294967295"/>
+          </p:nvPr>
+        </p:nvSpPr>
+        <p:spPr>
+          <a:xfrm>
+            <a:off x="414070" y="277123"/>
+            <a:ext cx="3467818" cy="1211263"/>
+          </a:xfrm>
+          <a:noFill/>
+          <a:ln>
+            <a:noFill/>
+          </a:ln>
+        </p:spPr>
+        <p:txBody>
+          <a:bodyPr spcFirstLastPara="1" wrap="square" lIns="91425" tIns="91425" rIns="91425" bIns="91425" anchor="t" anchorCtr="0">
+            <a:noAutofit/>
+          </a:bodyPr>
+          <a:lstStyle/>
+          <a:p>
+            <a:pPr algn="ctr"/>
+            <a:r>
+              <a:rPr sz="4000" dirty="0" err="1">
+                <a:latin typeface="Aptos Display" panose="020B0004020202020204" pitchFamily="34" charset="0"/>
+              </a:rPr>
+              <a:t>Rủi</a:t>
+            </a:r>
+            <a:r>
+              <a:rPr sz="4000" dirty="0">
+                <a:latin typeface="Aptos Display" panose="020B0004020202020204" pitchFamily="34" charset="0"/>
+              </a:rPr>
+              <a:t> </a:t>
+            </a:r>
+            <a:r>
+              <a:rPr sz="4000" dirty="0" err="1">
+                <a:latin typeface="Aptos Display" panose="020B0004020202020204" pitchFamily="34" charset="0"/>
+              </a:rPr>
+              <a:t>ro</a:t>
+            </a:r>
+            <a:r>
+              <a:rPr sz="4000" dirty="0">
+                <a:latin typeface="Aptos Display" panose="020B0004020202020204" pitchFamily="34" charset="0"/>
+              </a:rPr>
+              <a:t> </a:t>
+            </a:r>
+            <a:r>
+              <a:rPr sz="4000" dirty="0" err="1">
+                <a:latin typeface="Aptos Display" panose="020B0004020202020204" pitchFamily="34" charset="0"/>
+              </a:rPr>
+              <a:t>tiềm</a:t>
+            </a:r>
+            <a:r>
+              <a:rPr sz="4000" dirty="0">
+                <a:latin typeface="Aptos Display" panose="020B0004020202020204" pitchFamily="34" charset="0"/>
+              </a:rPr>
+              <a:t> </a:t>
+            </a:r>
+            <a:r>
+              <a:rPr sz="4000" dirty="0" err="1">
+                <a:latin typeface="Aptos Display" panose="020B0004020202020204" pitchFamily="34" charset="0"/>
+              </a:rPr>
+              <a:t>ẩn</a:t>
+            </a:r>
+            <a:endParaRPr sz="4000" dirty="0">
+              <a:latin typeface="Aptos Display" panose="020B0004020202020204" pitchFamily="34" charset="0"/>
+            </a:endParaRPr>
+          </a:p>
+        </p:txBody>
+      </p:sp>
+      <p:sp>
+        <p:nvSpPr>
+          <p:cNvPr id="4" name="Picture Placeholder 3"/>
+          <p:cNvSpPr>
+            <a:spLocks noGrp="1"/>
+          </p:cNvSpPr>
+          <p:nvPr>
+            <p:ph type="pic" idx="4294967295"/>
+          </p:nvPr>
+        </p:nvSpPr>
+        <p:spPr>
+          <a:xfrm>
+            <a:off x="319177" y="1144677"/>
+            <a:ext cx="8505645" cy="2854145"/>
+          </a:xfrm>
+          <a:noFill/>
+          <a:ln>
+            <a:noFill/>
+          </a:ln>
+        </p:spPr>
+        <p:txBody>
+          <a:bodyPr/>
+          <a:lstStyle/>
+          <a:p>
+            <a:pPr marL="0" indent="0">
+              <a:buNone/>
+            </a:pPr>
+            <a:r>
+              <a:rPr sz="2500" dirty="0" err="1">
+                <a:latin typeface="Century" panose="02040604050505020304" pitchFamily="18" charset="0"/>
+              </a:rPr>
+              <a:t>Mức</a:t>
+            </a:r>
+            <a:r>
+              <a:rPr sz="2500" dirty="0">
+                <a:latin typeface="Century" panose="02040604050505020304" pitchFamily="18" charset="0"/>
+              </a:rPr>
+              <a:t> </a:t>
+            </a:r>
+            <a:r>
+              <a:rPr sz="2500" dirty="0" err="1">
+                <a:latin typeface="Century" panose="02040604050505020304" pitchFamily="18" charset="0"/>
+              </a:rPr>
+              <a:t>độ</a:t>
+            </a:r>
+            <a:r>
+              <a:rPr sz="2500" dirty="0">
+                <a:latin typeface="Century" panose="02040604050505020304" pitchFamily="18" charset="0"/>
+              </a:rPr>
+              <a:t> </a:t>
+            </a:r>
+            <a:r>
+              <a:rPr sz="2500" dirty="0" err="1">
+                <a:latin typeface="Century" panose="02040604050505020304" pitchFamily="18" charset="0"/>
+              </a:rPr>
+              <a:t>tập</a:t>
+            </a:r>
+            <a:r>
+              <a:rPr sz="2500" dirty="0">
+                <a:latin typeface="Century" panose="02040604050505020304" pitchFamily="18" charset="0"/>
+              </a:rPr>
+              <a:t> </a:t>
+            </a:r>
+            <a:r>
+              <a:rPr sz="2500" dirty="0" err="1">
+                <a:latin typeface="Century" panose="02040604050505020304" pitchFamily="18" charset="0"/>
+              </a:rPr>
+              <a:t>trung</a:t>
+            </a:r>
+            <a:r>
+              <a:rPr sz="2500" dirty="0">
+                <a:latin typeface="Century" panose="02040604050505020304" pitchFamily="18" charset="0"/>
+              </a:rPr>
+              <a:t> </a:t>
+            </a:r>
+            <a:r>
+              <a:rPr sz="2500" dirty="0" err="1">
+                <a:latin typeface="Century" panose="02040604050505020304" pitchFamily="18" charset="0"/>
+              </a:rPr>
+              <a:t>doanh</a:t>
+            </a:r>
+            <a:r>
+              <a:rPr sz="2500" dirty="0">
+                <a:latin typeface="Century" panose="02040604050505020304" pitchFamily="18" charset="0"/>
+              </a:rPr>
+              <a:t> </a:t>
+            </a:r>
+            <a:r>
+              <a:rPr sz="2500" dirty="0" err="1">
+                <a:latin typeface="Century" panose="02040604050505020304" pitchFamily="18" charset="0"/>
+              </a:rPr>
+              <a:t>thu</a:t>
+            </a:r>
+            <a:r>
+              <a:rPr sz="2500" dirty="0">
+                <a:latin typeface="Century" panose="02040604050505020304" pitchFamily="18" charset="0"/>
+              </a:rPr>
+              <a:t> </a:t>
+            </a:r>
+            <a:r>
+              <a:rPr sz="2500" dirty="0" err="1">
+                <a:latin typeface="Century" panose="02040604050505020304" pitchFamily="18" charset="0"/>
+              </a:rPr>
+              <a:t>cao</a:t>
+            </a:r>
+            <a:r>
+              <a:rPr sz="2500" dirty="0">
+                <a:latin typeface="Century" panose="02040604050505020304" pitchFamily="18" charset="0"/>
+              </a:rPr>
+              <a:t> </a:t>
+            </a:r>
+            <a:r>
+              <a:rPr sz="2500" dirty="0" err="1">
+                <a:latin typeface="Century" panose="02040604050505020304" pitchFamily="18" charset="0"/>
+              </a:rPr>
+              <a:t>làm</a:t>
+            </a:r>
+            <a:r>
+              <a:rPr sz="2500" dirty="0">
+                <a:latin typeface="Century" panose="02040604050505020304" pitchFamily="18" charset="0"/>
+              </a:rPr>
+              <a:t> </a:t>
+            </a:r>
+            <a:r>
+              <a:rPr sz="2500" dirty="0" err="1">
+                <a:latin typeface="Century" panose="02040604050505020304" pitchFamily="18" charset="0"/>
+              </a:rPr>
+              <a:t>gia</a:t>
+            </a:r>
+            <a:r>
+              <a:rPr sz="2500" dirty="0">
+                <a:latin typeface="Century" panose="02040604050505020304" pitchFamily="18" charset="0"/>
+              </a:rPr>
+              <a:t> </a:t>
+            </a:r>
+            <a:r>
+              <a:rPr sz="2500" dirty="0" err="1">
+                <a:latin typeface="Century" panose="02040604050505020304" pitchFamily="18" charset="0"/>
+              </a:rPr>
+              <a:t>tăng</a:t>
+            </a:r>
+            <a:r>
+              <a:rPr sz="2500" dirty="0">
+                <a:latin typeface="Century" panose="02040604050505020304" pitchFamily="18" charset="0"/>
+              </a:rPr>
+              <a:t> </a:t>
+            </a:r>
+            <a:r>
+              <a:rPr sz="2500" dirty="0" err="1">
+                <a:latin typeface="Century" panose="02040604050505020304" pitchFamily="18" charset="0"/>
+              </a:rPr>
+              <a:t>rủi</a:t>
+            </a:r>
+            <a:r>
+              <a:rPr sz="2500" dirty="0">
+                <a:latin typeface="Century" panose="02040604050505020304" pitchFamily="18" charset="0"/>
+              </a:rPr>
+              <a:t> </a:t>
+            </a:r>
+            <a:r>
+              <a:rPr sz="2500" dirty="0" err="1">
+                <a:latin typeface="Century" panose="02040604050505020304" pitchFamily="18" charset="0"/>
+              </a:rPr>
+              <a:t>ro</a:t>
+            </a:r>
+            <a:r>
+              <a:rPr sz="2500" dirty="0">
+                <a:latin typeface="Century" panose="02040604050505020304" pitchFamily="18" charset="0"/>
+              </a:rPr>
+              <a:t> </a:t>
+            </a:r>
+            <a:r>
+              <a:rPr sz="2500" dirty="0" err="1">
+                <a:latin typeface="Century" panose="02040604050505020304" pitchFamily="18" charset="0"/>
+              </a:rPr>
+              <a:t>khi</a:t>
+            </a:r>
+            <a:r>
+              <a:rPr sz="2500" dirty="0">
+                <a:latin typeface="Century" panose="02040604050505020304" pitchFamily="18" charset="0"/>
+              </a:rPr>
+              <a:t> </a:t>
+            </a:r>
+            <a:r>
+              <a:rPr sz="2500" dirty="0" err="1">
+                <a:latin typeface="Century" panose="02040604050505020304" pitchFamily="18" charset="0"/>
+              </a:rPr>
+              <a:t>mất</a:t>
+            </a:r>
+            <a:r>
+              <a:rPr sz="2500" dirty="0">
+                <a:latin typeface="Century" panose="02040604050505020304" pitchFamily="18" charset="0"/>
+              </a:rPr>
+              <a:t> </a:t>
+            </a:r>
+            <a:r>
+              <a:rPr sz="2500" dirty="0" err="1">
+                <a:latin typeface="Century" panose="02040604050505020304" pitchFamily="18" charset="0"/>
+              </a:rPr>
+              <a:t>khách</a:t>
+            </a:r>
+            <a:r>
+              <a:rPr sz="2500" dirty="0">
+                <a:latin typeface="Century" panose="02040604050505020304" pitchFamily="18" charset="0"/>
+              </a:rPr>
+              <a:t> </a:t>
+            </a:r>
+            <a:r>
+              <a:rPr sz="2500" dirty="0" err="1">
+                <a:latin typeface="Century" panose="02040604050505020304" pitchFamily="18" charset="0"/>
+              </a:rPr>
+              <a:t>hàng</a:t>
+            </a:r>
+            <a:r>
+              <a:rPr sz="2500" dirty="0">
+                <a:latin typeface="Century" panose="02040604050505020304" pitchFamily="18" charset="0"/>
+              </a:rPr>
+              <a:t> </a:t>
+            </a:r>
+            <a:r>
+              <a:rPr sz="2500" dirty="0" err="1">
+                <a:latin typeface="Century" panose="02040604050505020304" pitchFamily="18" charset="0"/>
+              </a:rPr>
+              <a:t>lớn</a:t>
+            </a:r>
+            <a:r>
+              <a:rPr sz="2500" dirty="0">
+                <a:latin typeface="Century" panose="02040604050505020304" pitchFamily="18" charset="0"/>
+              </a:rPr>
+              <a:t> </a:t>
+            </a:r>
+            <a:r>
+              <a:rPr sz="2500" dirty="0" err="1">
+                <a:latin typeface="Century" panose="02040604050505020304" pitchFamily="18" charset="0"/>
+              </a:rPr>
+              <a:t>hoặc</a:t>
+            </a:r>
+            <a:r>
+              <a:rPr sz="2500" dirty="0">
+                <a:latin typeface="Century" panose="02040604050505020304" pitchFamily="18" charset="0"/>
+              </a:rPr>
+              <a:t> </a:t>
+            </a:r>
+            <a:r>
+              <a:rPr sz="2500" dirty="0" err="1">
+                <a:latin typeface="Century" panose="02040604050505020304" pitchFamily="18" charset="0"/>
+              </a:rPr>
+              <a:t>khi</a:t>
+            </a:r>
+            <a:r>
+              <a:rPr sz="2500" dirty="0">
+                <a:latin typeface="Century" panose="02040604050505020304" pitchFamily="18" charset="0"/>
+              </a:rPr>
+              <a:t> </a:t>
+            </a:r>
+            <a:r>
+              <a:rPr sz="2500" dirty="0" err="1">
+                <a:latin typeface="Century" panose="02040604050505020304" pitchFamily="18" charset="0"/>
+              </a:rPr>
+              <a:t>nhu</a:t>
+            </a:r>
+            <a:r>
+              <a:rPr sz="2500" dirty="0">
+                <a:latin typeface="Century" panose="02040604050505020304" pitchFamily="18" charset="0"/>
+              </a:rPr>
+              <a:t> </a:t>
+            </a:r>
+            <a:r>
+              <a:rPr sz="2500" dirty="0" err="1">
+                <a:latin typeface="Century" panose="02040604050505020304" pitchFamily="18" charset="0"/>
+              </a:rPr>
+              <a:t>cầu</a:t>
+            </a:r>
+            <a:r>
+              <a:rPr sz="2500" dirty="0">
+                <a:latin typeface="Century" panose="02040604050505020304" pitchFamily="18" charset="0"/>
+              </a:rPr>
+              <a:t> </a:t>
+            </a:r>
+            <a:r>
+              <a:rPr sz="2500" dirty="0" err="1">
+                <a:latin typeface="Century" panose="02040604050505020304" pitchFamily="18" charset="0"/>
+              </a:rPr>
+              <a:t>sản</a:t>
+            </a:r>
+            <a:r>
+              <a:rPr sz="2500" dirty="0">
+                <a:latin typeface="Century" panose="02040604050505020304" pitchFamily="18" charset="0"/>
+              </a:rPr>
+              <a:t> </a:t>
+            </a:r>
+            <a:r>
+              <a:rPr sz="2500" dirty="0" err="1">
+                <a:latin typeface="Century" panose="02040604050505020304" pitchFamily="18" charset="0"/>
+              </a:rPr>
+              <a:t>phẩm</a:t>
+            </a:r>
+            <a:r>
+              <a:rPr sz="2500" dirty="0">
+                <a:latin typeface="Century" panose="02040604050505020304" pitchFamily="18" charset="0"/>
+              </a:rPr>
+              <a:t> </a:t>
+            </a:r>
+            <a:r>
+              <a:rPr sz="2500" dirty="0" err="1">
+                <a:latin typeface="Century" panose="02040604050505020304" pitchFamily="18" charset="0"/>
+              </a:rPr>
+              <a:t>chủ</a:t>
+            </a:r>
+            <a:r>
+              <a:rPr sz="2500" dirty="0">
+                <a:latin typeface="Century" panose="02040604050505020304" pitchFamily="18" charset="0"/>
+              </a:rPr>
+              <a:t> </a:t>
+            </a:r>
+            <a:r>
+              <a:rPr sz="2500" dirty="0" err="1">
+                <a:latin typeface="Century" panose="02040604050505020304" pitchFamily="18" charset="0"/>
+              </a:rPr>
+              <a:t>lực</a:t>
+            </a:r>
+            <a:r>
+              <a:rPr sz="2500" dirty="0">
+                <a:latin typeface="Century" panose="02040604050505020304" pitchFamily="18" charset="0"/>
+              </a:rPr>
+              <a:t> </a:t>
+            </a:r>
+            <a:r>
+              <a:rPr sz="2500" dirty="0" err="1">
+                <a:latin typeface="Century" panose="02040604050505020304" pitchFamily="18" charset="0"/>
+              </a:rPr>
+              <a:t>suy</a:t>
+            </a:r>
+            <a:r>
+              <a:rPr sz="2500" dirty="0">
+                <a:latin typeface="Century" panose="02040604050505020304" pitchFamily="18" charset="0"/>
+              </a:rPr>
+              <a:t> </a:t>
+            </a:r>
+            <a:r>
+              <a:rPr sz="2500" dirty="0" err="1">
+                <a:latin typeface="Century" panose="02040604050505020304" pitchFamily="18" charset="0"/>
+              </a:rPr>
+              <a:t>giảm</a:t>
+            </a:r>
+            <a:r>
+              <a:rPr sz="2500" dirty="0">
+                <a:latin typeface="Century" panose="02040604050505020304" pitchFamily="18" charset="0"/>
+              </a:rPr>
+              <a:t>. </a:t>
+            </a:r>
+            <a:endParaRPr lang="en-US" sz="2500" dirty="0">
+              <a:latin typeface="Century" panose="02040604050505020304" pitchFamily="18" charset="0"/>
+            </a:endParaRPr>
+          </a:p>
+          <a:p>
+            <a:pPr marL="0" indent="0">
+              <a:buNone/>
+            </a:pPr>
+            <a:r>
+              <a:rPr sz="2500" dirty="0">
+                <a:latin typeface="Century" panose="02040604050505020304" pitchFamily="18" charset="0"/>
+              </a:rPr>
+              <a:t>Danh </a:t>
+            </a:r>
+            <a:r>
+              <a:rPr sz="2500" dirty="0" err="1">
+                <a:latin typeface="Century" panose="02040604050505020304" pitchFamily="18" charset="0"/>
+              </a:rPr>
+              <a:t>mục</a:t>
+            </a:r>
+            <a:r>
+              <a:rPr sz="2500" dirty="0">
+                <a:latin typeface="Century" panose="02040604050505020304" pitchFamily="18" charset="0"/>
+              </a:rPr>
+              <a:t> </a:t>
+            </a:r>
+            <a:r>
+              <a:rPr sz="2500" dirty="0" err="1">
+                <a:latin typeface="Century" panose="02040604050505020304" pitchFamily="18" charset="0"/>
+              </a:rPr>
+              <a:t>sản</a:t>
+            </a:r>
+            <a:r>
+              <a:rPr sz="2500" dirty="0">
+                <a:latin typeface="Century" panose="02040604050505020304" pitchFamily="18" charset="0"/>
+              </a:rPr>
+              <a:t> </a:t>
+            </a:r>
+            <a:r>
+              <a:rPr sz="2500" dirty="0" err="1">
+                <a:latin typeface="Century" panose="02040604050505020304" pitchFamily="18" charset="0"/>
+              </a:rPr>
+              <a:t>phẩm</a:t>
+            </a:r>
+            <a:r>
+              <a:rPr sz="2500" dirty="0">
+                <a:latin typeface="Century" panose="02040604050505020304" pitchFamily="18" charset="0"/>
+              </a:rPr>
+              <a:t> </a:t>
+            </a:r>
+            <a:r>
+              <a:rPr sz="2500" dirty="0" err="1">
+                <a:latin typeface="Century" panose="02040604050505020304" pitchFamily="18" charset="0"/>
+              </a:rPr>
+              <a:t>phân</a:t>
+            </a:r>
+            <a:r>
+              <a:rPr sz="2500" dirty="0">
+                <a:latin typeface="Century" panose="02040604050505020304" pitchFamily="18" charset="0"/>
+              </a:rPr>
+              <a:t> </a:t>
+            </a:r>
+            <a:r>
+              <a:rPr sz="2500" dirty="0" err="1">
+                <a:latin typeface="Century" panose="02040604050505020304" pitchFamily="18" charset="0"/>
+              </a:rPr>
+              <a:t>tán</a:t>
+            </a:r>
+            <a:r>
+              <a:rPr sz="2500" dirty="0">
+                <a:latin typeface="Century" panose="02040604050505020304" pitchFamily="18" charset="0"/>
+              </a:rPr>
+              <a:t> </a:t>
+            </a:r>
+            <a:r>
+              <a:rPr sz="2500" dirty="0" err="1">
+                <a:latin typeface="Century" panose="02040604050505020304" pitchFamily="18" charset="0"/>
+              </a:rPr>
+              <a:t>với</a:t>
+            </a:r>
+            <a:r>
+              <a:rPr sz="2500" dirty="0">
+                <a:latin typeface="Century" panose="02040604050505020304" pitchFamily="18" charset="0"/>
+              </a:rPr>
+              <a:t> </a:t>
+            </a:r>
+            <a:r>
+              <a:rPr sz="2500" dirty="0" err="1">
+                <a:latin typeface="Century" panose="02040604050505020304" pitchFamily="18" charset="0"/>
+              </a:rPr>
+              <a:t>nhiều</a:t>
+            </a:r>
+            <a:r>
+              <a:rPr sz="2500" dirty="0">
+                <a:latin typeface="Century" panose="02040604050505020304" pitchFamily="18" charset="0"/>
+              </a:rPr>
+              <a:t> </a:t>
+            </a:r>
+            <a:r>
+              <a:rPr sz="2500" dirty="0" err="1">
+                <a:latin typeface="Century" panose="02040604050505020304" pitchFamily="18" charset="0"/>
+              </a:rPr>
+              <a:t>sản</a:t>
+            </a:r>
+            <a:r>
+              <a:rPr sz="2500" dirty="0">
+                <a:latin typeface="Century" panose="02040604050505020304" pitchFamily="18" charset="0"/>
+              </a:rPr>
+              <a:t> </a:t>
+            </a:r>
+            <a:r>
+              <a:rPr sz="2500" dirty="0" err="1">
+                <a:latin typeface="Century" panose="02040604050505020304" pitchFamily="18" charset="0"/>
+              </a:rPr>
+              <a:t>phẩm</a:t>
+            </a:r>
+            <a:r>
+              <a:rPr sz="2500" dirty="0">
+                <a:latin typeface="Century" panose="02040604050505020304" pitchFamily="18" charset="0"/>
+              </a:rPr>
+              <a:t> </a:t>
+            </a:r>
+            <a:r>
+              <a:rPr sz="2500" dirty="0" err="1">
+                <a:latin typeface="Century" panose="02040604050505020304" pitchFamily="18" charset="0"/>
+              </a:rPr>
+              <a:t>hiệu</a:t>
+            </a:r>
+            <a:r>
+              <a:rPr sz="2500" dirty="0">
+                <a:latin typeface="Century" panose="02040604050505020304" pitchFamily="18" charset="0"/>
+              </a:rPr>
+              <a:t> </a:t>
+            </a:r>
+            <a:r>
+              <a:rPr sz="2500" dirty="0" err="1">
+                <a:latin typeface="Century" panose="02040604050505020304" pitchFamily="18" charset="0"/>
+              </a:rPr>
+              <a:t>quả</a:t>
+            </a:r>
+            <a:r>
+              <a:rPr sz="2500" dirty="0">
+                <a:latin typeface="Century" panose="02040604050505020304" pitchFamily="18" charset="0"/>
+              </a:rPr>
+              <a:t> </a:t>
+            </a:r>
+            <a:r>
+              <a:rPr sz="2500" dirty="0" err="1">
+                <a:latin typeface="Century" panose="02040604050505020304" pitchFamily="18" charset="0"/>
+              </a:rPr>
+              <a:t>thấp</a:t>
+            </a:r>
+            <a:r>
+              <a:rPr sz="2500" dirty="0">
+                <a:latin typeface="Century" panose="02040604050505020304" pitchFamily="18" charset="0"/>
+              </a:rPr>
+              <a:t> </a:t>
+            </a:r>
+            <a:r>
+              <a:rPr sz="2500" dirty="0" err="1">
+                <a:latin typeface="Century" panose="02040604050505020304" pitchFamily="18" charset="0"/>
+              </a:rPr>
+              <a:t>có</a:t>
+            </a:r>
+            <a:r>
+              <a:rPr sz="2500" dirty="0">
+                <a:latin typeface="Century" panose="02040604050505020304" pitchFamily="18" charset="0"/>
+              </a:rPr>
+              <a:t> </a:t>
+            </a:r>
+            <a:r>
+              <a:rPr sz="2500" dirty="0" err="1">
+                <a:latin typeface="Century" panose="02040604050505020304" pitchFamily="18" charset="0"/>
+              </a:rPr>
+              <a:t>thể</a:t>
+            </a:r>
+            <a:r>
+              <a:rPr sz="2500" dirty="0">
+                <a:latin typeface="Century" panose="02040604050505020304" pitchFamily="18" charset="0"/>
+              </a:rPr>
+              <a:t> </a:t>
+            </a:r>
+            <a:r>
+              <a:rPr sz="2500" dirty="0" err="1">
+                <a:latin typeface="Century" panose="02040604050505020304" pitchFamily="18" charset="0"/>
+              </a:rPr>
+              <a:t>làm</a:t>
+            </a:r>
+            <a:r>
+              <a:rPr sz="2500" dirty="0">
+                <a:latin typeface="Century" panose="02040604050505020304" pitchFamily="18" charset="0"/>
+              </a:rPr>
+              <a:t> </a:t>
+            </a:r>
+            <a:r>
+              <a:rPr sz="2500" dirty="0" err="1">
+                <a:latin typeface="Century" panose="02040604050505020304" pitchFamily="18" charset="0"/>
+              </a:rPr>
+              <a:t>giảm</a:t>
+            </a:r>
+            <a:r>
+              <a:rPr sz="2500" dirty="0">
+                <a:latin typeface="Century" panose="02040604050505020304" pitchFamily="18" charset="0"/>
+              </a:rPr>
+              <a:t> </a:t>
+            </a:r>
+            <a:r>
+              <a:rPr sz="2500" dirty="0" err="1">
+                <a:latin typeface="Century" panose="02040604050505020304" pitchFamily="18" charset="0"/>
+              </a:rPr>
+              <a:t>hiệu</a:t>
+            </a:r>
+            <a:r>
+              <a:rPr sz="2500" dirty="0">
+                <a:latin typeface="Century" panose="02040604050505020304" pitchFamily="18" charset="0"/>
+              </a:rPr>
+              <a:t> </a:t>
+            </a:r>
+            <a:r>
+              <a:rPr sz="2500" dirty="0" err="1">
+                <a:latin typeface="Century" panose="02040604050505020304" pitchFamily="18" charset="0"/>
+              </a:rPr>
+              <a:t>quả</a:t>
+            </a:r>
+            <a:r>
+              <a:rPr sz="2500" dirty="0">
+                <a:latin typeface="Century" panose="02040604050505020304" pitchFamily="18" charset="0"/>
+              </a:rPr>
+              <a:t> </a:t>
+            </a:r>
+            <a:r>
+              <a:rPr sz="2500" dirty="0" err="1">
+                <a:latin typeface="Century" panose="02040604050505020304" pitchFamily="18" charset="0"/>
+              </a:rPr>
+              <a:t>vận</a:t>
+            </a:r>
+            <a:r>
+              <a:rPr sz="2500" dirty="0">
+                <a:latin typeface="Century" panose="02040604050505020304" pitchFamily="18" charset="0"/>
+              </a:rPr>
+              <a:t> </a:t>
+            </a:r>
+            <a:r>
+              <a:rPr sz="2500" dirty="0" err="1">
+                <a:latin typeface="Century" panose="02040604050505020304" pitchFamily="18" charset="0"/>
+              </a:rPr>
+              <a:t>hành</a:t>
+            </a:r>
+            <a:r>
+              <a:rPr sz="2500" dirty="0">
+                <a:latin typeface="Century" panose="02040604050505020304" pitchFamily="18" charset="0"/>
+              </a:rPr>
+              <a:t>.</a:t>
+            </a:r>
+          </a:p>
+        </p:txBody>
+      </p:sp>
+    </p:spTree>
+  </p:cSld>
+  <p:clrMapOvr>
+    <a:masterClrMapping/>
+  </p:clrMapOvr>
+</p:sld>
+</file>
+
+<file path=ppt/slides/slide34.xml><?xml version="1.0" encoding="utf-8"?>
+<p:sld xmlns:a="http://schemas.openxmlformats.org/drawingml/2006/main" xmlns:r="http://schemas.openxmlformats.org/officeDocument/2006/relationships" xmlns:p="http://schemas.openxmlformats.org/presentationml/2006/main">
+  <p:cSld>
+    <p:spTree>
+      <p:nvGrpSpPr>
+        <p:cNvPr id="1" name="">
+          <a:extLst>
+            <a:ext uri="{FF2B5EF4-FFF2-40B4-BE49-F238E27FC236}">
+              <a16:creationId xmlns:a16="http://schemas.microsoft.com/office/drawing/2014/main" id="{26007CFC-C7C3-142F-1EB2-BC02F468551E}"/>
+            </a:ext>
+          </a:extLst>
+        </p:cNvPr>
+        <p:cNvGrpSpPr/>
+        <p:nvPr/>
+      </p:nvGrpSpPr>
+      <p:grpSpPr>
+        <a:xfrm>
+          <a:off x="0" y="0"/>
+          <a:ext cx="0" cy="0"/>
+          <a:chOff x="0" y="0"/>
+          <a:chExt cx="0" cy="0"/>
+        </a:xfrm>
+      </p:grpSpPr>
+      <p:sp>
+        <p:nvSpPr>
+          <p:cNvPr id="2" name="Title 1">
+            <a:extLst>
+              <a:ext uri="{FF2B5EF4-FFF2-40B4-BE49-F238E27FC236}">
+                <a16:creationId xmlns:a16="http://schemas.microsoft.com/office/drawing/2014/main" id="{FBD84250-0C43-25BE-C2CF-A23FC0E92853}"/>
+              </a:ext>
+            </a:extLst>
+          </p:cNvPr>
+          <p:cNvSpPr>
+            <a:spLocks noGrp="1"/>
+          </p:cNvSpPr>
+          <p:nvPr>
+            <p:ph type="title"/>
+          </p:nvPr>
+        </p:nvSpPr>
+        <p:spPr>
+          <a:xfrm>
+            <a:off x="2059156" y="742950"/>
+            <a:ext cx="6222202" cy="3657600"/>
+          </a:xfrm>
+          <a:noFill/>
+          <a:ln>
+            <a:noFill/>
+          </a:ln>
+        </p:spPr>
+        <p:txBody>
+          <a:bodyPr spcFirstLastPara="1" wrap="square" lIns="91425" tIns="91425" rIns="91425" bIns="91425" anchor="ctr" anchorCtr="0">
+            <a:noAutofit/>
+          </a:bodyPr>
+          <a:lstStyle/>
+          <a:p>
+            <a:pPr>
+              <a:spcBef>
+                <a:spcPts val="300"/>
+              </a:spcBef>
+              <a:spcAft>
+                <a:spcPts val="300"/>
+              </a:spcAft>
+            </a:pPr>
+            <a:r>
+              <a:rPr lang="en-US" sz="4000" dirty="0">
+                <a:latin typeface="Montserrat" panose="00000500000000000000" pitchFamily="2" charset="0"/>
+              </a:rPr>
+              <a:t>4.2. PHÂN TÍCH VÀ</a:t>
+            </a:r>
+            <a:br>
+              <a:rPr lang="en-US" sz="4000" dirty="0">
+                <a:latin typeface="Montserrat" panose="00000500000000000000" pitchFamily="2" charset="0"/>
+              </a:rPr>
+            </a:br>
+            <a:r>
+              <a:rPr lang="en-US" sz="4000" dirty="0">
+                <a:latin typeface="Montserrat" panose="00000500000000000000" pitchFamily="2" charset="0"/>
+              </a:rPr>
+              <a:t> ĐÁNH GIÁ KẾT QUẢ</a:t>
+            </a:r>
+            <a:br>
+              <a:rPr lang="en-US" sz="4000" dirty="0">
+                <a:latin typeface="Montserrat" panose="00000500000000000000" pitchFamily="2" charset="0"/>
+              </a:rPr>
+            </a:br>
+            <a:r>
+              <a:rPr lang="en-US" sz="4000" dirty="0">
+                <a:latin typeface="Montserrat" panose="00000500000000000000" pitchFamily="2" charset="0"/>
+              </a:rPr>
+              <a:t> DỰ BÁO BẰNG </a:t>
+            </a:r>
+            <a:br>
+              <a:rPr lang="en-US" sz="4000" dirty="0">
+                <a:latin typeface="Montserrat" panose="00000500000000000000" pitchFamily="2" charset="0"/>
+              </a:rPr>
+            </a:br>
+            <a:r>
+              <a:rPr lang="en-US" sz="4000" dirty="0">
+                <a:latin typeface="Montserrat" panose="00000500000000000000" pitchFamily="2" charset="0"/>
+              </a:rPr>
+              <a:t>MÔ HÌNH SARIMA </a:t>
+            </a:r>
+          </a:p>
+        </p:txBody>
+      </p:sp>
+    </p:spTree>
+    <p:extLst>
+      <p:ext uri="{BB962C8B-B14F-4D97-AF65-F5344CB8AC3E}">
+        <p14:creationId xmlns:p14="http://schemas.microsoft.com/office/powerpoint/2010/main" val="3697553333"/>
+      </p:ext>
+    </p:extLst>
+  </p:cSld>
+  <p:clrMapOvr>
+    <a:masterClrMapping/>
+  </p:clrMapOvr>
+</p:sld>
+</file>
+
+<file path=ppt/slides/slide35.xml><?xml version="1.0" encoding="utf-8"?>
+<p:sld xmlns:a="http://schemas.openxmlformats.org/drawingml/2006/main" xmlns:r="http://schemas.openxmlformats.org/officeDocument/2006/relationships" xmlns:p="http://schemas.openxmlformats.org/presentationml/2006/main">
+  <p:cSld>
+    <p:spTree>
+      <p:nvGrpSpPr>
+        <p:cNvPr id="1" name=""/>
+        <p:cNvGrpSpPr/>
+        <p:nvPr/>
+      </p:nvGrpSpPr>
+      <p:grpSpPr>
+        <a:xfrm>
+          <a:off x="0" y="0"/>
+          <a:ext cx="0" cy="0"/>
+          <a:chOff x="0" y="0"/>
+          <a:chExt cx="0" cy="0"/>
+        </a:xfrm>
+      </p:grpSpPr>
+      <p:pic>
+        <p:nvPicPr>
+          <p:cNvPr id="2" name="Picture 1">
+            <a:extLst>
+              <a:ext uri="{FF2B5EF4-FFF2-40B4-BE49-F238E27FC236}">
+                <a16:creationId xmlns:a16="http://schemas.microsoft.com/office/drawing/2014/main" id="{5DC0DA3D-89BC-74EE-3549-2F57BF7220DB}"/>
+              </a:ext>
+            </a:extLst>
+          </p:cNvPr>
+          <p:cNvPicPr>
+            <a:picLocks noChangeAspect="1"/>
+          </p:cNvPicPr>
+          <p:nvPr/>
+        </p:nvPicPr>
+        <p:blipFill>
+          <a:blip r:embed="rId2"/>
+          <a:stretch>
+            <a:fillRect/>
+          </a:stretch>
+        </p:blipFill>
+        <p:spPr>
+          <a:xfrm>
+            <a:off x="258426" y="189780"/>
+            <a:ext cx="8627147" cy="3819575"/>
+          </a:xfrm>
+          <a:prstGeom prst="rect">
+            <a:avLst/>
+          </a:prstGeom>
+        </p:spPr>
+      </p:pic>
+      <p:sp>
+        <p:nvSpPr>
+          <p:cNvPr id="4" name="TextBox 3">
+            <a:extLst>
+              <a:ext uri="{FF2B5EF4-FFF2-40B4-BE49-F238E27FC236}">
+                <a16:creationId xmlns:a16="http://schemas.microsoft.com/office/drawing/2014/main" id="{1BB683E8-293D-B18D-1E4C-0591614AA1E0}"/>
+              </a:ext>
+            </a:extLst>
+          </p:cNvPr>
+          <p:cNvSpPr txBox="1"/>
+          <p:nvPr/>
+        </p:nvSpPr>
+        <p:spPr>
+          <a:xfrm>
+            <a:off x="651293" y="4009355"/>
+            <a:ext cx="7841411" cy="584775"/>
+          </a:xfrm>
+          <a:prstGeom prst="rect">
+            <a:avLst/>
+          </a:prstGeom>
+          <a:noFill/>
+        </p:spPr>
+        <p:txBody>
+          <a:bodyPr wrap="square">
+            <a:spAutoFit/>
+          </a:bodyPr>
+          <a:lstStyle/>
+          <a:p>
+            <a:r>
+              <a:rPr lang="vi-VN" sz="1600" dirty="0"/>
+              <a:t>Hình 9. Hàm tự tương quan (ACF) và tự tương quan riêng phần (PACF) của</a:t>
+            </a:r>
+            <a:r>
+              <a:rPr lang="en-US" sz="1600" dirty="0"/>
+              <a:t> </a:t>
+            </a:r>
+            <a:r>
+              <a:rPr lang="vi-VN" sz="1600" dirty="0"/>
+              <a:t>chuỗi doanh thu sau khi sai phâ</a:t>
+            </a:r>
+            <a:r>
+              <a:rPr lang="en-US" sz="1600" dirty="0"/>
+              <a:t>n</a:t>
+            </a:r>
+          </a:p>
+        </p:txBody>
+      </p:sp>
+    </p:spTree>
+    <p:extLst>
+      <p:ext uri="{BB962C8B-B14F-4D97-AF65-F5344CB8AC3E}">
+        <p14:creationId xmlns:p14="http://schemas.microsoft.com/office/powerpoint/2010/main" val="38158927"/>
+      </p:ext>
+    </p:extLst>
+  </p:cSld>
+  <p:clrMapOvr>
+    <a:masterClrMapping/>
+  </p:clrMapOvr>
+</p:sld>
+</file>
+
+<file path=ppt/slides/slide36.xml><?xml version="1.0" encoding="utf-8"?>
+<p:sld xmlns:a="http://schemas.openxmlformats.org/drawingml/2006/main" xmlns:r="http://schemas.openxmlformats.org/officeDocument/2006/relationships" xmlns:p="http://schemas.openxmlformats.org/presentationml/2006/main">
+  <p:cSld>
+    <p:spTree>
+      <p:nvGrpSpPr>
+        <p:cNvPr id="1" name=""/>
+        <p:cNvGrpSpPr/>
+        <p:nvPr/>
+      </p:nvGrpSpPr>
+      <p:grpSpPr>
+        <a:xfrm>
+          <a:off x="0" y="0"/>
+          <a:ext cx="0" cy="0"/>
+          <a:chOff x="0" y="0"/>
+          <a:chExt cx="0" cy="0"/>
+        </a:xfrm>
+      </p:grpSpPr>
+      <p:sp>
+        <p:nvSpPr>
+          <p:cNvPr id="2" name="Title 1"/>
+          <p:cNvSpPr>
+            <a:spLocks noGrp="1"/>
+          </p:cNvSpPr>
+          <p:nvPr>
+            <p:ph type="title" idx="4294967295"/>
+          </p:nvPr>
+        </p:nvSpPr>
+        <p:spPr>
+          <a:xfrm>
+            <a:off x="568325" y="346135"/>
+            <a:ext cx="8575675" cy="1211263"/>
+          </a:xfrm>
+          <a:noFill/>
+          <a:ln>
+            <a:noFill/>
+          </a:ln>
+        </p:spPr>
+        <p:txBody>
+          <a:bodyPr spcFirstLastPara="1" wrap="square" lIns="91425" tIns="91425" rIns="91425" bIns="91425" anchor="t" anchorCtr="0">
+            <a:noAutofit/>
+          </a:bodyPr>
+          <a:lstStyle/>
+          <a:p>
+            <a:pPr algn="ctr"/>
+            <a:r>
+              <a:rPr lang="en-US" sz="4000" dirty="0">
+                <a:latin typeface="Aptos Display" panose="020B0004020202020204" pitchFamily="34" charset="0"/>
+              </a:rPr>
+              <a:t>B. </a:t>
+            </a:r>
+            <a:r>
+              <a:rPr sz="4000" dirty="0">
+                <a:latin typeface="Aptos Display" panose="020B0004020202020204" pitchFamily="34" charset="0"/>
+              </a:rPr>
+              <a:t>SARIMA – </a:t>
+            </a:r>
+            <a:r>
+              <a:rPr sz="4000" dirty="0" err="1">
+                <a:latin typeface="Aptos Display" panose="020B0004020202020204" pitchFamily="34" charset="0"/>
+              </a:rPr>
+              <a:t>Mô</a:t>
+            </a:r>
+            <a:r>
+              <a:rPr sz="4000" dirty="0">
+                <a:latin typeface="Aptos Display" panose="020B0004020202020204" pitchFamily="34" charset="0"/>
+              </a:rPr>
+              <a:t> </a:t>
+            </a:r>
+            <a:r>
+              <a:rPr sz="4000" dirty="0" err="1">
+                <a:latin typeface="Aptos Display" panose="020B0004020202020204" pitchFamily="34" charset="0"/>
+              </a:rPr>
+              <a:t>hình</a:t>
+            </a:r>
+            <a:r>
+              <a:rPr sz="4000" dirty="0">
+                <a:latin typeface="Aptos Display" panose="020B0004020202020204" pitchFamily="34" charset="0"/>
+              </a:rPr>
+              <a:t> </a:t>
+            </a:r>
+            <a:r>
+              <a:rPr sz="4000" dirty="0" err="1">
+                <a:latin typeface="Aptos Display" panose="020B0004020202020204" pitchFamily="34" charset="0"/>
+              </a:rPr>
+              <a:t>thứ</a:t>
+            </a:r>
+            <a:r>
+              <a:rPr sz="4000" dirty="0">
+                <a:latin typeface="Aptos Display" panose="020B0004020202020204" pitchFamily="34" charset="0"/>
+              </a:rPr>
+              <a:t> </a:t>
+            </a:r>
+            <a:r>
+              <a:rPr sz="4000" dirty="0" err="1">
+                <a:latin typeface="Aptos Display" panose="020B0004020202020204" pitchFamily="34" charset="0"/>
+              </a:rPr>
+              <a:t>nhất</a:t>
+            </a:r>
+            <a:r>
+              <a:rPr sz="4000" dirty="0">
+                <a:latin typeface="Aptos Display" panose="020B0004020202020204" pitchFamily="34" charset="0"/>
+              </a:rPr>
+              <a:t> (</a:t>
+            </a:r>
+            <a:r>
+              <a:rPr sz="4000" dirty="0" err="1">
+                <a:latin typeface="Aptos Display" panose="020B0004020202020204" pitchFamily="34" charset="0"/>
+              </a:rPr>
+              <a:t>Cơ</a:t>
+            </a:r>
+            <a:r>
+              <a:rPr sz="4000" dirty="0">
+                <a:latin typeface="Aptos Display" panose="020B0004020202020204" pitchFamily="34" charset="0"/>
+              </a:rPr>
+              <a:t> </a:t>
+            </a:r>
+            <a:r>
+              <a:rPr sz="4000" dirty="0" err="1">
+                <a:latin typeface="Aptos Display" panose="020B0004020202020204" pitchFamily="34" charset="0"/>
+              </a:rPr>
+              <a:t>sở</a:t>
+            </a:r>
+            <a:r>
+              <a:rPr sz="4000" dirty="0">
+                <a:latin typeface="Aptos Display" panose="020B0004020202020204" pitchFamily="34" charset="0"/>
+              </a:rPr>
+              <a:t>)</a:t>
+            </a:r>
+          </a:p>
+        </p:txBody>
+      </p:sp>
+      <p:sp>
+        <p:nvSpPr>
+          <p:cNvPr id="4" name="Picture Placeholder 3"/>
+          <p:cNvSpPr>
+            <a:spLocks noGrp="1"/>
+          </p:cNvSpPr>
+          <p:nvPr>
+            <p:ph type="pic" idx="4294967295"/>
+          </p:nvPr>
+        </p:nvSpPr>
+        <p:spPr>
+          <a:xfrm>
+            <a:off x="568325" y="1079500"/>
+            <a:ext cx="8007350" cy="4064000"/>
+          </a:xfrm>
+          <a:noFill/>
+          <a:ln>
+            <a:noFill/>
+          </a:ln>
+        </p:spPr>
+        <p:txBody>
+          <a:bodyPr/>
+          <a:lstStyle/>
+          <a:p>
+            <a:pPr marL="0" indent="0">
+              <a:buNone/>
+            </a:pPr>
+            <a:r>
+              <a:rPr sz="2500" dirty="0" err="1">
+                <a:latin typeface="Century" panose="02040604050505020304" pitchFamily="18" charset="0"/>
+              </a:rPr>
+              <a:t>Mô</a:t>
+            </a:r>
+            <a:r>
+              <a:rPr sz="2500" dirty="0">
+                <a:latin typeface="Century" panose="02040604050505020304" pitchFamily="18" charset="0"/>
+              </a:rPr>
+              <a:t> </a:t>
+            </a:r>
+            <a:r>
+              <a:rPr sz="2500" dirty="0" err="1">
+                <a:latin typeface="Century" panose="02040604050505020304" pitchFamily="18" charset="0"/>
+              </a:rPr>
+              <a:t>hình</a:t>
+            </a:r>
+            <a:r>
+              <a:rPr sz="2500" dirty="0">
+                <a:latin typeface="Century" panose="02040604050505020304" pitchFamily="18" charset="0"/>
+              </a:rPr>
+              <a:t> </a:t>
+            </a:r>
+            <a:r>
+              <a:rPr sz="2500" dirty="0" err="1">
+                <a:latin typeface="Century" panose="02040604050505020304" pitchFamily="18" charset="0"/>
+              </a:rPr>
+              <a:t>cơ</a:t>
+            </a:r>
+            <a:r>
+              <a:rPr sz="2500" dirty="0">
+                <a:latin typeface="Century" panose="02040604050505020304" pitchFamily="18" charset="0"/>
+              </a:rPr>
+              <a:t> </a:t>
+            </a:r>
+            <a:r>
+              <a:rPr sz="2500" dirty="0" err="1">
+                <a:latin typeface="Century" panose="02040604050505020304" pitchFamily="18" charset="0"/>
+              </a:rPr>
+              <a:t>sở</a:t>
+            </a:r>
+            <a:r>
+              <a:rPr sz="2500" dirty="0">
+                <a:latin typeface="Century" panose="02040604050505020304" pitchFamily="18" charset="0"/>
+              </a:rPr>
+              <a:t> </a:t>
+            </a:r>
+            <a:r>
+              <a:rPr sz="2500" dirty="0" err="1">
+                <a:latin typeface="Century" panose="02040604050505020304" pitchFamily="18" charset="0"/>
+              </a:rPr>
+              <a:t>có</a:t>
+            </a:r>
+            <a:r>
+              <a:rPr sz="2500" dirty="0">
+                <a:latin typeface="Century" panose="02040604050505020304" pitchFamily="18" charset="0"/>
+              </a:rPr>
+              <a:t> </a:t>
+            </a:r>
+            <a:r>
+              <a:rPr sz="2500" dirty="0" err="1">
+                <a:latin typeface="Century" panose="02040604050505020304" pitchFamily="18" charset="0"/>
+              </a:rPr>
+              <a:t>cấu</a:t>
+            </a:r>
+            <a:r>
+              <a:rPr sz="2500" dirty="0">
+                <a:latin typeface="Century" panose="02040604050505020304" pitchFamily="18" charset="0"/>
+              </a:rPr>
+              <a:t> </a:t>
+            </a:r>
+            <a:r>
+              <a:rPr sz="2500" dirty="0" err="1">
+                <a:latin typeface="Century" panose="02040604050505020304" pitchFamily="18" charset="0"/>
+              </a:rPr>
+              <a:t>trúc</a:t>
+            </a:r>
+            <a:r>
+              <a:rPr sz="2500" dirty="0">
+                <a:latin typeface="Century" panose="02040604050505020304" pitchFamily="18" charset="0"/>
+              </a:rPr>
+              <a:t> </a:t>
+            </a:r>
+            <a:r>
+              <a:rPr sz="2500" dirty="0" err="1">
+                <a:latin typeface="Century" panose="02040604050505020304" pitchFamily="18" charset="0"/>
+              </a:rPr>
+              <a:t>gọn</a:t>
+            </a:r>
+            <a:r>
+              <a:rPr sz="2500" dirty="0">
+                <a:latin typeface="Century" panose="02040604050505020304" pitchFamily="18" charset="0"/>
+              </a:rPr>
+              <a:t> </a:t>
+            </a:r>
+            <a:r>
+              <a:rPr sz="2500" dirty="0" err="1">
+                <a:latin typeface="Century" panose="02040604050505020304" pitchFamily="18" charset="0"/>
+              </a:rPr>
+              <a:t>nhẹ</a:t>
+            </a:r>
+            <a:r>
+              <a:rPr sz="2500" dirty="0">
+                <a:latin typeface="Century" panose="02040604050505020304" pitchFamily="18" charset="0"/>
+              </a:rPr>
+              <a:t>, </a:t>
+            </a:r>
+            <a:r>
+              <a:rPr sz="2500" dirty="0" err="1">
+                <a:latin typeface="Century" panose="02040604050505020304" pitchFamily="18" charset="0"/>
+              </a:rPr>
+              <a:t>tập</a:t>
+            </a:r>
+            <a:r>
+              <a:rPr sz="2500" dirty="0">
+                <a:latin typeface="Century" panose="02040604050505020304" pitchFamily="18" charset="0"/>
+              </a:rPr>
+              <a:t> </a:t>
+            </a:r>
+            <a:r>
+              <a:rPr sz="2500" dirty="0" err="1">
+                <a:latin typeface="Century" panose="02040604050505020304" pitchFamily="18" charset="0"/>
+              </a:rPr>
+              <a:t>trung</a:t>
+            </a:r>
+            <a:r>
+              <a:rPr sz="2500" dirty="0">
+                <a:latin typeface="Century" panose="02040604050505020304" pitchFamily="18" charset="0"/>
+              </a:rPr>
+              <a:t> </a:t>
+            </a:r>
+            <a:r>
+              <a:rPr sz="2500" dirty="0" err="1">
+                <a:latin typeface="Century" panose="02040604050505020304" pitchFamily="18" charset="0"/>
+              </a:rPr>
+              <a:t>nắm</a:t>
+            </a:r>
+            <a:r>
+              <a:rPr sz="2500" dirty="0">
+                <a:latin typeface="Century" panose="02040604050505020304" pitchFamily="18" charset="0"/>
+              </a:rPr>
+              <a:t> </a:t>
+            </a:r>
+            <a:r>
+              <a:rPr sz="2500" dirty="0" err="1">
+                <a:latin typeface="Century" panose="02040604050505020304" pitchFamily="18" charset="0"/>
+              </a:rPr>
+              <a:t>bắt</a:t>
+            </a:r>
+            <a:r>
+              <a:rPr sz="2500" dirty="0">
+                <a:latin typeface="Century" panose="02040604050505020304" pitchFamily="18" charset="0"/>
+              </a:rPr>
+              <a:t> xu </a:t>
+            </a:r>
+            <a:r>
+              <a:rPr sz="2500" dirty="0" err="1">
+                <a:latin typeface="Century" panose="02040604050505020304" pitchFamily="18" charset="0"/>
+              </a:rPr>
+              <a:t>hướng</a:t>
+            </a:r>
+            <a:r>
+              <a:rPr sz="2500" dirty="0">
+                <a:latin typeface="Century" panose="02040604050505020304" pitchFamily="18" charset="0"/>
+              </a:rPr>
+              <a:t> </a:t>
+            </a:r>
+            <a:r>
+              <a:rPr sz="2500" dirty="0" err="1">
+                <a:latin typeface="Century" panose="02040604050505020304" pitchFamily="18" charset="0"/>
+              </a:rPr>
+              <a:t>chung</a:t>
+            </a:r>
+            <a:r>
+              <a:rPr sz="2500" dirty="0">
+                <a:latin typeface="Century" panose="02040604050505020304" pitchFamily="18" charset="0"/>
+              </a:rPr>
+              <a:t> </a:t>
+            </a:r>
+            <a:r>
+              <a:rPr sz="2500" dirty="0" err="1">
+                <a:latin typeface="Century" panose="02040604050505020304" pitchFamily="18" charset="0"/>
+              </a:rPr>
+              <a:t>và</a:t>
+            </a:r>
+            <a:r>
+              <a:rPr sz="2500" dirty="0">
+                <a:latin typeface="Century" panose="02040604050505020304" pitchFamily="18" charset="0"/>
+              </a:rPr>
+              <a:t> </a:t>
+            </a:r>
+            <a:r>
+              <a:rPr sz="2500" dirty="0" err="1">
+                <a:latin typeface="Century" panose="02040604050505020304" pitchFamily="18" charset="0"/>
+              </a:rPr>
+              <a:t>mùa</a:t>
+            </a:r>
+            <a:r>
+              <a:rPr sz="2500" dirty="0">
+                <a:latin typeface="Century" panose="02040604050505020304" pitchFamily="18" charset="0"/>
+              </a:rPr>
+              <a:t> </a:t>
+            </a:r>
+            <a:r>
+              <a:rPr sz="2500" dirty="0" err="1">
+                <a:latin typeface="Century" panose="02040604050505020304" pitchFamily="18" charset="0"/>
+              </a:rPr>
+              <a:t>vụ</a:t>
+            </a:r>
+            <a:r>
+              <a:rPr sz="2500" dirty="0">
+                <a:latin typeface="Century" panose="02040604050505020304" pitchFamily="18" charset="0"/>
+              </a:rPr>
+              <a:t> </a:t>
+            </a:r>
+            <a:r>
+              <a:rPr sz="2500" dirty="0" err="1">
+                <a:latin typeface="Century" panose="02040604050505020304" pitchFamily="18" charset="0"/>
+              </a:rPr>
+              <a:t>cơ</a:t>
+            </a:r>
+            <a:r>
+              <a:rPr sz="2500" dirty="0">
+                <a:latin typeface="Century" panose="02040604050505020304" pitchFamily="18" charset="0"/>
+              </a:rPr>
+              <a:t> </a:t>
+            </a:r>
+            <a:r>
+              <a:rPr sz="2500" dirty="0" err="1">
+                <a:latin typeface="Century" panose="02040604050505020304" pitchFamily="18" charset="0"/>
+              </a:rPr>
+              <a:t>bản</a:t>
+            </a:r>
+            <a:r>
+              <a:rPr sz="2500" dirty="0">
+                <a:latin typeface="Century" panose="02040604050505020304" pitchFamily="18" charset="0"/>
+              </a:rPr>
+              <a:t>. </a:t>
+            </a:r>
+            <a:r>
+              <a:rPr sz="2500" dirty="0" err="1">
+                <a:latin typeface="Century" panose="02040604050505020304" pitchFamily="18" charset="0"/>
+              </a:rPr>
+              <a:t>Phù</a:t>
+            </a:r>
+            <a:r>
+              <a:rPr sz="2500" dirty="0">
+                <a:latin typeface="Century" panose="02040604050505020304" pitchFamily="18" charset="0"/>
+              </a:rPr>
+              <a:t> </a:t>
+            </a:r>
+            <a:r>
+              <a:rPr sz="2500" dirty="0" err="1">
+                <a:latin typeface="Century" panose="02040604050505020304" pitchFamily="18" charset="0"/>
+              </a:rPr>
+              <a:t>hợp</a:t>
+            </a:r>
+            <a:r>
+              <a:rPr sz="2500" dirty="0">
+                <a:latin typeface="Century" panose="02040604050505020304" pitchFamily="18" charset="0"/>
+              </a:rPr>
+              <a:t> </a:t>
+            </a:r>
+            <a:r>
+              <a:rPr sz="2500" dirty="0" err="1">
+                <a:latin typeface="Century" panose="02040604050505020304" pitchFamily="18" charset="0"/>
+              </a:rPr>
+              <a:t>để</a:t>
+            </a:r>
+            <a:r>
+              <a:rPr sz="2500" dirty="0">
+                <a:latin typeface="Century" panose="02040604050505020304" pitchFamily="18" charset="0"/>
+              </a:rPr>
+              <a:t> </a:t>
+            </a:r>
+            <a:r>
+              <a:rPr sz="2500" dirty="0" err="1">
+                <a:latin typeface="Century" panose="02040604050505020304" pitchFamily="18" charset="0"/>
+              </a:rPr>
+              <a:t>mô</a:t>
+            </a:r>
+            <a:r>
+              <a:rPr sz="2500" dirty="0">
+                <a:latin typeface="Century" panose="02040604050505020304" pitchFamily="18" charset="0"/>
+              </a:rPr>
+              <a:t> </a:t>
+            </a:r>
+            <a:r>
+              <a:rPr sz="2500" dirty="0" err="1">
+                <a:latin typeface="Century" panose="02040604050505020304" pitchFamily="18" charset="0"/>
+              </a:rPr>
+              <a:t>tả</a:t>
+            </a:r>
+            <a:r>
+              <a:rPr sz="2500" dirty="0">
+                <a:latin typeface="Century" panose="02040604050505020304" pitchFamily="18" charset="0"/>
+              </a:rPr>
+              <a:t> </a:t>
+            </a:r>
+            <a:r>
+              <a:rPr sz="2500" dirty="0" err="1">
+                <a:latin typeface="Century" panose="02040604050505020304" pitchFamily="18" charset="0"/>
+              </a:rPr>
+              <a:t>tổng</a:t>
+            </a:r>
+            <a:r>
+              <a:rPr sz="2500" dirty="0">
+                <a:latin typeface="Century" panose="02040604050505020304" pitchFamily="18" charset="0"/>
+              </a:rPr>
+              <a:t> </a:t>
+            </a:r>
+            <a:r>
+              <a:rPr sz="2500" dirty="0" err="1">
+                <a:latin typeface="Century" panose="02040604050505020304" pitchFamily="18" charset="0"/>
+              </a:rPr>
+              <a:t>thể</a:t>
+            </a:r>
+            <a:r>
+              <a:rPr sz="2500" dirty="0">
+                <a:latin typeface="Century" panose="02040604050505020304" pitchFamily="18" charset="0"/>
+              </a:rPr>
+              <a:t> </a:t>
+            </a:r>
+            <a:r>
+              <a:rPr sz="2500" dirty="0" err="1">
+                <a:latin typeface="Century" panose="02040604050505020304" pitchFamily="18" charset="0"/>
+              </a:rPr>
+              <a:t>nhưng</a:t>
+            </a:r>
+            <a:r>
+              <a:rPr sz="2500" dirty="0">
+                <a:latin typeface="Century" panose="02040604050505020304" pitchFamily="18" charset="0"/>
+              </a:rPr>
+              <a:t> </a:t>
+            </a:r>
+            <a:r>
+              <a:rPr sz="2500" dirty="0" err="1">
+                <a:latin typeface="Century" panose="02040604050505020304" pitchFamily="18" charset="0"/>
+              </a:rPr>
+              <a:t>còn</a:t>
+            </a:r>
+            <a:r>
+              <a:rPr sz="2500" dirty="0">
+                <a:latin typeface="Century" panose="02040604050505020304" pitchFamily="18" charset="0"/>
+              </a:rPr>
+              <a:t> </a:t>
+            </a:r>
+            <a:r>
+              <a:rPr sz="2500" dirty="0" err="1">
+                <a:latin typeface="Century" panose="02040604050505020304" pitchFamily="18" charset="0"/>
+              </a:rPr>
+              <a:t>hạn</a:t>
+            </a:r>
+            <a:r>
+              <a:rPr sz="2500" dirty="0">
+                <a:latin typeface="Century" panose="02040604050505020304" pitchFamily="18" charset="0"/>
+              </a:rPr>
+              <a:t> </a:t>
+            </a:r>
+            <a:r>
+              <a:rPr sz="2500" dirty="0" err="1">
+                <a:latin typeface="Century" panose="02040604050505020304" pitchFamily="18" charset="0"/>
+              </a:rPr>
+              <a:t>chế</a:t>
+            </a:r>
+            <a:r>
+              <a:rPr sz="2500" dirty="0">
+                <a:latin typeface="Century" panose="02040604050505020304" pitchFamily="18" charset="0"/>
+              </a:rPr>
+              <a:t> </a:t>
+            </a:r>
+            <a:r>
+              <a:rPr sz="2500" dirty="0" err="1">
+                <a:latin typeface="Century" panose="02040604050505020304" pitchFamily="18" charset="0"/>
+              </a:rPr>
+              <a:t>trong</a:t>
+            </a:r>
+            <a:r>
+              <a:rPr sz="2500" dirty="0">
+                <a:latin typeface="Century" panose="02040604050505020304" pitchFamily="18" charset="0"/>
+              </a:rPr>
+              <a:t> </a:t>
+            </a:r>
+            <a:r>
+              <a:rPr sz="2500" dirty="0" err="1">
+                <a:latin typeface="Century" panose="02040604050505020304" pitchFamily="18" charset="0"/>
+              </a:rPr>
+              <a:t>các</a:t>
+            </a:r>
+            <a:r>
+              <a:rPr sz="2500" dirty="0">
+                <a:latin typeface="Century" panose="02040604050505020304" pitchFamily="18" charset="0"/>
+              </a:rPr>
+              <a:t> </a:t>
+            </a:r>
+            <a:r>
+              <a:rPr sz="2500" dirty="0" err="1">
+                <a:latin typeface="Century" panose="02040604050505020304" pitchFamily="18" charset="0"/>
+              </a:rPr>
+              <a:t>giai</a:t>
+            </a:r>
+            <a:r>
+              <a:rPr sz="2500" dirty="0">
+                <a:latin typeface="Century" panose="02040604050505020304" pitchFamily="18" charset="0"/>
+              </a:rPr>
+              <a:t> </a:t>
+            </a:r>
+            <a:r>
+              <a:rPr sz="2500" dirty="0" err="1">
+                <a:latin typeface="Century" panose="02040604050505020304" pitchFamily="18" charset="0"/>
+              </a:rPr>
+              <a:t>đoạn</a:t>
+            </a:r>
+            <a:r>
+              <a:rPr sz="2500" dirty="0">
+                <a:latin typeface="Century" panose="02040604050505020304" pitchFamily="18" charset="0"/>
+              </a:rPr>
+              <a:t> </a:t>
+            </a:r>
+            <a:r>
+              <a:rPr sz="2500" dirty="0" err="1">
+                <a:latin typeface="Century" panose="02040604050505020304" pitchFamily="18" charset="0"/>
+              </a:rPr>
+              <a:t>biến</a:t>
+            </a:r>
+            <a:r>
+              <a:rPr sz="2500" dirty="0">
+                <a:latin typeface="Century" panose="02040604050505020304" pitchFamily="18" charset="0"/>
+              </a:rPr>
+              <a:t> </a:t>
+            </a:r>
+            <a:r>
+              <a:rPr sz="2500" dirty="0" err="1">
+                <a:latin typeface="Century" panose="02040604050505020304" pitchFamily="18" charset="0"/>
+              </a:rPr>
+              <a:t>động</a:t>
+            </a:r>
+            <a:r>
+              <a:rPr sz="2500" dirty="0">
+                <a:latin typeface="Century" panose="02040604050505020304" pitchFamily="18" charset="0"/>
+              </a:rPr>
+              <a:t> </a:t>
+            </a:r>
+            <a:r>
+              <a:rPr sz="2500" dirty="0" err="1">
+                <a:latin typeface="Century" panose="02040604050505020304" pitchFamily="18" charset="0"/>
+              </a:rPr>
+              <a:t>mạnh</a:t>
+            </a:r>
+            <a:r>
+              <a:rPr sz="2500" dirty="0">
+                <a:latin typeface="Century" panose="02040604050505020304" pitchFamily="18" charset="0"/>
+              </a:rPr>
+              <a:t>.</a:t>
+            </a:r>
+          </a:p>
+        </p:txBody>
+      </p:sp>
+    </p:spTree>
+  </p:cSld>
+  <p:clrMapOvr>
+    <a:masterClrMapping/>
+  </p:clrMapOvr>
+</p:sld>
+</file>
+
+<file path=ppt/slides/slide37.xml><?xml version="1.0" encoding="utf-8"?>
+<p:sld xmlns:a="http://schemas.openxmlformats.org/drawingml/2006/main" xmlns:r="http://schemas.openxmlformats.org/officeDocument/2006/relationships" xmlns:p="http://schemas.openxmlformats.org/presentationml/2006/main">
+  <p:cSld>
+    <p:spTree>
+      <p:nvGrpSpPr>
+        <p:cNvPr id="1" name=""/>
+        <p:cNvGrpSpPr/>
+        <p:nvPr/>
+      </p:nvGrpSpPr>
+      <p:grpSpPr>
+        <a:xfrm>
+          <a:off x="0" y="0"/>
+          <a:ext cx="0" cy="0"/>
+          <a:chOff x="0" y="0"/>
+          <a:chExt cx="0" cy="0"/>
+        </a:xfrm>
+      </p:grpSpPr>
+      <p:pic>
+        <p:nvPicPr>
+          <p:cNvPr id="2" name="Picture 1">
+            <a:extLst>
+              <a:ext uri="{FF2B5EF4-FFF2-40B4-BE49-F238E27FC236}">
+                <a16:creationId xmlns:a16="http://schemas.microsoft.com/office/drawing/2014/main" id="{C3C05062-8AAF-9D7B-FCAD-15E51BA9B41B}"/>
+              </a:ext>
+            </a:extLst>
+          </p:cNvPr>
+          <p:cNvPicPr>
+            <a:picLocks noChangeAspect="1"/>
+          </p:cNvPicPr>
+          <p:nvPr/>
+        </p:nvPicPr>
+        <p:blipFill>
+          <a:blip r:embed="rId2"/>
+          <a:stretch>
+            <a:fillRect/>
+          </a:stretch>
+        </p:blipFill>
+        <p:spPr>
+          <a:xfrm>
+            <a:off x="0" y="413304"/>
+            <a:ext cx="9023230" cy="3850850"/>
+          </a:xfrm>
+          <a:prstGeom prst="rect">
+            <a:avLst/>
+          </a:prstGeom>
+        </p:spPr>
+      </p:pic>
+      <p:sp>
+        <p:nvSpPr>
+          <p:cNvPr id="4" name="TextBox 3">
+            <a:extLst>
+              <a:ext uri="{FF2B5EF4-FFF2-40B4-BE49-F238E27FC236}">
+                <a16:creationId xmlns:a16="http://schemas.microsoft.com/office/drawing/2014/main" id="{3926B594-60A6-BF27-6D64-BDADAD8B50C6}"/>
+              </a:ext>
+            </a:extLst>
+          </p:cNvPr>
+          <p:cNvSpPr txBox="1"/>
+          <p:nvPr/>
+        </p:nvSpPr>
+        <p:spPr>
+          <a:xfrm>
+            <a:off x="491704" y="4258518"/>
+            <a:ext cx="7599873" cy="338554"/>
+          </a:xfrm>
+          <a:prstGeom prst="rect">
+            <a:avLst/>
+          </a:prstGeom>
+          <a:noFill/>
+        </p:spPr>
+        <p:txBody>
+          <a:bodyPr wrap="square">
+            <a:spAutoFit/>
+          </a:bodyPr>
+          <a:lstStyle/>
+          <a:p>
+            <a:r>
+              <a:rPr lang="en-US" sz="1600" dirty="0" err="1"/>
+              <a:t>Hình</a:t>
+            </a:r>
+            <a:r>
+              <a:rPr lang="en-US" sz="1600" dirty="0"/>
+              <a:t> 10. </a:t>
+            </a:r>
+            <a:r>
+              <a:rPr lang="en-US" sz="1600" dirty="0" err="1"/>
+              <a:t>Kết</a:t>
+            </a:r>
+            <a:r>
+              <a:rPr lang="en-US" sz="1600" dirty="0"/>
+              <a:t> </a:t>
+            </a:r>
+            <a:r>
+              <a:rPr lang="en-US" sz="1600" dirty="0" err="1"/>
+              <a:t>quả</a:t>
+            </a:r>
+            <a:r>
+              <a:rPr lang="en-US" sz="1600" dirty="0"/>
+              <a:t> </a:t>
+            </a:r>
+            <a:r>
+              <a:rPr lang="en-US" sz="1600" dirty="0" err="1"/>
+              <a:t>dự</a:t>
+            </a:r>
+            <a:r>
+              <a:rPr lang="en-US" sz="1600" dirty="0"/>
+              <a:t> </a:t>
+            </a:r>
+            <a:r>
+              <a:rPr lang="en-US" sz="1600" dirty="0" err="1"/>
+              <a:t>báo</a:t>
+            </a:r>
+            <a:r>
+              <a:rPr lang="en-US" sz="1600" dirty="0"/>
+              <a:t> </a:t>
+            </a:r>
+            <a:r>
+              <a:rPr lang="en-US" sz="1600" dirty="0" err="1"/>
+              <a:t>doanh</a:t>
+            </a:r>
+            <a:r>
+              <a:rPr lang="en-US" sz="1600" dirty="0"/>
+              <a:t> </a:t>
+            </a:r>
+            <a:r>
+              <a:rPr lang="en-US" sz="1600" dirty="0" err="1"/>
+              <a:t>thu</a:t>
+            </a:r>
+            <a:r>
+              <a:rPr lang="en-US" sz="1600" dirty="0"/>
+              <a:t> </a:t>
+            </a:r>
+            <a:r>
+              <a:rPr lang="en-US" sz="1600" dirty="0" err="1"/>
+              <a:t>ngắn</a:t>
+            </a:r>
+            <a:r>
+              <a:rPr lang="en-US" sz="1600" dirty="0"/>
+              <a:t> </a:t>
+            </a:r>
+            <a:r>
+              <a:rPr lang="en-US" sz="1600" dirty="0" err="1"/>
+              <a:t>hạn</a:t>
+            </a:r>
+            <a:r>
+              <a:rPr lang="en-US" sz="1600" dirty="0"/>
+              <a:t> </a:t>
+            </a:r>
+            <a:r>
+              <a:rPr lang="en-US" sz="1600" dirty="0" err="1"/>
+              <a:t>bằng</a:t>
+            </a:r>
+            <a:r>
+              <a:rPr lang="en-US" sz="1600" dirty="0"/>
+              <a:t> </a:t>
+            </a:r>
+            <a:r>
+              <a:rPr lang="en-US" sz="1600" dirty="0" err="1"/>
+              <a:t>mô</a:t>
+            </a:r>
+            <a:r>
+              <a:rPr lang="en-US" sz="1600" dirty="0"/>
+              <a:t> </a:t>
+            </a:r>
+            <a:r>
+              <a:rPr lang="en-US" sz="1600" dirty="0" err="1"/>
+              <a:t>hình</a:t>
+            </a:r>
+            <a:r>
+              <a:rPr lang="en-US" sz="1600" dirty="0"/>
+              <a:t> SARIMA </a:t>
+            </a:r>
+            <a:r>
+              <a:rPr lang="en-US" sz="1600" dirty="0" err="1"/>
+              <a:t>thứ</a:t>
+            </a:r>
+            <a:r>
+              <a:rPr lang="en-US" sz="1600" dirty="0"/>
+              <a:t> </a:t>
+            </a:r>
+            <a:r>
+              <a:rPr lang="en-US" sz="1600" dirty="0" err="1"/>
+              <a:t>nhất</a:t>
+            </a:r>
+            <a:endParaRPr lang="en-US" sz="1600" dirty="0"/>
+          </a:p>
+        </p:txBody>
+      </p:sp>
+    </p:spTree>
+    <p:extLst>
+      <p:ext uri="{BB962C8B-B14F-4D97-AF65-F5344CB8AC3E}">
+        <p14:creationId xmlns:p14="http://schemas.microsoft.com/office/powerpoint/2010/main" val="3928523224"/>
+      </p:ext>
+    </p:extLst>
+  </p:cSld>
+  <p:clrMapOvr>
+    <a:masterClrMapping/>
+  </p:clrMapOvr>
+</p:sld>
+</file>
+
+<file path=ppt/slides/slide38.xml><?xml version="1.0" encoding="utf-8"?>
+<p:sld xmlns:a="http://schemas.openxmlformats.org/drawingml/2006/main" xmlns:r="http://schemas.openxmlformats.org/officeDocument/2006/relationships" xmlns:p="http://schemas.openxmlformats.org/presentationml/2006/main">
+  <p:cSld>
+    <p:spTree>
+      <p:nvGrpSpPr>
+        <p:cNvPr id="1" name=""/>
+        <p:cNvGrpSpPr/>
+        <p:nvPr/>
+      </p:nvGrpSpPr>
+      <p:grpSpPr>
+        <a:xfrm>
+          <a:off x="0" y="0"/>
+          <a:ext cx="0" cy="0"/>
+          <a:chOff x="0" y="0"/>
+          <a:chExt cx="0" cy="0"/>
+        </a:xfrm>
+      </p:grpSpPr>
+      <p:sp>
+        <p:nvSpPr>
+          <p:cNvPr id="2" name="Title 1"/>
+          <p:cNvSpPr>
+            <a:spLocks noGrp="1"/>
+          </p:cNvSpPr>
+          <p:nvPr>
+            <p:ph type="title" idx="4294967295"/>
+          </p:nvPr>
+        </p:nvSpPr>
+        <p:spPr>
+          <a:xfrm>
+            <a:off x="345056" y="259871"/>
+            <a:ext cx="8453886" cy="1211263"/>
+          </a:xfrm>
+          <a:noFill/>
+          <a:ln>
+            <a:noFill/>
+          </a:ln>
+        </p:spPr>
+        <p:txBody>
+          <a:bodyPr spcFirstLastPara="1" wrap="square" lIns="91425" tIns="91425" rIns="91425" bIns="91425" anchor="t" anchorCtr="0">
+            <a:noAutofit/>
+          </a:bodyPr>
+          <a:lstStyle/>
+          <a:p>
+            <a:pPr algn="ctr"/>
+            <a:r>
+              <a:rPr sz="4000" dirty="0">
+                <a:latin typeface="Aptos Display" panose="020B0004020202020204" pitchFamily="34" charset="0"/>
+              </a:rPr>
+              <a:t>SARIMA – </a:t>
+            </a:r>
+            <a:r>
+              <a:rPr sz="4000" dirty="0" err="1">
+                <a:latin typeface="Aptos Display" panose="020B0004020202020204" pitchFamily="34" charset="0"/>
+              </a:rPr>
+              <a:t>Mô</a:t>
+            </a:r>
+            <a:r>
+              <a:rPr sz="4000" dirty="0">
+                <a:latin typeface="Aptos Display" panose="020B0004020202020204" pitchFamily="34" charset="0"/>
+              </a:rPr>
+              <a:t> </a:t>
+            </a:r>
+            <a:r>
+              <a:rPr sz="4000" dirty="0" err="1">
+                <a:latin typeface="Aptos Display" panose="020B0004020202020204" pitchFamily="34" charset="0"/>
+              </a:rPr>
+              <a:t>hình</a:t>
+            </a:r>
+            <a:r>
+              <a:rPr sz="4000" dirty="0">
+                <a:latin typeface="Aptos Display" panose="020B0004020202020204" pitchFamily="34" charset="0"/>
+              </a:rPr>
+              <a:t> </a:t>
+            </a:r>
+            <a:r>
+              <a:rPr sz="4000" dirty="0" err="1">
+                <a:latin typeface="Aptos Display" panose="020B0004020202020204" pitchFamily="34" charset="0"/>
+              </a:rPr>
+              <a:t>thứ</a:t>
+            </a:r>
+            <a:r>
+              <a:rPr sz="4000" dirty="0">
+                <a:latin typeface="Aptos Display" panose="020B0004020202020204" pitchFamily="34" charset="0"/>
+              </a:rPr>
+              <a:t> </a:t>
+            </a:r>
+            <a:r>
+              <a:rPr sz="4000" dirty="0" err="1">
+                <a:latin typeface="Aptos Display" panose="020B0004020202020204" pitchFamily="34" charset="0"/>
+              </a:rPr>
+              <a:t>hai</a:t>
+            </a:r>
+            <a:r>
+              <a:rPr sz="4000" dirty="0">
+                <a:latin typeface="Aptos Display" panose="020B0004020202020204" pitchFamily="34" charset="0"/>
+              </a:rPr>
+              <a:t> (</a:t>
+            </a:r>
+            <a:r>
+              <a:rPr sz="4000" dirty="0" err="1">
+                <a:latin typeface="Aptos Display" panose="020B0004020202020204" pitchFamily="34" charset="0"/>
+              </a:rPr>
+              <a:t>Cải</a:t>
+            </a:r>
+            <a:r>
+              <a:rPr sz="4000" dirty="0">
+                <a:latin typeface="Aptos Display" panose="020B0004020202020204" pitchFamily="34" charset="0"/>
+              </a:rPr>
+              <a:t> </a:t>
+            </a:r>
+            <a:r>
+              <a:rPr sz="4000" dirty="0" err="1">
+                <a:latin typeface="Aptos Display" panose="020B0004020202020204" pitchFamily="34" charset="0"/>
+              </a:rPr>
+              <a:t>tiến</a:t>
+            </a:r>
+            <a:r>
+              <a:rPr sz="4000" dirty="0">
+                <a:latin typeface="Aptos Display" panose="020B0004020202020204" pitchFamily="34" charset="0"/>
+              </a:rPr>
+              <a:t>)</a:t>
+            </a:r>
+          </a:p>
+        </p:txBody>
+      </p:sp>
+      <p:sp>
+        <p:nvSpPr>
+          <p:cNvPr id="4" name="Picture Placeholder 3"/>
+          <p:cNvSpPr>
+            <a:spLocks noGrp="1"/>
+          </p:cNvSpPr>
+          <p:nvPr>
+            <p:ph type="pic" idx="4294967295"/>
+          </p:nvPr>
+        </p:nvSpPr>
+        <p:spPr>
+          <a:xfrm>
+            <a:off x="345055" y="1367616"/>
+            <a:ext cx="8453887" cy="1530590"/>
+          </a:xfrm>
+          <a:noFill/>
+          <a:ln>
+            <a:noFill/>
+          </a:ln>
+        </p:spPr>
+        <p:txBody>
+          <a:bodyPr/>
+          <a:lstStyle/>
+          <a:p>
+            <a:pPr marL="0" indent="0">
+              <a:buNone/>
+            </a:pPr>
+            <a:r>
+              <a:rPr sz="2500" dirty="0" err="1">
+                <a:latin typeface="Century" panose="02040604050505020304" pitchFamily="18" charset="0"/>
+              </a:rPr>
+              <a:t>Mô</a:t>
+            </a:r>
+            <a:r>
+              <a:rPr sz="2500" dirty="0">
+                <a:latin typeface="Century" panose="02040604050505020304" pitchFamily="18" charset="0"/>
+              </a:rPr>
+              <a:t> </a:t>
+            </a:r>
+            <a:r>
+              <a:rPr sz="2500" dirty="0" err="1">
+                <a:latin typeface="Century" panose="02040604050505020304" pitchFamily="18" charset="0"/>
+              </a:rPr>
+              <a:t>hình</a:t>
+            </a:r>
+            <a:r>
+              <a:rPr sz="2500" dirty="0">
+                <a:latin typeface="Century" panose="02040604050505020304" pitchFamily="18" charset="0"/>
+              </a:rPr>
+              <a:t> </a:t>
+            </a:r>
+            <a:r>
+              <a:rPr sz="2500" dirty="0" err="1">
+                <a:latin typeface="Century" panose="02040604050505020304" pitchFamily="18" charset="0"/>
+              </a:rPr>
+              <a:t>cải</a:t>
+            </a:r>
+            <a:r>
+              <a:rPr sz="2500" dirty="0">
+                <a:latin typeface="Century" panose="02040604050505020304" pitchFamily="18" charset="0"/>
+              </a:rPr>
+              <a:t> </a:t>
+            </a:r>
+            <a:r>
+              <a:rPr sz="2500" dirty="0" err="1">
+                <a:latin typeface="Century" panose="02040604050505020304" pitchFamily="18" charset="0"/>
+              </a:rPr>
+              <a:t>tiến</a:t>
+            </a:r>
+            <a:r>
+              <a:rPr sz="2500" dirty="0">
+                <a:latin typeface="Century" panose="02040604050505020304" pitchFamily="18" charset="0"/>
+              </a:rPr>
+              <a:t> </a:t>
+            </a:r>
+            <a:r>
+              <a:rPr sz="2500" dirty="0" err="1">
+                <a:latin typeface="Century" panose="02040604050505020304" pitchFamily="18" charset="0"/>
+              </a:rPr>
+              <a:t>điều</a:t>
+            </a:r>
+            <a:r>
+              <a:rPr sz="2500" dirty="0">
+                <a:latin typeface="Century" panose="02040604050505020304" pitchFamily="18" charset="0"/>
+              </a:rPr>
+              <a:t> </a:t>
+            </a:r>
+            <a:r>
+              <a:rPr sz="2500" dirty="0" err="1">
+                <a:latin typeface="Century" panose="02040604050505020304" pitchFamily="18" charset="0"/>
+              </a:rPr>
+              <a:t>chỉnh</a:t>
+            </a:r>
+            <a:r>
+              <a:rPr sz="2500" dirty="0">
+                <a:latin typeface="Century" panose="02040604050505020304" pitchFamily="18" charset="0"/>
+              </a:rPr>
+              <a:t> </a:t>
+            </a:r>
+            <a:r>
+              <a:rPr sz="2500" dirty="0" err="1">
+                <a:latin typeface="Century" panose="02040604050505020304" pitchFamily="18" charset="0"/>
+              </a:rPr>
+              <a:t>tham</a:t>
+            </a:r>
+            <a:r>
+              <a:rPr sz="2500" dirty="0">
+                <a:latin typeface="Century" panose="02040604050505020304" pitchFamily="18" charset="0"/>
+              </a:rPr>
+              <a:t> </a:t>
+            </a:r>
+            <a:r>
+              <a:rPr sz="2500" dirty="0" err="1">
+                <a:latin typeface="Century" panose="02040604050505020304" pitchFamily="18" charset="0"/>
+              </a:rPr>
+              <a:t>số</a:t>
+            </a:r>
+            <a:r>
+              <a:rPr sz="2500" dirty="0">
+                <a:latin typeface="Century" panose="02040604050505020304" pitchFamily="18" charset="0"/>
+              </a:rPr>
+              <a:t> </a:t>
+            </a:r>
+            <a:r>
+              <a:rPr sz="2500" dirty="0" err="1">
+                <a:latin typeface="Century" panose="02040604050505020304" pitchFamily="18" charset="0"/>
+              </a:rPr>
+              <a:t>để</a:t>
+            </a:r>
+            <a:r>
+              <a:rPr sz="2500" dirty="0">
+                <a:latin typeface="Century" panose="02040604050505020304" pitchFamily="18" charset="0"/>
+              </a:rPr>
+              <a:t> </a:t>
+            </a:r>
+            <a:r>
+              <a:rPr sz="2500" dirty="0" err="1">
+                <a:latin typeface="Century" panose="02040604050505020304" pitchFamily="18" charset="0"/>
+              </a:rPr>
+              <a:t>phản</a:t>
+            </a:r>
+            <a:r>
+              <a:rPr sz="2500" dirty="0">
+                <a:latin typeface="Century" panose="02040604050505020304" pitchFamily="18" charset="0"/>
+              </a:rPr>
+              <a:t> </a:t>
+            </a:r>
+            <a:r>
+              <a:rPr sz="2500" dirty="0" err="1">
+                <a:latin typeface="Century" panose="02040604050505020304" pitchFamily="18" charset="0"/>
+              </a:rPr>
+              <a:t>ánh</a:t>
+            </a:r>
+            <a:r>
+              <a:rPr sz="2500" dirty="0">
+                <a:latin typeface="Century" panose="02040604050505020304" pitchFamily="18" charset="0"/>
+              </a:rPr>
+              <a:t> </a:t>
+            </a:r>
+            <a:r>
+              <a:rPr sz="2500" dirty="0" err="1">
+                <a:latin typeface="Century" panose="02040604050505020304" pitchFamily="18" charset="0"/>
+              </a:rPr>
+              <a:t>tốt</a:t>
+            </a:r>
+            <a:r>
+              <a:rPr sz="2500" dirty="0">
+                <a:latin typeface="Century" panose="02040604050505020304" pitchFamily="18" charset="0"/>
+              </a:rPr>
+              <a:t> </a:t>
+            </a:r>
+            <a:r>
+              <a:rPr sz="2500" dirty="0" err="1">
+                <a:latin typeface="Century" panose="02040604050505020304" pitchFamily="18" charset="0"/>
+              </a:rPr>
+              <a:t>hơn</a:t>
+            </a:r>
+            <a:r>
+              <a:rPr sz="2500" dirty="0">
+                <a:latin typeface="Century" panose="02040604050505020304" pitchFamily="18" charset="0"/>
+              </a:rPr>
+              <a:t> dao </a:t>
+            </a:r>
+            <a:r>
+              <a:rPr sz="2500" dirty="0" err="1">
+                <a:latin typeface="Century" panose="02040604050505020304" pitchFamily="18" charset="0"/>
+              </a:rPr>
+              <a:t>động</a:t>
+            </a:r>
+            <a:r>
+              <a:rPr sz="2500" dirty="0">
+                <a:latin typeface="Century" panose="02040604050505020304" pitchFamily="18" charset="0"/>
+              </a:rPr>
+              <a:t> </a:t>
+            </a:r>
+            <a:r>
+              <a:rPr sz="2500" dirty="0" err="1">
+                <a:latin typeface="Century" panose="02040604050505020304" pitchFamily="18" charset="0"/>
+              </a:rPr>
+              <a:t>ngắn</a:t>
+            </a:r>
+            <a:r>
+              <a:rPr sz="2500" dirty="0">
+                <a:latin typeface="Century" panose="02040604050505020304" pitchFamily="18" charset="0"/>
+              </a:rPr>
+              <a:t> </a:t>
+            </a:r>
+            <a:r>
+              <a:rPr sz="2500" dirty="0" err="1">
+                <a:latin typeface="Century" panose="02040604050505020304" pitchFamily="18" charset="0"/>
+              </a:rPr>
+              <a:t>hạn</a:t>
+            </a:r>
+            <a:r>
+              <a:rPr sz="2500" dirty="0">
+                <a:latin typeface="Century" panose="02040604050505020304" pitchFamily="18" charset="0"/>
+              </a:rPr>
+              <a:t> </a:t>
+            </a:r>
+            <a:r>
+              <a:rPr sz="2500" dirty="0" err="1">
+                <a:latin typeface="Century" panose="02040604050505020304" pitchFamily="18" charset="0"/>
+              </a:rPr>
+              <a:t>và</a:t>
+            </a:r>
+            <a:r>
+              <a:rPr sz="2500" dirty="0">
+                <a:latin typeface="Century" panose="02040604050505020304" pitchFamily="18" charset="0"/>
+              </a:rPr>
+              <a:t> </a:t>
+            </a:r>
+            <a:r>
+              <a:rPr sz="2500" dirty="0" err="1">
+                <a:latin typeface="Century" panose="02040604050505020304" pitchFamily="18" charset="0"/>
+              </a:rPr>
+              <a:t>mùa</a:t>
+            </a:r>
+            <a:r>
+              <a:rPr sz="2500" dirty="0">
+                <a:latin typeface="Century" panose="02040604050505020304" pitchFamily="18" charset="0"/>
+              </a:rPr>
+              <a:t> </a:t>
+            </a:r>
+            <a:r>
+              <a:rPr sz="2500" dirty="0" err="1">
+                <a:latin typeface="Century" panose="02040604050505020304" pitchFamily="18" charset="0"/>
+              </a:rPr>
+              <a:t>vụ</a:t>
+            </a:r>
+            <a:r>
+              <a:rPr sz="2500" dirty="0">
+                <a:latin typeface="Century" panose="02040604050505020304" pitchFamily="18" charset="0"/>
+              </a:rPr>
+              <a:t> </a:t>
+            </a:r>
+            <a:r>
+              <a:rPr sz="2500" dirty="0" err="1">
+                <a:latin typeface="Century" panose="02040604050505020304" pitchFamily="18" charset="0"/>
+              </a:rPr>
+              <a:t>phức</a:t>
+            </a:r>
+            <a:r>
+              <a:rPr sz="2500" dirty="0">
+                <a:latin typeface="Century" panose="02040604050505020304" pitchFamily="18" charset="0"/>
+              </a:rPr>
+              <a:t> </a:t>
+            </a:r>
+            <a:r>
+              <a:rPr sz="2500" dirty="0" err="1">
+                <a:latin typeface="Century" panose="02040604050505020304" pitchFamily="18" charset="0"/>
+              </a:rPr>
+              <a:t>tạp</a:t>
+            </a:r>
+            <a:r>
+              <a:rPr sz="2500" dirty="0">
+                <a:latin typeface="Century" panose="02040604050505020304" pitchFamily="18" charset="0"/>
+              </a:rPr>
+              <a:t>. </a:t>
+            </a:r>
+            <a:r>
+              <a:rPr sz="2500" dirty="0" err="1">
+                <a:latin typeface="Century" panose="02040604050505020304" pitchFamily="18" charset="0"/>
+              </a:rPr>
+              <a:t>Kết</a:t>
+            </a:r>
+            <a:r>
+              <a:rPr sz="2500" dirty="0">
+                <a:latin typeface="Century" panose="02040604050505020304" pitchFamily="18" charset="0"/>
+              </a:rPr>
+              <a:t> </a:t>
+            </a:r>
+            <a:r>
+              <a:rPr sz="2500" dirty="0" err="1">
+                <a:latin typeface="Century" panose="02040604050505020304" pitchFamily="18" charset="0"/>
+              </a:rPr>
+              <a:t>quả</a:t>
+            </a:r>
+            <a:r>
+              <a:rPr sz="2500" dirty="0">
+                <a:latin typeface="Century" panose="02040604050505020304" pitchFamily="18" charset="0"/>
+              </a:rPr>
+              <a:t> </a:t>
+            </a:r>
+            <a:r>
+              <a:rPr sz="2500" dirty="0" err="1">
+                <a:latin typeface="Century" panose="02040604050505020304" pitchFamily="18" charset="0"/>
+              </a:rPr>
+              <a:t>cho</a:t>
+            </a:r>
+            <a:r>
+              <a:rPr sz="2500" dirty="0">
+                <a:latin typeface="Century" panose="02040604050505020304" pitchFamily="18" charset="0"/>
+              </a:rPr>
+              <a:t> </a:t>
+            </a:r>
+            <a:r>
+              <a:rPr sz="2500" dirty="0" err="1">
+                <a:latin typeface="Century" panose="02040604050505020304" pitchFamily="18" charset="0"/>
+              </a:rPr>
+              <a:t>thấy</a:t>
+            </a:r>
+            <a:r>
+              <a:rPr sz="2500" dirty="0">
+                <a:latin typeface="Century" panose="02040604050505020304" pitchFamily="18" charset="0"/>
+              </a:rPr>
+              <a:t> AIC/BIC </a:t>
+            </a:r>
+            <a:r>
+              <a:rPr sz="2500" dirty="0" err="1">
+                <a:latin typeface="Century" panose="02040604050505020304" pitchFamily="18" charset="0"/>
+              </a:rPr>
+              <a:t>thấp</a:t>
+            </a:r>
+            <a:r>
+              <a:rPr sz="2500" dirty="0">
+                <a:latin typeface="Century" panose="02040604050505020304" pitchFamily="18" charset="0"/>
+              </a:rPr>
+              <a:t> </a:t>
+            </a:r>
+            <a:r>
+              <a:rPr sz="2500" dirty="0" err="1">
+                <a:latin typeface="Century" panose="02040604050505020304" pitchFamily="18" charset="0"/>
+              </a:rPr>
+              <a:t>hơn</a:t>
+            </a:r>
+            <a:r>
+              <a:rPr sz="2500" dirty="0">
+                <a:latin typeface="Century" panose="02040604050505020304" pitchFamily="18" charset="0"/>
+              </a:rPr>
+              <a:t> </a:t>
+            </a:r>
+            <a:r>
+              <a:rPr sz="2500" dirty="0" err="1">
+                <a:latin typeface="Century" panose="02040604050505020304" pitchFamily="18" charset="0"/>
+              </a:rPr>
+              <a:t>và</a:t>
+            </a:r>
+            <a:r>
+              <a:rPr sz="2500" dirty="0">
+                <a:latin typeface="Century" panose="02040604050505020304" pitchFamily="18" charset="0"/>
+              </a:rPr>
+              <a:t> </a:t>
+            </a:r>
+            <a:r>
+              <a:rPr sz="2500" dirty="0" err="1">
+                <a:latin typeface="Century" panose="02040604050505020304" pitchFamily="18" charset="0"/>
+              </a:rPr>
+              <a:t>sai</a:t>
+            </a:r>
+            <a:r>
+              <a:rPr sz="2500" dirty="0">
+                <a:latin typeface="Century" panose="02040604050505020304" pitchFamily="18" charset="0"/>
+              </a:rPr>
+              <a:t> </a:t>
+            </a:r>
+            <a:r>
+              <a:rPr sz="2500" dirty="0" err="1">
+                <a:latin typeface="Century" panose="02040604050505020304" pitchFamily="18" charset="0"/>
+              </a:rPr>
+              <a:t>số</a:t>
+            </a:r>
+            <a:r>
+              <a:rPr sz="2500" dirty="0">
+                <a:latin typeface="Century" panose="02040604050505020304" pitchFamily="18" charset="0"/>
+              </a:rPr>
+              <a:t> </a:t>
+            </a:r>
+            <a:r>
+              <a:rPr sz="2500" dirty="0" err="1">
+                <a:latin typeface="Century" panose="02040604050505020304" pitchFamily="18" charset="0"/>
+              </a:rPr>
+              <a:t>dự</a:t>
+            </a:r>
+            <a:r>
+              <a:rPr sz="2500" dirty="0">
+                <a:latin typeface="Century" panose="02040604050505020304" pitchFamily="18" charset="0"/>
+              </a:rPr>
+              <a:t> </a:t>
+            </a:r>
+            <a:r>
+              <a:rPr sz="2500" dirty="0" err="1">
+                <a:latin typeface="Century" panose="02040604050505020304" pitchFamily="18" charset="0"/>
+              </a:rPr>
+              <a:t>báo</a:t>
+            </a:r>
+            <a:r>
+              <a:rPr sz="2500" dirty="0">
+                <a:latin typeface="Century" panose="02040604050505020304" pitchFamily="18" charset="0"/>
+              </a:rPr>
+              <a:t> </a:t>
+            </a:r>
+            <a:r>
+              <a:rPr sz="2500" dirty="0" err="1">
+                <a:latin typeface="Century" panose="02040604050505020304" pitchFamily="18" charset="0"/>
+              </a:rPr>
+              <a:t>nhỏ</a:t>
+            </a:r>
+            <a:r>
+              <a:rPr sz="2500" dirty="0">
+                <a:latin typeface="Century" panose="02040604050505020304" pitchFamily="18" charset="0"/>
+              </a:rPr>
+              <a:t> </a:t>
+            </a:r>
+            <a:r>
+              <a:rPr sz="2500" dirty="0" err="1">
+                <a:latin typeface="Century" panose="02040604050505020304" pitchFamily="18" charset="0"/>
+              </a:rPr>
+              <a:t>hơn</a:t>
+            </a:r>
+            <a:r>
+              <a:rPr sz="2500" dirty="0">
+                <a:latin typeface="Century" panose="02040604050505020304" pitchFamily="18" charset="0"/>
+              </a:rPr>
+              <a:t>.</a:t>
+            </a:r>
+          </a:p>
+        </p:txBody>
+      </p:sp>
+    </p:spTree>
+  </p:cSld>
+  <p:clrMapOvr>
+    <a:masterClrMapping/>
+  </p:clrMapOvr>
+</p:sld>
+</file>
+
+<file path=ppt/slides/slide39.xml><?xml version="1.0" encoding="utf-8"?>
+<p:sld xmlns:a="http://schemas.openxmlformats.org/drawingml/2006/main" xmlns:r="http://schemas.openxmlformats.org/officeDocument/2006/relationships" xmlns:p="http://schemas.openxmlformats.org/presentationml/2006/main">
+  <p:cSld>
+    <p:spTree>
+      <p:nvGrpSpPr>
+        <p:cNvPr id="1" name=""/>
+        <p:cNvGrpSpPr/>
+        <p:nvPr/>
+      </p:nvGrpSpPr>
+      <p:grpSpPr>
+        <a:xfrm>
+          <a:off x="0" y="0"/>
+          <a:ext cx="0" cy="0"/>
+          <a:chOff x="0" y="0"/>
+          <a:chExt cx="0" cy="0"/>
+        </a:xfrm>
+      </p:grpSpPr>
+      <p:sp>
+        <p:nvSpPr>
+          <p:cNvPr id="2" name="Title 1"/>
+          <p:cNvSpPr>
+            <a:spLocks noGrp="1"/>
+          </p:cNvSpPr>
+          <p:nvPr>
+            <p:ph type="title" idx="4294967295"/>
+          </p:nvPr>
+        </p:nvSpPr>
+        <p:spPr>
+          <a:xfrm>
+            <a:off x="187325" y="190860"/>
+            <a:ext cx="7697218" cy="1211263"/>
+          </a:xfrm>
+          <a:noFill/>
+          <a:ln>
+            <a:noFill/>
+          </a:ln>
+        </p:spPr>
+        <p:txBody>
+          <a:bodyPr spcFirstLastPara="1" wrap="square" lIns="91425" tIns="91425" rIns="91425" bIns="91425" anchor="t" anchorCtr="0">
+            <a:noAutofit/>
+          </a:bodyPr>
+          <a:lstStyle/>
+          <a:p>
+            <a:pPr algn="ctr"/>
+            <a:r>
+              <a:rPr sz="4000" dirty="0">
+                <a:latin typeface="Aptos Display" panose="020B0004020202020204" pitchFamily="34" charset="0"/>
+              </a:rPr>
+              <a:t>So </a:t>
+            </a:r>
+            <a:r>
+              <a:rPr sz="4000" dirty="0" err="1">
+                <a:latin typeface="Aptos Display" panose="020B0004020202020204" pitchFamily="34" charset="0"/>
+              </a:rPr>
+              <a:t>sánh</a:t>
+            </a:r>
+            <a:r>
+              <a:rPr sz="4000" dirty="0">
+                <a:latin typeface="Aptos Display" panose="020B0004020202020204" pitchFamily="34" charset="0"/>
+              </a:rPr>
+              <a:t> </a:t>
+            </a:r>
+            <a:r>
+              <a:rPr sz="4000" dirty="0" err="1">
+                <a:latin typeface="Aptos Display" panose="020B0004020202020204" pitchFamily="34" charset="0"/>
+              </a:rPr>
+              <a:t>hai</a:t>
+            </a:r>
+            <a:r>
+              <a:rPr sz="4000" dirty="0">
+                <a:latin typeface="Aptos Display" panose="020B0004020202020204" pitchFamily="34" charset="0"/>
+              </a:rPr>
+              <a:t> </a:t>
+            </a:r>
+            <a:r>
+              <a:rPr sz="4000" dirty="0" err="1">
+                <a:latin typeface="Aptos Display" panose="020B0004020202020204" pitchFamily="34" charset="0"/>
+              </a:rPr>
+              <a:t>mô</a:t>
+            </a:r>
+            <a:r>
+              <a:rPr sz="4000" dirty="0">
+                <a:latin typeface="Aptos Display" panose="020B0004020202020204" pitchFamily="34" charset="0"/>
+              </a:rPr>
+              <a:t> </a:t>
+            </a:r>
+            <a:r>
+              <a:rPr sz="4000" dirty="0" err="1">
+                <a:latin typeface="Aptos Display" panose="020B0004020202020204" pitchFamily="34" charset="0"/>
+              </a:rPr>
+              <a:t>hình</a:t>
+            </a:r>
+            <a:r>
+              <a:rPr sz="4000" dirty="0">
+                <a:latin typeface="Aptos Display" panose="020B0004020202020204" pitchFamily="34" charset="0"/>
+              </a:rPr>
+              <a:t> SARIMA</a:t>
+            </a:r>
+          </a:p>
+        </p:txBody>
+      </p:sp>
+      <p:sp>
+        <p:nvSpPr>
+          <p:cNvPr id="4" name="Picture Placeholder 3"/>
+          <p:cNvSpPr>
+            <a:spLocks noGrp="1"/>
+          </p:cNvSpPr>
+          <p:nvPr>
+            <p:ph type="pic" idx="4294967295"/>
+          </p:nvPr>
+        </p:nvSpPr>
+        <p:spPr>
+          <a:xfrm>
+            <a:off x="465827" y="888640"/>
+            <a:ext cx="8327538" cy="3840480"/>
+          </a:xfrm>
+          <a:noFill/>
+          <a:ln>
+            <a:noFill/>
+          </a:ln>
+        </p:spPr>
+        <p:txBody>
+          <a:bodyPr/>
+          <a:lstStyle/>
+          <a:p>
+            <a:pPr marL="0" indent="0">
+              <a:buNone/>
+            </a:pPr>
+            <a:r>
+              <a:rPr sz="2400" dirty="0">
+                <a:latin typeface="Century" panose="02040604050505020304" pitchFamily="18" charset="0"/>
+              </a:rPr>
+              <a:t>SARIMA 1 </a:t>
+            </a:r>
+            <a:r>
+              <a:rPr sz="2400" dirty="0" err="1">
+                <a:latin typeface="Century" panose="02040604050505020304" pitchFamily="18" charset="0"/>
+              </a:rPr>
+              <a:t>phù</a:t>
+            </a:r>
+            <a:r>
+              <a:rPr sz="2400" dirty="0">
+                <a:latin typeface="Century" panose="02040604050505020304" pitchFamily="18" charset="0"/>
+              </a:rPr>
+              <a:t> </a:t>
+            </a:r>
+            <a:r>
+              <a:rPr sz="2400" dirty="0" err="1">
+                <a:latin typeface="Century" panose="02040604050505020304" pitchFamily="18" charset="0"/>
+              </a:rPr>
+              <a:t>hợp</a:t>
+            </a:r>
+            <a:r>
+              <a:rPr sz="2400" dirty="0">
+                <a:latin typeface="Century" panose="02040604050505020304" pitchFamily="18" charset="0"/>
+              </a:rPr>
+              <a:t> </a:t>
+            </a:r>
+            <a:r>
+              <a:rPr sz="2400" dirty="0" err="1">
+                <a:latin typeface="Century" panose="02040604050505020304" pitchFamily="18" charset="0"/>
+              </a:rPr>
+              <a:t>giám</a:t>
+            </a:r>
+            <a:r>
+              <a:rPr sz="2400" dirty="0">
+                <a:latin typeface="Century" panose="02040604050505020304" pitchFamily="18" charset="0"/>
+              </a:rPr>
+              <a:t> </a:t>
+            </a:r>
+            <a:r>
+              <a:rPr sz="2400" dirty="0" err="1">
+                <a:latin typeface="Century" panose="02040604050505020304" pitchFamily="18" charset="0"/>
+              </a:rPr>
+              <a:t>sát</a:t>
+            </a:r>
+            <a:r>
+              <a:rPr sz="2400" dirty="0">
+                <a:latin typeface="Century" panose="02040604050505020304" pitchFamily="18" charset="0"/>
+              </a:rPr>
+              <a:t> xu </a:t>
+            </a:r>
+            <a:r>
+              <a:rPr sz="2400" dirty="0" err="1">
+                <a:latin typeface="Century" panose="02040604050505020304" pitchFamily="18" charset="0"/>
+              </a:rPr>
+              <a:t>hướng</a:t>
+            </a:r>
+            <a:r>
+              <a:rPr sz="2400" dirty="0">
+                <a:latin typeface="Century" panose="02040604050505020304" pitchFamily="18" charset="0"/>
+              </a:rPr>
+              <a:t> </a:t>
+            </a:r>
+            <a:r>
+              <a:rPr sz="2400" dirty="0" err="1">
+                <a:latin typeface="Century" panose="02040604050505020304" pitchFamily="18" charset="0"/>
+              </a:rPr>
+              <a:t>dài</a:t>
+            </a:r>
+            <a:r>
+              <a:rPr sz="2400" dirty="0">
+                <a:latin typeface="Century" panose="02040604050505020304" pitchFamily="18" charset="0"/>
+              </a:rPr>
+              <a:t> </a:t>
+            </a:r>
+            <a:r>
+              <a:rPr sz="2400" dirty="0" err="1">
+                <a:latin typeface="Century" panose="02040604050505020304" pitchFamily="18" charset="0"/>
+              </a:rPr>
+              <a:t>hạn</a:t>
+            </a:r>
+            <a:r>
+              <a:rPr sz="2400" dirty="0">
+                <a:latin typeface="Century" panose="02040604050505020304" pitchFamily="18" charset="0"/>
+              </a:rPr>
+              <a:t> </a:t>
+            </a:r>
+            <a:r>
+              <a:rPr sz="2400" dirty="0" err="1">
+                <a:latin typeface="Century" panose="02040604050505020304" pitchFamily="18" charset="0"/>
+              </a:rPr>
+              <a:t>nhờ</a:t>
+            </a:r>
+            <a:r>
+              <a:rPr sz="2400" dirty="0">
+                <a:latin typeface="Century" panose="02040604050505020304" pitchFamily="18" charset="0"/>
+              </a:rPr>
+              <a:t> </a:t>
+            </a:r>
+            <a:r>
+              <a:rPr sz="2400" dirty="0" err="1">
+                <a:latin typeface="Century" panose="02040604050505020304" pitchFamily="18" charset="0"/>
+              </a:rPr>
+              <a:t>tính</a:t>
+            </a:r>
+            <a:r>
+              <a:rPr sz="2400" dirty="0">
+                <a:latin typeface="Century" panose="02040604050505020304" pitchFamily="18" charset="0"/>
+              </a:rPr>
+              <a:t> </a:t>
+            </a:r>
+            <a:r>
+              <a:rPr sz="2400" dirty="0" err="1">
+                <a:latin typeface="Century" panose="02040604050505020304" pitchFamily="18" charset="0"/>
+              </a:rPr>
+              <a:t>đơn</a:t>
+            </a:r>
+            <a:r>
+              <a:rPr sz="2400" dirty="0">
+                <a:latin typeface="Century" panose="02040604050505020304" pitchFamily="18" charset="0"/>
+              </a:rPr>
+              <a:t> </a:t>
+            </a:r>
+            <a:r>
+              <a:rPr sz="2400" dirty="0" err="1">
+                <a:latin typeface="Century" panose="02040604050505020304" pitchFamily="18" charset="0"/>
+              </a:rPr>
+              <a:t>giản</a:t>
+            </a:r>
+            <a:r>
+              <a:rPr sz="2400" dirty="0">
+                <a:latin typeface="Century" panose="02040604050505020304" pitchFamily="18" charset="0"/>
+              </a:rPr>
+              <a:t> </a:t>
+            </a:r>
+            <a:r>
+              <a:rPr sz="2400" dirty="0" err="1">
+                <a:latin typeface="Century" panose="02040604050505020304" pitchFamily="18" charset="0"/>
+              </a:rPr>
+              <a:t>và</a:t>
+            </a:r>
+            <a:r>
+              <a:rPr sz="2400" dirty="0">
+                <a:latin typeface="Century" panose="02040604050505020304" pitchFamily="18" charset="0"/>
+              </a:rPr>
+              <a:t> </a:t>
+            </a:r>
+            <a:r>
+              <a:rPr sz="2400" dirty="0" err="1">
+                <a:latin typeface="Century" panose="02040604050505020304" pitchFamily="18" charset="0"/>
+              </a:rPr>
+              <a:t>khả</a:t>
+            </a:r>
+            <a:r>
+              <a:rPr sz="2400" dirty="0">
+                <a:latin typeface="Century" panose="02040604050505020304" pitchFamily="18" charset="0"/>
+              </a:rPr>
+              <a:t> </a:t>
+            </a:r>
+            <a:r>
+              <a:rPr sz="2400" dirty="0" err="1">
+                <a:latin typeface="Century" panose="02040604050505020304" pitchFamily="18" charset="0"/>
+              </a:rPr>
+              <a:t>năng</a:t>
+            </a:r>
+            <a:r>
+              <a:rPr sz="2400" dirty="0">
+                <a:latin typeface="Century" panose="02040604050505020304" pitchFamily="18" charset="0"/>
+              </a:rPr>
+              <a:t> </a:t>
+            </a:r>
+            <a:r>
+              <a:rPr sz="2400" dirty="0" err="1">
+                <a:latin typeface="Century" panose="02040604050505020304" pitchFamily="18" charset="0"/>
+              </a:rPr>
+              <a:t>diễn</a:t>
+            </a:r>
+            <a:r>
+              <a:rPr sz="2400" dirty="0">
+                <a:latin typeface="Century" panose="02040604050505020304" pitchFamily="18" charset="0"/>
+              </a:rPr>
+              <a:t> </a:t>
+            </a:r>
+            <a:r>
+              <a:rPr sz="2400" dirty="0" err="1">
+                <a:latin typeface="Century" panose="02040604050505020304" pitchFamily="18" charset="0"/>
+              </a:rPr>
+              <a:t>giải</a:t>
+            </a:r>
+            <a:r>
+              <a:rPr sz="2400" dirty="0">
+                <a:latin typeface="Century" panose="02040604050505020304" pitchFamily="18" charset="0"/>
+              </a:rPr>
+              <a:t> </a:t>
+            </a:r>
+            <a:r>
+              <a:rPr sz="2400" dirty="0" err="1">
+                <a:latin typeface="Century" panose="02040604050505020304" pitchFamily="18" charset="0"/>
+              </a:rPr>
+              <a:t>tốt</a:t>
+            </a:r>
+            <a:endParaRPr lang="en-US" sz="2400" dirty="0">
+              <a:latin typeface="Century" panose="02040604050505020304" pitchFamily="18" charset="0"/>
+            </a:endParaRPr>
+          </a:p>
+          <a:p>
+            <a:pPr marL="0" indent="0">
+              <a:buNone/>
+            </a:pPr>
+            <a:endParaRPr lang="en-US" sz="2400" dirty="0">
+              <a:latin typeface="Century" panose="02040604050505020304" pitchFamily="18" charset="0"/>
+            </a:endParaRPr>
+          </a:p>
+          <a:p>
+            <a:pPr marL="0" indent="0">
+              <a:buNone/>
+            </a:pPr>
+            <a:r>
+              <a:rPr lang="vi-VN" sz="2400" dirty="0">
+                <a:solidFill>
+                  <a:srgbClr val="1B1B1B"/>
+                </a:solidFill>
+                <a:latin typeface="Century" panose="02040604050505020304" pitchFamily="18" charset="0"/>
+              </a:rPr>
+              <a:t>SARIMA 2 phù hợp hơn cho dự báo ngắn hạn trong bối cảnh biến động cao</a:t>
+            </a:r>
+          </a:p>
+          <a:p>
+            <a:pPr marL="0" indent="0">
+              <a:buNone/>
+            </a:pPr>
+            <a:endParaRPr lang="en-US" sz="2400" dirty="0">
+              <a:latin typeface="Century" panose="02040604050505020304" pitchFamily="18" charset="0"/>
+            </a:endParaRPr>
+          </a:p>
+        </p:txBody>
+      </p:sp>
+    </p:spTree>
+  </p:cSld>
+  <p:clrMapOvr>
+    <a:masterClrMapping/>
+  </p:clrMapOvr>
+</p:sld>
+</file>
+
 <file path=ppt/slides/slide4.xml><?xml version="1.0" encoding="utf-8"?>
 <p:sld xmlns:a="http://schemas.openxmlformats.org/drawingml/2006/main" xmlns:r="http://schemas.openxmlformats.org/officeDocument/2006/relationships" xmlns:p="http://schemas.openxmlformats.org/presentationml/2006/main">
   <p:cSld>
@@ -19988,6 +23733,1869 @@
                 <a:latin typeface="Century" panose="02040604050505020304" pitchFamily="18" charset="0"/>
               </a:rPr>
               <a:t> làm cơ sở cho điều chỉnh chiến lược kinh doanh trong năm hiện tại.</a:t>
+            </a:r>
+          </a:p>
+        </p:txBody>
+      </p:sp>
+    </p:spTree>
+  </p:cSld>
+  <p:clrMapOvr>
+    <a:masterClrMapping/>
+  </p:clrMapOvr>
+</p:sld>
+</file>
+
+<file path=ppt/slides/slide40.xml><?xml version="1.0" encoding="utf-8"?>
+<p:sld xmlns:a="http://schemas.openxmlformats.org/drawingml/2006/main" xmlns:r="http://schemas.openxmlformats.org/officeDocument/2006/relationships" xmlns:p="http://schemas.openxmlformats.org/presentationml/2006/main">
+  <p:cSld>
+    <p:spTree>
+      <p:nvGrpSpPr>
+        <p:cNvPr id="1" name=""/>
+        <p:cNvGrpSpPr/>
+        <p:nvPr/>
+      </p:nvGrpSpPr>
+      <p:grpSpPr>
+        <a:xfrm>
+          <a:off x="0" y="0"/>
+          <a:ext cx="0" cy="0"/>
+          <a:chOff x="0" y="0"/>
+          <a:chExt cx="0" cy="0"/>
+        </a:xfrm>
+      </p:grpSpPr>
+      <p:pic>
+        <p:nvPicPr>
+          <p:cNvPr id="2" name="Picture 1">
+            <a:extLst>
+              <a:ext uri="{FF2B5EF4-FFF2-40B4-BE49-F238E27FC236}">
+                <a16:creationId xmlns:a16="http://schemas.microsoft.com/office/drawing/2014/main" id="{8043B274-FB65-5A5B-752A-58AC00EAC34D}"/>
+              </a:ext>
+            </a:extLst>
+          </p:cNvPr>
+          <p:cNvPicPr>
+            <a:picLocks noChangeAspect="1"/>
+          </p:cNvPicPr>
+          <p:nvPr/>
+        </p:nvPicPr>
+        <p:blipFill>
+          <a:blip r:embed="rId2"/>
+          <a:stretch>
+            <a:fillRect/>
+          </a:stretch>
+        </p:blipFill>
+        <p:spPr>
+          <a:xfrm>
+            <a:off x="0" y="207034"/>
+            <a:ext cx="9144000" cy="3717031"/>
+          </a:xfrm>
+          <a:prstGeom prst="rect">
+            <a:avLst/>
+          </a:prstGeom>
+        </p:spPr>
+      </p:pic>
+      <p:sp>
+        <p:nvSpPr>
+          <p:cNvPr id="4" name="TextBox 3">
+            <a:extLst>
+              <a:ext uri="{FF2B5EF4-FFF2-40B4-BE49-F238E27FC236}">
+                <a16:creationId xmlns:a16="http://schemas.microsoft.com/office/drawing/2014/main" id="{57754AB4-56DD-C42C-91E2-1DC613FC4ACF}"/>
+              </a:ext>
+            </a:extLst>
+          </p:cNvPr>
+          <p:cNvSpPr txBox="1"/>
+          <p:nvPr/>
+        </p:nvSpPr>
+        <p:spPr>
+          <a:xfrm>
+            <a:off x="957531" y="3906812"/>
+            <a:ext cx="7944929" cy="338554"/>
+          </a:xfrm>
+          <a:prstGeom prst="rect">
+            <a:avLst/>
+          </a:prstGeom>
+          <a:noFill/>
+        </p:spPr>
+        <p:txBody>
+          <a:bodyPr wrap="square">
+            <a:spAutoFit/>
+          </a:bodyPr>
+          <a:lstStyle/>
+          <a:p>
+            <a:r>
+              <a:rPr lang="en-US" sz="1600" dirty="0" err="1"/>
+              <a:t>Hình</a:t>
+            </a:r>
+            <a:r>
+              <a:rPr lang="en-US" sz="1600" dirty="0"/>
+              <a:t> 12. So </a:t>
+            </a:r>
+            <a:r>
+              <a:rPr lang="en-US" sz="1600" dirty="0" err="1"/>
+              <a:t>sánh</a:t>
+            </a:r>
+            <a:r>
+              <a:rPr lang="en-US" sz="1600" dirty="0"/>
+              <a:t> </a:t>
+            </a:r>
+            <a:r>
+              <a:rPr lang="en-US" sz="1600" dirty="0" err="1"/>
+              <a:t>kết</a:t>
+            </a:r>
+            <a:r>
+              <a:rPr lang="en-US" sz="1600" dirty="0"/>
+              <a:t> </a:t>
+            </a:r>
+            <a:r>
+              <a:rPr lang="en-US" sz="1600" dirty="0" err="1"/>
+              <a:t>quả</a:t>
+            </a:r>
+            <a:r>
+              <a:rPr lang="en-US" sz="1600" dirty="0"/>
+              <a:t> </a:t>
+            </a:r>
+            <a:r>
+              <a:rPr lang="en-US" sz="1600" dirty="0" err="1"/>
+              <a:t>dự</a:t>
+            </a:r>
+            <a:r>
+              <a:rPr lang="en-US" sz="1600" dirty="0"/>
+              <a:t> </a:t>
+            </a:r>
+            <a:r>
+              <a:rPr lang="en-US" sz="1600" dirty="0" err="1"/>
+              <a:t>báo</a:t>
+            </a:r>
+            <a:r>
+              <a:rPr lang="en-US" sz="1600" dirty="0"/>
+              <a:t> </a:t>
+            </a:r>
+            <a:r>
+              <a:rPr lang="en-US" sz="1600" dirty="0" err="1"/>
+              <a:t>của</a:t>
+            </a:r>
+            <a:r>
+              <a:rPr lang="en-US" sz="1600" dirty="0"/>
+              <a:t> </a:t>
+            </a:r>
+            <a:r>
+              <a:rPr lang="en-US" sz="1600" dirty="0" err="1"/>
+              <a:t>hai</a:t>
+            </a:r>
+            <a:r>
+              <a:rPr lang="en-US" sz="1600" dirty="0"/>
+              <a:t> </a:t>
+            </a:r>
+            <a:r>
+              <a:rPr lang="en-US" sz="1600" dirty="0" err="1"/>
+              <a:t>mô</a:t>
+            </a:r>
+            <a:r>
+              <a:rPr lang="en-US" sz="1600" dirty="0"/>
+              <a:t> </a:t>
+            </a:r>
+            <a:r>
+              <a:rPr lang="en-US" sz="1600" dirty="0" err="1"/>
+              <a:t>hình</a:t>
+            </a:r>
+            <a:r>
+              <a:rPr lang="en-US" sz="1600" dirty="0"/>
+              <a:t> SARIMA </a:t>
+            </a:r>
+            <a:r>
+              <a:rPr lang="en-US" sz="1600" dirty="0" err="1"/>
+              <a:t>với</a:t>
+            </a:r>
+            <a:r>
+              <a:rPr lang="en-US" sz="1600" dirty="0"/>
+              <a:t> </a:t>
+            </a:r>
+            <a:r>
+              <a:rPr lang="en-US" sz="1600" dirty="0" err="1"/>
+              <a:t>doanh</a:t>
+            </a:r>
+            <a:r>
+              <a:rPr lang="en-US" sz="1600" dirty="0"/>
+              <a:t> </a:t>
+            </a:r>
+            <a:r>
+              <a:rPr lang="en-US" sz="1600" dirty="0" err="1"/>
+              <a:t>thu</a:t>
+            </a:r>
+            <a:r>
+              <a:rPr lang="en-US" sz="1600" dirty="0"/>
+              <a:t> </a:t>
+            </a:r>
+            <a:r>
+              <a:rPr lang="en-US" sz="1600" dirty="0" err="1"/>
+              <a:t>thực</a:t>
+            </a:r>
+            <a:r>
+              <a:rPr lang="en-US" sz="1600" dirty="0"/>
+              <a:t> </a:t>
+            </a:r>
+            <a:r>
+              <a:rPr lang="en-US" sz="1600" dirty="0" err="1"/>
+              <a:t>tế</a:t>
+            </a:r>
+            <a:endParaRPr lang="en-US" sz="1600" dirty="0"/>
+          </a:p>
+        </p:txBody>
+      </p:sp>
+    </p:spTree>
+    <p:extLst>
+      <p:ext uri="{BB962C8B-B14F-4D97-AF65-F5344CB8AC3E}">
+        <p14:creationId xmlns:p14="http://schemas.microsoft.com/office/powerpoint/2010/main" val="2306713959"/>
+      </p:ext>
+    </p:extLst>
+  </p:cSld>
+  <p:clrMapOvr>
+    <a:masterClrMapping/>
+  </p:clrMapOvr>
+</p:sld>
+</file>
+
+<file path=ppt/slides/slide41.xml><?xml version="1.0" encoding="utf-8"?>
+<p:sld xmlns:a="http://schemas.openxmlformats.org/drawingml/2006/main" xmlns:r="http://schemas.openxmlformats.org/officeDocument/2006/relationships" xmlns:p="http://schemas.openxmlformats.org/presentationml/2006/main">
+  <p:cSld>
+    <p:spTree>
+      <p:nvGrpSpPr>
+        <p:cNvPr id="1" name=""/>
+        <p:cNvGrpSpPr/>
+        <p:nvPr/>
+      </p:nvGrpSpPr>
+      <p:grpSpPr>
+        <a:xfrm>
+          <a:off x="0" y="0"/>
+          <a:ext cx="0" cy="0"/>
+          <a:chOff x="0" y="0"/>
+          <a:chExt cx="0" cy="0"/>
+        </a:xfrm>
+      </p:grpSpPr>
+      <p:sp>
+        <p:nvSpPr>
+          <p:cNvPr id="2" name="Title 1"/>
+          <p:cNvSpPr>
+            <a:spLocks noGrp="1"/>
+          </p:cNvSpPr>
+          <p:nvPr>
+            <p:ph type="title" idx="4294967295"/>
+          </p:nvPr>
+        </p:nvSpPr>
+        <p:spPr>
+          <a:xfrm>
+            <a:off x="379561" y="259870"/>
+            <a:ext cx="7799298" cy="1211263"/>
+          </a:xfrm>
+          <a:noFill/>
+          <a:ln>
+            <a:noFill/>
+          </a:ln>
+        </p:spPr>
+        <p:txBody>
+          <a:bodyPr spcFirstLastPara="1" wrap="square" lIns="91425" tIns="91425" rIns="91425" bIns="91425" anchor="t" anchorCtr="0">
+            <a:noAutofit/>
+          </a:bodyPr>
+          <a:lstStyle/>
+          <a:p>
+            <a:pPr algn="ctr"/>
+            <a:r>
+              <a:rPr sz="4000" dirty="0" err="1">
+                <a:latin typeface="Aptos Display" panose="020B0004020202020204" pitchFamily="34" charset="0"/>
+              </a:rPr>
+              <a:t>Hàm</a:t>
+            </a:r>
+            <a:r>
+              <a:rPr sz="4000" dirty="0">
+                <a:latin typeface="Aptos Display" panose="020B0004020202020204" pitchFamily="34" charset="0"/>
+              </a:rPr>
+              <a:t> ý </a:t>
+            </a:r>
+            <a:r>
+              <a:rPr sz="4000" dirty="0" err="1">
+                <a:latin typeface="Aptos Display" panose="020B0004020202020204" pitchFamily="34" charset="0"/>
+              </a:rPr>
+              <a:t>quản</a:t>
+            </a:r>
+            <a:r>
+              <a:rPr sz="4000" dirty="0">
+                <a:latin typeface="Aptos Display" panose="020B0004020202020204" pitchFamily="34" charset="0"/>
+              </a:rPr>
+              <a:t> </a:t>
+            </a:r>
+            <a:r>
+              <a:rPr sz="4000" dirty="0" err="1">
+                <a:latin typeface="Aptos Display" panose="020B0004020202020204" pitchFamily="34" charset="0"/>
+              </a:rPr>
+              <a:t>trị</a:t>
+            </a:r>
+            <a:r>
+              <a:rPr sz="4000" dirty="0">
+                <a:latin typeface="Aptos Display" panose="020B0004020202020204" pitchFamily="34" charset="0"/>
+              </a:rPr>
+              <a:t> </a:t>
+            </a:r>
+            <a:r>
+              <a:rPr sz="4000" dirty="0" err="1">
+                <a:latin typeface="Aptos Display" panose="020B0004020202020204" pitchFamily="34" charset="0"/>
+              </a:rPr>
+              <a:t>từ</a:t>
+            </a:r>
+            <a:r>
+              <a:rPr sz="4000" dirty="0">
+                <a:latin typeface="Aptos Display" panose="020B0004020202020204" pitchFamily="34" charset="0"/>
+              </a:rPr>
+              <a:t> </a:t>
+            </a:r>
+            <a:r>
+              <a:rPr sz="4000" dirty="0" err="1">
+                <a:latin typeface="Aptos Display" panose="020B0004020202020204" pitchFamily="34" charset="0"/>
+              </a:rPr>
+              <a:t>kết</a:t>
+            </a:r>
+            <a:r>
+              <a:rPr sz="4000" dirty="0">
+                <a:latin typeface="Aptos Display" panose="020B0004020202020204" pitchFamily="34" charset="0"/>
+              </a:rPr>
+              <a:t> </a:t>
+            </a:r>
+            <a:r>
+              <a:rPr sz="4000" dirty="0" err="1">
+                <a:latin typeface="Aptos Display" panose="020B0004020202020204" pitchFamily="34" charset="0"/>
+              </a:rPr>
+              <a:t>quả</a:t>
+            </a:r>
+            <a:r>
+              <a:rPr sz="4000" dirty="0">
+                <a:latin typeface="Aptos Display" panose="020B0004020202020204" pitchFamily="34" charset="0"/>
+              </a:rPr>
+              <a:t> </a:t>
+            </a:r>
+            <a:r>
+              <a:rPr sz="4000" dirty="0" err="1">
+                <a:latin typeface="Aptos Display" panose="020B0004020202020204" pitchFamily="34" charset="0"/>
+              </a:rPr>
+              <a:t>dự</a:t>
+            </a:r>
+            <a:r>
+              <a:rPr sz="4000" dirty="0">
+                <a:latin typeface="Aptos Display" panose="020B0004020202020204" pitchFamily="34" charset="0"/>
+              </a:rPr>
+              <a:t> </a:t>
+            </a:r>
+            <a:r>
+              <a:rPr sz="4000" dirty="0" err="1">
+                <a:latin typeface="Aptos Display" panose="020B0004020202020204" pitchFamily="34" charset="0"/>
+              </a:rPr>
+              <a:t>báo</a:t>
+            </a:r>
+            <a:endParaRPr sz="4000" dirty="0">
+              <a:latin typeface="Aptos Display" panose="020B0004020202020204" pitchFamily="34" charset="0"/>
+            </a:endParaRPr>
+          </a:p>
+        </p:txBody>
+      </p:sp>
+      <p:sp>
+        <p:nvSpPr>
+          <p:cNvPr id="4" name="Picture Placeholder 3"/>
+          <p:cNvSpPr>
+            <a:spLocks noGrp="1"/>
+          </p:cNvSpPr>
+          <p:nvPr>
+            <p:ph type="pic" idx="4294967295"/>
+          </p:nvPr>
+        </p:nvSpPr>
+        <p:spPr>
+          <a:xfrm>
+            <a:off x="379561" y="1079500"/>
+            <a:ext cx="8384878" cy="3665028"/>
+          </a:xfrm>
+          <a:noFill/>
+          <a:ln>
+            <a:noFill/>
+          </a:ln>
+        </p:spPr>
+        <p:txBody>
+          <a:bodyPr/>
+          <a:lstStyle/>
+          <a:p>
+            <a:pPr marL="0" indent="0">
+              <a:buNone/>
+            </a:pPr>
+            <a:r>
+              <a:rPr lang="en-US" sz="2500" dirty="0">
+                <a:latin typeface="Century" panose="02040604050505020304" pitchFamily="18" charset="0"/>
+                <a:sym typeface="Wingdings" panose="05000000000000000000" pitchFamily="2" charset="2"/>
+              </a:rPr>
+              <a:t> </a:t>
+            </a:r>
+            <a:r>
+              <a:rPr sz="2500" dirty="0" err="1">
+                <a:latin typeface="Century" panose="02040604050505020304" pitchFamily="18" charset="0"/>
+              </a:rPr>
+              <a:t>Dự</a:t>
+            </a:r>
+            <a:r>
+              <a:rPr sz="2500" dirty="0">
+                <a:latin typeface="Century" panose="02040604050505020304" pitchFamily="18" charset="0"/>
+              </a:rPr>
+              <a:t> </a:t>
+            </a:r>
+            <a:r>
+              <a:rPr sz="2500" dirty="0" err="1">
+                <a:latin typeface="Century" panose="02040604050505020304" pitchFamily="18" charset="0"/>
+              </a:rPr>
+              <a:t>báo</a:t>
+            </a:r>
+            <a:r>
+              <a:rPr sz="2500" dirty="0">
+                <a:latin typeface="Century" panose="02040604050505020304" pitchFamily="18" charset="0"/>
+              </a:rPr>
+              <a:t> </a:t>
+            </a:r>
+            <a:r>
+              <a:rPr sz="2500" dirty="0" err="1">
+                <a:latin typeface="Century" panose="02040604050505020304" pitchFamily="18" charset="0"/>
+              </a:rPr>
+              <a:t>giúp</a:t>
+            </a:r>
+            <a:r>
+              <a:rPr sz="2500" dirty="0">
+                <a:latin typeface="Century" panose="02040604050505020304" pitchFamily="18" charset="0"/>
+              </a:rPr>
+              <a:t> </a:t>
+            </a:r>
+            <a:r>
+              <a:rPr sz="2500" dirty="0" err="1">
+                <a:latin typeface="Century" panose="02040604050505020304" pitchFamily="18" charset="0"/>
+              </a:rPr>
+              <a:t>doanh</a:t>
+            </a:r>
+            <a:r>
+              <a:rPr sz="2500" dirty="0">
+                <a:latin typeface="Century" panose="02040604050505020304" pitchFamily="18" charset="0"/>
+              </a:rPr>
+              <a:t> </a:t>
+            </a:r>
+            <a:r>
+              <a:rPr sz="2500" dirty="0" err="1">
+                <a:latin typeface="Century" panose="02040604050505020304" pitchFamily="18" charset="0"/>
+              </a:rPr>
+              <a:t>nghiệp</a:t>
+            </a:r>
+            <a:r>
+              <a:rPr sz="2500" dirty="0">
+                <a:latin typeface="Century" panose="02040604050505020304" pitchFamily="18" charset="0"/>
+              </a:rPr>
+              <a:t> </a:t>
+            </a:r>
+            <a:r>
+              <a:rPr sz="2500" dirty="0" err="1">
+                <a:latin typeface="Century" panose="02040604050505020304" pitchFamily="18" charset="0"/>
+              </a:rPr>
+              <a:t>chủ</a:t>
+            </a:r>
+            <a:r>
+              <a:rPr sz="2500" dirty="0">
+                <a:latin typeface="Century" panose="02040604050505020304" pitchFamily="18" charset="0"/>
+              </a:rPr>
+              <a:t> </a:t>
+            </a:r>
+            <a:r>
+              <a:rPr sz="2500" dirty="0" err="1">
+                <a:latin typeface="Century" panose="02040604050505020304" pitchFamily="18" charset="0"/>
+              </a:rPr>
+              <a:t>động</a:t>
+            </a:r>
+            <a:r>
+              <a:rPr sz="2500" dirty="0">
+                <a:latin typeface="Century" panose="02040604050505020304" pitchFamily="18" charset="0"/>
+              </a:rPr>
+              <a:t> </a:t>
+            </a:r>
+            <a:r>
+              <a:rPr sz="2500" dirty="0" err="1">
+                <a:latin typeface="Century" panose="02040604050505020304" pitchFamily="18" charset="0"/>
+              </a:rPr>
+              <a:t>chuẩn</a:t>
+            </a:r>
+            <a:r>
+              <a:rPr sz="2500" dirty="0">
+                <a:latin typeface="Century" panose="02040604050505020304" pitchFamily="18" charset="0"/>
+              </a:rPr>
+              <a:t> </a:t>
+            </a:r>
+            <a:r>
+              <a:rPr sz="2500" dirty="0" err="1">
+                <a:latin typeface="Century" panose="02040604050505020304" pitchFamily="18" charset="0"/>
+              </a:rPr>
+              <a:t>bị</a:t>
+            </a:r>
+            <a:r>
+              <a:rPr sz="2500" dirty="0">
+                <a:latin typeface="Century" panose="02040604050505020304" pitchFamily="18" charset="0"/>
+              </a:rPr>
+              <a:t> </a:t>
+            </a:r>
+            <a:r>
+              <a:rPr sz="2500" dirty="0" err="1">
+                <a:latin typeface="Century" panose="02040604050505020304" pitchFamily="18" charset="0"/>
+              </a:rPr>
+              <a:t>tồn</a:t>
+            </a:r>
+            <a:r>
+              <a:rPr sz="2500" dirty="0">
+                <a:latin typeface="Century" panose="02040604050505020304" pitchFamily="18" charset="0"/>
+              </a:rPr>
+              <a:t> </a:t>
+            </a:r>
+            <a:r>
+              <a:rPr sz="2500" dirty="0" err="1">
+                <a:latin typeface="Century" panose="02040604050505020304" pitchFamily="18" charset="0"/>
+              </a:rPr>
+              <a:t>kho</a:t>
+            </a:r>
+            <a:r>
+              <a:rPr sz="2500" dirty="0">
+                <a:latin typeface="Century" panose="02040604050505020304" pitchFamily="18" charset="0"/>
+              </a:rPr>
+              <a:t> </a:t>
+            </a:r>
+            <a:r>
+              <a:rPr sz="2500" dirty="0" err="1">
+                <a:latin typeface="Century" panose="02040604050505020304" pitchFamily="18" charset="0"/>
+              </a:rPr>
+              <a:t>và</a:t>
+            </a:r>
+            <a:r>
+              <a:rPr sz="2500" dirty="0">
+                <a:latin typeface="Century" panose="02040604050505020304" pitchFamily="18" charset="0"/>
+              </a:rPr>
+              <a:t> </a:t>
+            </a:r>
+            <a:r>
+              <a:rPr sz="2500" dirty="0" err="1">
+                <a:latin typeface="Century" panose="02040604050505020304" pitchFamily="18" charset="0"/>
+              </a:rPr>
+              <a:t>nguồn</a:t>
+            </a:r>
+            <a:r>
+              <a:rPr sz="2500" dirty="0">
+                <a:latin typeface="Century" panose="02040604050505020304" pitchFamily="18" charset="0"/>
+              </a:rPr>
+              <a:t> </a:t>
+            </a:r>
+            <a:r>
+              <a:rPr sz="2500" dirty="0" err="1">
+                <a:latin typeface="Century" panose="02040604050505020304" pitchFamily="18" charset="0"/>
+              </a:rPr>
+              <a:t>lực</a:t>
+            </a:r>
+            <a:r>
+              <a:rPr sz="2500" dirty="0">
+                <a:latin typeface="Century" panose="02040604050505020304" pitchFamily="18" charset="0"/>
+              </a:rPr>
+              <a:t> ở </a:t>
+            </a:r>
+            <a:r>
+              <a:rPr sz="2500" dirty="0" err="1">
+                <a:latin typeface="Century" panose="02040604050505020304" pitchFamily="18" charset="0"/>
+              </a:rPr>
+              <a:t>các</a:t>
+            </a:r>
+            <a:r>
+              <a:rPr sz="2500" dirty="0">
+                <a:latin typeface="Century" panose="02040604050505020304" pitchFamily="18" charset="0"/>
+              </a:rPr>
+              <a:t> </a:t>
+            </a:r>
+            <a:r>
+              <a:rPr sz="2500" dirty="0" err="1">
+                <a:latin typeface="Century" panose="02040604050505020304" pitchFamily="18" charset="0"/>
+              </a:rPr>
+              <a:t>giai</a:t>
+            </a:r>
+            <a:r>
+              <a:rPr sz="2500" dirty="0">
+                <a:latin typeface="Century" panose="02040604050505020304" pitchFamily="18" charset="0"/>
+              </a:rPr>
+              <a:t> </a:t>
+            </a:r>
+            <a:r>
+              <a:rPr sz="2500" dirty="0" err="1">
+                <a:latin typeface="Century" panose="02040604050505020304" pitchFamily="18" charset="0"/>
+              </a:rPr>
+              <a:t>đoạn</a:t>
+            </a:r>
+            <a:r>
+              <a:rPr sz="2500" dirty="0">
+                <a:latin typeface="Century" panose="02040604050505020304" pitchFamily="18" charset="0"/>
+              </a:rPr>
+              <a:t> </a:t>
+            </a:r>
+            <a:r>
+              <a:rPr sz="2500" dirty="0" err="1">
+                <a:latin typeface="Century" panose="02040604050505020304" pitchFamily="18" charset="0"/>
+              </a:rPr>
+              <a:t>cao</a:t>
+            </a:r>
+            <a:r>
+              <a:rPr sz="2500" dirty="0">
+                <a:latin typeface="Century" panose="02040604050505020304" pitchFamily="18" charset="0"/>
+              </a:rPr>
+              <a:t> </a:t>
+            </a:r>
+            <a:r>
+              <a:rPr sz="2500" dirty="0" err="1">
+                <a:latin typeface="Century" panose="02040604050505020304" pitchFamily="18" charset="0"/>
+              </a:rPr>
+              <a:t>điểm</a:t>
+            </a:r>
+            <a:r>
+              <a:rPr sz="2500" dirty="0">
+                <a:latin typeface="Century" panose="02040604050505020304" pitchFamily="18" charset="0"/>
+              </a:rPr>
+              <a:t>, </a:t>
+            </a:r>
+            <a:r>
+              <a:rPr sz="2500" dirty="0" err="1">
+                <a:latin typeface="Century" panose="02040604050505020304" pitchFamily="18" charset="0"/>
+              </a:rPr>
+              <a:t>đồng</a:t>
+            </a:r>
+            <a:r>
+              <a:rPr sz="2500" dirty="0">
+                <a:latin typeface="Century" panose="02040604050505020304" pitchFamily="18" charset="0"/>
+              </a:rPr>
+              <a:t> </a:t>
+            </a:r>
+            <a:r>
+              <a:rPr sz="2500" dirty="0" err="1">
+                <a:latin typeface="Century" panose="02040604050505020304" pitchFamily="18" charset="0"/>
+              </a:rPr>
+              <a:t>thời</a:t>
+            </a:r>
+            <a:r>
+              <a:rPr sz="2500" dirty="0">
+                <a:latin typeface="Century" panose="02040604050505020304" pitchFamily="18" charset="0"/>
+              </a:rPr>
+              <a:t> </a:t>
+            </a:r>
+            <a:r>
+              <a:rPr sz="2500" dirty="0" err="1">
+                <a:latin typeface="Century" panose="02040604050505020304" pitchFamily="18" charset="0"/>
+              </a:rPr>
+              <a:t>giảm</a:t>
+            </a:r>
+            <a:r>
+              <a:rPr sz="2500" dirty="0">
+                <a:latin typeface="Century" panose="02040604050505020304" pitchFamily="18" charset="0"/>
+              </a:rPr>
+              <a:t> </a:t>
+            </a:r>
+            <a:r>
+              <a:rPr sz="2500" dirty="0" err="1">
+                <a:latin typeface="Century" panose="02040604050505020304" pitchFamily="18" charset="0"/>
+              </a:rPr>
+              <a:t>rủi</a:t>
+            </a:r>
+            <a:r>
+              <a:rPr sz="2500" dirty="0">
+                <a:latin typeface="Century" panose="02040604050505020304" pitchFamily="18" charset="0"/>
+              </a:rPr>
+              <a:t> </a:t>
+            </a:r>
+            <a:r>
+              <a:rPr sz="2500" dirty="0" err="1">
+                <a:latin typeface="Century" panose="02040604050505020304" pitchFamily="18" charset="0"/>
+              </a:rPr>
+              <a:t>ro</a:t>
+            </a:r>
+            <a:r>
+              <a:rPr sz="2500" dirty="0">
+                <a:latin typeface="Century" panose="02040604050505020304" pitchFamily="18" charset="0"/>
+              </a:rPr>
+              <a:t> </a:t>
+            </a:r>
+            <a:r>
+              <a:rPr sz="2500" dirty="0" err="1">
+                <a:latin typeface="Century" panose="02040604050505020304" pitchFamily="18" charset="0"/>
+              </a:rPr>
+              <a:t>tồn</a:t>
+            </a:r>
+            <a:r>
+              <a:rPr sz="2500" dirty="0">
+                <a:latin typeface="Century" panose="02040604050505020304" pitchFamily="18" charset="0"/>
+              </a:rPr>
+              <a:t> </a:t>
+            </a:r>
+            <a:r>
+              <a:rPr sz="2500" dirty="0" err="1">
+                <a:latin typeface="Century" panose="02040604050505020304" pitchFamily="18" charset="0"/>
+              </a:rPr>
+              <a:t>kho</a:t>
+            </a:r>
+            <a:r>
+              <a:rPr sz="2500" dirty="0">
+                <a:latin typeface="Century" panose="02040604050505020304" pitchFamily="18" charset="0"/>
+              </a:rPr>
+              <a:t> </a:t>
+            </a:r>
+            <a:r>
+              <a:rPr sz="2500" dirty="0" err="1">
+                <a:latin typeface="Century" panose="02040604050505020304" pitchFamily="18" charset="0"/>
+              </a:rPr>
+              <a:t>dư</a:t>
+            </a:r>
+            <a:r>
+              <a:rPr sz="2500" dirty="0">
+                <a:latin typeface="Century" panose="02040604050505020304" pitchFamily="18" charset="0"/>
+              </a:rPr>
+              <a:t> </a:t>
+            </a:r>
+            <a:r>
+              <a:rPr sz="2500" dirty="0" err="1">
+                <a:latin typeface="Century" panose="02040604050505020304" pitchFamily="18" charset="0"/>
+              </a:rPr>
+              <a:t>thừa</a:t>
+            </a:r>
+            <a:r>
+              <a:rPr lang="en-US" sz="2500" dirty="0">
+                <a:latin typeface="Century" panose="02040604050505020304" pitchFamily="18" charset="0"/>
+              </a:rPr>
+              <a:t> ở </a:t>
+            </a:r>
+            <a:r>
+              <a:rPr lang="en-US" sz="2500" dirty="0" err="1">
+                <a:latin typeface="Century" panose="02040604050505020304" pitchFamily="18" charset="0"/>
+              </a:rPr>
+              <a:t>giai</a:t>
+            </a:r>
+            <a:r>
+              <a:rPr lang="en-US" sz="2500" dirty="0">
+                <a:latin typeface="Century" panose="02040604050505020304" pitchFamily="18" charset="0"/>
+              </a:rPr>
+              <a:t> </a:t>
+            </a:r>
+            <a:r>
+              <a:rPr lang="en-US" sz="2500" dirty="0" err="1">
+                <a:latin typeface="Century" panose="02040604050505020304" pitchFamily="18" charset="0"/>
+              </a:rPr>
+              <a:t>đoạn</a:t>
+            </a:r>
+            <a:r>
+              <a:rPr lang="en-US" sz="2500" dirty="0">
+                <a:latin typeface="Century" panose="02040604050505020304" pitchFamily="18" charset="0"/>
+              </a:rPr>
+              <a:t> </a:t>
+            </a:r>
+            <a:r>
+              <a:rPr lang="en-US" sz="2500" dirty="0" err="1">
+                <a:latin typeface="Century" panose="02040604050505020304" pitchFamily="18" charset="0"/>
+              </a:rPr>
+              <a:t>thấp</a:t>
+            </a:r>
+            <a:r>
+              <a:rPr lang="en-US" sz="2500" dirty="0">
+                <a:latin typeface="Century" panose="02040604050505020304" pitchFamily="18" charset="0"/>
+              </a:rPr>
+              <a:t> </a:t>
+            </a:r>
+            <a:r>
+              <a:rPr lang="en-US" sz="2500" dirty="0" err="1">
+                <a:latin typeface="Century" panose="02040604050505020304" pitchFamily="18" charset="0"/>
+              </a:rPr>
+              <a:t>điểm</a:t>
+            </a:r>
+            <a:r>
+              <a:rPr sz="2500" dirty="0">
+                <a:latin typeface="Century" panose="02040604050505020304" pitchFamily="18" charset="0"/>
+              </a:rPr>
+              <a:t>. </a:t>
+            </a:r>
+            <a:endParaRPr lang="en-US" sz="2500" dirty="0">
+              <a:latin typeface="Century" panose="02040604050505020304" pitchFamily="18" charset="0"/>
+            </a:endParaRPr>
+          </a:p>
+          <a:p>
+            <a:pPr marL="0" indent="0">
+              <a:buNone/>
+            </a:pPr>
+            <a:r>
+              <a:rPr lang="en-US" sz="2500" dirty="0">
+                <a:latin typeface="Century" panose="02040604050505020304" pitchFamily="18" charset="0"/>
+                <a:sym typeface="Wingdings" panose="05000000000000000000" pitchFamily="2" charset="2"/>
+              </a:rPr>
+              <a:t> </a:t>
+            </a:r>
+            <a:r>
+              <a:rPr lang="en-US" sz="2500" dirty="0" err="1">
+                <a:latin typeface="Century" panose="02040604050505020304" pitchFamily="18" charset="0"/>
+                <a:sym typeface="Wingdings" panose="05000000000000000000" pitchFamily="2" charset="2"/>
+              </a:rPr>
+              <a:t>Nhấn</a:t>
+            </a:r>
+            <a:r>
+              <a:rPr lang="en-US" sz="2500" dirty="0">
+                <a:latin typeface="Century" panose="02040604050505020304" pitchFamily="18" charset="0"/>
+                <a:sym typeface="Wingdings" panose="05000000000000000000" pitchFamily="2" charset="2"/>
+              </a:rPr>
+              <a:t> </a:t>
+            </a:r>
+            <a:r>
+              <a:rPr lang="en-US" sz="2500" dirty="0" err="1">
+                <a:latin typeface="Century" panose="02040604050505020304" pitchFamily="18" charset="0"/>
+                <a:sym typeface="Wingdings" panose="05000000000000000000" pitchFamily="2" charset="2"/>
+              </a:rPr>
+              <a:t>mạnh</a:t>
+            </a:r>
+            <a:r>
+              <a:rPr lang="en-US" sz="2500" dirty="0">
+                <a:latin typeface="Century" panose="02040604050505020304" pitchFamily="18" charset="0"/>
+                <a:sym typeface="Wingdings" panose="05000000000000000000" pitchFamily="2" charset="2"/>
+              </a:rPr>
+              <a:t> </a:t>
+            </a:r>
+            <a:r>
+              <a:rPr lang="en-US" sz="2500" dirty="0" err="1">
+                <a:latin typeface="Century" panose="02040604050505020304" pitchFamily="18" charset="0"/>
+                <a:sym typeface="Wingdings" panose="05000000000000000000" pitchFamily="2" charset="2"/>
+              </a:rPr>
+              <a:t>tầm</a:t>
+            </a:r>
+            <a:r>
+              <a:rPr lang="en-US" sz="2500" dirty="0">
+                <a:latin typeface="Century" panose="02040604050505020304" pitchFamily="18" charset="0"/>
+                <a:sym typeface="Wingdings" panose="05000000000000000000" pitchFamily="2" charset="2"/>
+              </a:rPr>
+              <a:t> </a:t>
+            </a:r>
+            <a:r>
+              <a:rPr lang="en-US" sz="2500" dirty="0" err="1">
+                <a:latin typeface="Century" panose="02040604050505020304" pitchFamily="18" charset="0"/>
+                <a:sym typeface="Wingdings" panose="05000000000000000000" pitchFamily="2" charset="2"/>
+              </a:rPr>
+              <a:t>quan</a:t>
+            </a:r>
+            <a:r>
+              <a:rPr lang="en-US" sz="2500" dirty="0">
+                <a:latin typeface="Century" panose="02040604050505020304" pitchFamily="18" charset="0"/>
+                <a:sym typeface="Wingdings" panose="05000000000000000000" pitchFamily="2" charset="2"/>
+              </a:rPr>
+              <a:t> </a:t>
+            </a:r>
+            <a:r>
+              <a:rPr lang="en-US" sz="2500" dirty="0" err="1">
+                <a:latin typeface="Century" panose="02040604050505020304" pitchFamily="18" charset="0"/>
+                <a:sym typeface="Wingdings" panose="05000000000000000000" pitchFamily="2" charset="2"/>
+              </a:rPr>
+              <a:t>trọng</a:t>
+            </a:r>
+            <a:r>
+              <a:rPr lang="en-US" sz="2500" dirty="0">
+                <a:latin typeface="Century" panose="02040604050505020304" pitchFamily="18" charset="0"/>
+                <a:sym typeface="Wingdings" panose="05000000000000000000" pitchFamily="2" charset="2"/>
+              </a:rPr>
+              <a:t> </a:t>
+            </a:r>
+            <a:r>
+              <a:rPr lang="en-US" sz="2500" dirty="0" err="1">
+                <a:latin typeface="Century" panose="02040604050505020304" pitchFamily="18" charset="0"/>
+                <a:sym typeface="Wingdings" panose="05000000000000000000" pitchFamily="2" charset="2"/>
+              </a:rPr>
+              <a:t>của</a:t>
+            </a:r>
+            <a:r>
+              <a:rPr lang="en-US" sz="2500" dirty="0">
+                <a:latin typeface="Century" panose="02040604050505020304" pitchFamily="18" charset="0"/>
+                <a:sym typeface="Wingdings" panose="05000000000000000000" pitchFamily="2" charset="2"/>
+              </a:rPr>
+              <a:t> </a:t>
+            </a:r>
+            <a:r>
+              <a:rPr lang="en-US" sz="2500" dirty="0" err="1">
+                <a:latin typeface="Century" panose="02040604050505020304" pitchFamily="18" charset="0"/>
+                <a:sym typeface="Wingdings" panose="05000000000000000000" pitchFamily="2" charset="2"/>
+              </a:rPr>
+              <a:t>việc</a:t>
+            </a:r>
+            <a:r>
+              <a:rPr lang="en-US" sz="2500" dirty="0">
+                <a:latin typeface="Century" panose="02040604050505020304" pitchFamily="18" charset="0"/>
+                <a:sym typeface="Wingdings" panose="05000000000000000000" pitchFamily="2" charset="2"/>
+              </a:rPr>
+              <a:t> </a:t>
+            </a:r>
+            <a:r>
+              <a:rPr lang="en-US" sz="2500" dirty="0" err="1">
+                <a:latin typeface="Century" panose="02040604050505020304" pitchFamily="18" charset="0"/>
+                <a:sym typeface="Wingdings" panose="05000000000000000000" pitchFamily="2" charset="2"/>
+              </a:rPr>
+              <a:t>lựa</a:t>
+            </a:r>
+            <a:r>
+              <a:rPr lang="en-US" sz="2500" dirty="0">
+                <a:latin typeface="Century" panose="02040604050505020304" pitchFamily="18" charset="0"/>
+                <a:sym typeface="Wingdings" panose="05000000000000000000" pitchFamily="2" charset="2"/>
+              </a:rPr>
+              <a:t> </a:t>
+            </a:r>
+            <a:r>
+              <a:rPr lang="en-US" sz="2500" dirty="0" err="1">
+                <a:latin typeface="Century" panose="02040604050505020304" pitchFamily="18" charset="0"/>
+                <a:sym typeface="Wingdings" panose="05000000000000000000" pitchFamily="2" charset="2"/>
+              </a:rPr>
+              <a:t>ch</a:t>
+            </a:r>
+            <a:r>
+              <a:rPr sz="2500" dirty="0" err="1">
+                <a:latin typeface="Century" panose="02040604050505020304" pitchFamily="18" charset="0"/>
+              </a:rPr>
+              <a:t>ọn</a:t>
+            </a:r>
+            <a:r>
+              <a:rPr sz="2500" dirty="0">
+                <a:latin typeface="Century" panose="02040604050505020304" pitchFamily="18" charset="0"/>
+              </a:rPr>
+              <a:t> </a:t>
+            </a:r>
+            <a:r>
+              <a:rPr sz="2500" dirty="0" err="1">
+                <a:latin typeface="Century" panose="02040604050505020304" pitchFamily="18" charset="0"/>
+              </a:rPr>
+              <a:t>mô</a:t>
+            </a:r>
+            <a:r>
+              <a:rPr sz="2500" dirty="0">
+                <a:latin typeface="Century" panose="02040604050505020304" pitchFamily="18" charset="0"/>
+              </a:rPr>
+              <a:t> </a:t>
+            </a:r>
+            <a:r>
+              <a:rPr sz="2500" dirty="0" err="1">
+                <a:latin typeface="Century" panose="02040604050505020304" pitchFamily="18" charset="0"/>
+              </a:rPr>
+              <a:t>hình</a:t>
+            </a:r>
+            <a:r>
+              <a:rPr sz="2500" dirty="0">
+                <a:latin typeface="Century" panose="02040604050505020304" pitchFamily="18" charset="0"/>
+              </a:rPr>
+              <a:t> </a:t>
+            </a:r>
+            <a:r>
+              <a:rPr sz="2500" dirty="0" err="1">
+                <a:latin typeface="Century" panose="02040604050505020304" pitchFamily="18" charset="0"/>
+              </a:rPr>
+              <a:t>phù</a:t>
+            </a:r>
+            <a:r>
+              <a:rPr sz="2500" dirty="0">
+                <a:latin typeface="Century" panose="02040604050505020304" pitchFamily="18" charset="0"/>
+              </a:rPr>
+              <a:t> </a:t>
+            </a:r>
+            <a:r>
+              <a:rPr sz="2500" dirty="0" err="1">
+                <a:latin typeface="Century" panose="02040604050505020304" pitchFamily="18" charset="0"/>
+              </a:rPr>
+              <a:t>hợp</a:t>
+            </a:r>
+            <a:endParaRPr lang="en-US" sz="2500" dirty="0">
+              <a:latin typeface="Century" panose="02040604050505020304" pitchFamily="18" charset="0"/>
+            </a:endParaRPr>
+          </a:p>
+          <a:p>
+            <a:pPr marL="0" indent="0">
+              <a:buNone/>
+            </a:pPr>
+            <a:r>
+              <a:rPr lang="en-US" sz="2500" dirty="0">
+                <a:latin typeface="Century" panose="02040604050505020304" pitchFamily="18" charset="0"/>
+                <a:sym typeface="Wingdings" panose="05000000000000000000" pitchFamily="2" charset="2"/>
+              </a:rPr>
+              <a:t> </a:t>
+            </a:r>
+            <a:r>
+              <a:rPr lang="en-US" sz="2500" dirty="0" err="1">
+                <a:latin typeface="Century" panose="02040604050505020304" pitchFamily="18" charset="0"/>
+                <a:sym typeface="Wingdings" panose="05000000000000000000" pitchFamily="2" charset="2"/>
+              </a:rPr>
+              <a:t>Chuyển</a:t>
+            </a:r>
+            <a:r>
+              <a:rPr lang="en-US" sz="2500" dirty="0">
+                <a:latin typeface="Century" panose="02040604050505020304" pitchFamily="18" charset="0"/>
+                <a:sym typeface="Wingdings" panose="05000000000000000000" pitchFamily="2" charset="2"/>
+              </a:rPr>
+              <a:t> </a:t>
+            </a:r>
+            <a:r>
+              <a:rPr lang="en-US" sz="2500" dirty="0" err="1">
+                <a:latin typeface="Century" panose="02040604050505020304" pitchFamily="18" charset="0"/>
+                <a:sym typeface="Wingdings" panose="05000000000000000000" pitchFamily="2" charset="2"/>
+              </a:rPr>
+              <a:t>từ</a:t>
+            </a:r>
+            <a:r>
+              <a:rPr lang="en-US" sz="2500" dirty="0">
+                <a:latin typeface="Century" panose="02040604050505020304" pitchFamily="18" charset="0"/>
+                <a:sym typeface="Wingdings" panose="05000000000000000000" pitchFamily="2" charset="2"/>
+              </a:rPr>
+              <a:t> </a:t>
+            </a:r>
+            <a:r>
+              <a:rPr lang="en-US" sz="2500" dirty="0" err="1">
+                <a:latin typeface="Century" panose="02040604050505020304" pitchFamily="18" charset="0"/>
+                <a:sym typeface="Wingdings" panose="05000000000000000000" pitchFamily="2" charset="2"/>
+              </a:rPr>
+              <a:t>cách</a:t>
+            </a:r>
+            <a:r>
+              <a:rPr lang="en-US" sz="2500" dirty="0">
+                <a:latin typeface="Century" panose="02040604050505020304" pitchFamily="18" charset="0"/>
+                <a:sym typeface="Wingdings" panose="05000000000000000000" pitchFamily="2" charset="2"/>
+              </a:rPr>
+              <a:t> </a:t>
+            </a:r>
+            <a:r>
+              <a:rPr lang="en-US" sz="2500" dirty="0" err="1">
+                <a:latin typeface="Century" panose="02040604050505020304" pitchFamily="18" charset="0"/>
+                <a:sym typeface="Wingdings" panose="05000000000000000000" pitchFamily="2" charset="2"/>
+              </a:rPr>
+              <a:t>quản</a:t>
+            </a:r>
+            <a:r>
+              <a:rPr lang="en-US" sz="2500" dirty="0">
+                <a:latin typeface="Century" panose="02040604050505020304" pitchFamily="18" charset="0"/>
+                <a:sym typeface="Wingdings" panose="05000000000000000000" pitchFamily="2" charset="2"/>
+              </a:rPr>
+              <a:t> </a:t>
+            </a:r>
+            <a:r>
+              <a:rPr lang="en-US" sz="2500" dirty="0" err="1">
+                <a:latin typeface="Century" panose="02040604050505020304" pitchFamily="18" charset="0"/>
+                <a:sym typeface="Wingdings" panose="05000000000000000000" pitchFamily="2" charset="2"/>
+              </a:rPr>
+              <a:t>lý</a:t>
+            </a:r>
+            <a:r>
+              <a:rPr lang="en-US" sz="2500" dirty="0">
+                <a:latin typeface="Century" panose="02040604050505020304" pitchFamily="18" charset="0"/>
+                <a:sym typeface="Wingdings" panose="05000000000000000000" pitchFamily="2" charset="2"/>
+              </a:rPr>
+              <a:t> </a:t>
+            </a:r>
+            <a:r>
+              <a:rPr lang="en-US" sz="2500" dirty="0" err="1">
+                <a:latin typeface="Century" panose="02040604050505020304" pitchFamily="18" charset="0"/>
+                <a:sym typeface="Wingdings" panose="05000000000000000000" pitchFamily="2" charset="2"/>
+              </a:rPr>
+              <a:t>dựa</a:t>
+            </a:r>
+            <a:r>
+              <a:rPr lang="en-US" sz="2500" dirty="0">
+                <a:latin typeface="Century" panose="02040604050505020304" pitchFamily="18" charset="0"/>
+                <a:sym typeface="Wingdings" panose="05000000000000000000" pitchFamily="2" charset="2"/>
+              </a:rPr>
+              <a:t> </a:t>
+            </a:r>
+            <a:r>
+              <a:rPr lang="en-US" sz="2500" dirty="0" err="1">
+                <a:latin typeface="Century" panose="02040604050505020304" pitchFamily="18" charset="0"/>
+                <a:sym typeface="Wingdings" panose="05000000000000000000" pitchFamily="2" charset="2"/>
+              </a:rPr>
+              <a:t>trên</a:t>
+            </a:r>
+            <a:r>
+              <a:rPr lang="en-US" sz="2500" dirty="0">
+                <a:latin typeface="Century" panose="02040604050505020304" pitchFamily="18" charset="0"/>
+                <a:sym typeface="Wingdings" panose="05000000000000000000" pitchFamily="2" charset="2"/>
+              </a:rPr>
+              <a:t> </a:t>
+            </a:r>
+            <a:r>
+              <a:rPr lang="en-US" sz="2500" dirty="0" err="1">
+                <a:latin typeface="Century" panose="02040604050505020304" pitchFamily="18" charset="0"/>
+                <a:sym typeface="Wingdings" panose="05000000000000000000" pitchFamily="2" charset="2"/>
+              </a:rPr>
+              <a:t>kinh</a:t>
+            </a:r>
+            <a:r>
+              <a:rPr lang="en-US" sz="2500" dirty="0">
+                <a:latin typeface="Century" panose="02040604050505020304" pitchFamily="18" charset="0"/>
+                <a:sym typeface="Wingdings" panose="05000000000000000000" pitchFamily="2" charset="2"/>
+              </a:rPr>
+              <a:t> </a:t>
+            </a:r>
+            <a:r>
+              <a:rPr lang="en-US" sz="2500" dirty="0" err="1">
+                <a:latin typeface="Century" panose="02040604050505020304" pitchFamily="18" charset="0"/>
+                <a:sym typeface="Wingdings" panose="05000000000000000000" pitchFamily="2" charset="2"/>
+              </a:rPr>
+              <a:t>nghiệm</a:t>
+            </a:r>
+            <a:r>
+              <a:rPr lang="en-US" sz="2500" dirty="0">
+                <a:latin typeface="Century" panose="02040604050505020304" pitchFamily="18" charset="0"/>
+                <a:sym typeface="Wingdings" panose="05000000000000000000" pitchFamily="2" charset="2"/>
+              </a:rPr>
+              <a:t> sang </a:t>
+            </a:r>
+            <a:r>
+              <a:rPr lang="en-US" sz="2500" dirty="0" err="1">
+                <a:latin typeface="Century" panose="02040604050505020304" pitchFamily="18" charset="0"/>
+                <a:sym typeface="Wingdings" panose="05000000000000000000" pitchFamily="2" charset="2"/>
+              </a:rPr>
+              <a:t>quản</a:t>
+            </a:r>
+            <a:r>
+              <a:rPr lang="en-US" sz="2500" dirty="0">
+                <a:latin typeface="Century" panose="02040604050505020304" pitchFamily="18" charset="0"/>
+                <a:sym typeface="Wingdings" panose="05000000000000000000" pitchFamily="2" charset="2"/>
+              </a:rPr>
+              <a:t> </a:t>
+            </a:r>
+            <a:r>
+              <a:rPr lang="en-US" sz="2500" dirty="0" err="1">
+                <a:latin typeface="Century" panose="02040604050505020304" pitchFamily="18" charset="0"/>
+                <a:sym typeface="Wingdings" panose="05000000000000000000" pitchFamily="2" charset="2"/>
+              </a:rPr>
+              <a:t>lý</a:t>
+            </a:r>
+            <a:r>
+              <a:rPr lang="en-US" sz="2500" dirty="0">
+                <a:latin typeface="Century" panose="02040604050505020304" pitchFamily="18" charset="0"/>
+                <a:sym typeface="Wingdings" panose="05000000000000000000" pitchFamily="2" charset="2"/>
+              </a:rPr>
+              <a:t> </a:t>
+            </a:r>
+            <a:r>
+              <a:rPr lang="en-US" sz="2500" dirty="0" err="1">
+                <a:latin typeface="Century" panose="02040604050505020304" pitchFamily="18" charset="0"/>
+                <a:sym typeface="Wingdings" panose="05000000000000000000" pitchFamily="2" charset="2"/>
+              </a:rPr>
+              <a:t>dựa</a:t>
+            </a:r>
+            <a:r>
+              <a:rPr lang="en-US" sz="2500" dirty="0">
+                <a:latin typeface="Century" panose="02040604050505020304" pitchFamily="18" charset="0"/>
+                <a:sym typeface="Wingdings" panose="05000000000000000000" pitchFamily="2" charset="2"/>
+              </a:rPr>
+              <a:t> </a:t>
+            </a:r>
+            <a:r>
+              <a:rPr lang="en-US" sz="2500" dirty="0" err="1">
+                <a:latin typeface="Century" panose="02040604050505020304" pitchFamily="18" charset="0"/>
+                <a:sym typeface="Wingdings" panose="05000000000000000000" pitchFamily="2" charset="2"/>
+              </a:rPr>
+              <a:t>trên</a:t>
+            </a:r>
+            <a:r>
+              <a:rPr lang="en-US" sz="2500" dirty="0">
+                <a:latin typeface="Century" panose="02040604050505020304" pitchFamily="18" charset="0"/>
+                <a:sym typeface="Wingdings" panose="05000000000000000000" pitchFamily="2" charset="2"/>
+              </a:rPr>
+              <a:t> </a:t>
+            </a:r>
+            <a:r>
+              <a:rPr lang="en-US" sz="2500" dirty="0" err="1">
+                <a:latin typeface="Century" panose="02040604050505020304" pitchFamily="18" charset="0"/>
+                <a:sym typeface="Wingdings" panose="05000000000000000000" pitchFamily="2" charset="2"/>
+              </a:rPr>
+              <a:t>dữ</a:t>
+            </a:r>
+            <a:r>
+              <a:rPr lang="en-US" sz="2500" dirty="0">
+                <a:latin typeface="Century" panose="02040604050505020304" pitchFamily="18" charset="0"/>
+                <a:sym typeface="Wingdings" panose="05000000000000000000" pitchFamily="2" charset="2"/>
+              </a:rPr>
+              <a:t> </a:t>
+            </a:r>
+            <a:r>
+              <a:rPr lang="en-US" sz="2500" dirty="0" err="1">
+                <a:latin typeface="Century" panose="02040604050505020304" pitchFamily="18" charset="0"/>
+                <a:sym typeface="Wingdings" panose="05000000000000000000" pitchFamily="2" charset="2"/>
+              </a:rPr>
+              <a:t>liệu</a:t>
+            </a:r>
+            <a:r>
+              <a:rPr lang="en-US" sz="2500" dirty="0">
+                <a:latin typeface="Century" panose="02040604050505020304" pitchFamily="18" charset="0"/>
+                <a:sym typeface="Wingdings" panose="05000000000000000000" pitchFamily="2" charset="2"/>
+              </a:rPr>
+              <a:t> </a:t>
+            </a:r>
+            <a:r>
+              <a:rPr lang="en-US" sz="2500" dirty="0">
+                <a:latin typeface="Century" panose="02040604050505020304" pitchFamily="18" charset="0"/>
+                <a:sym typeface="Symbol" panose="05050102010706020507" pitchFamily="18" charset="2"/>
+              </a:rPr>
+              <a:t> </a:t>
+            </a:r>
+            <a:r>
+              <a:rPr lang="en-US" sz="2500" dirty="0" err="1">
+                <a:latin typeface="Century" panose="02040604050505020304" pitchFamily="18" charset="0"/>
+                <a:sym typeface="Symbol" panose="05050102010706020507" pitchFamily="18" charset="2"/>
+              </a:rPr>
+              <a:t>nâng</a:t>
+            </a:r>
+            <a:r>
+              <a:rPr lang="en-US" sz="2500" dirty="0">
+                <a:latin typeface="Century" panose="02040604050505020304" pitchFamily="18" charset="0"/>
+                <a:sym typeface="Symbol" panose="05050102010706020507" pitchFamily="18" charset="2"/>
+              </a:rPr>
+              <a:t> </a:t>
+            </a:r>
+            <a:r>
+              <a:rPr lang="en-US" sz="2500" dirty="0" err="1">
+                <a:latin typeface="Century" panose="02040604050505020304" pitchFamily="18" charset="0"/>
+                <a:sym typeface="Symbol" panose="05050102010706020507" pitchFamily="18" charset="2"/>
+              </a:rPr>
+              <a:t>cao</a:t>
+            </a:r>
+            <a:r>
+              <a:rPr lang="en-US" sz="2500" dirty="0">
+                <a:latin typeface="Century" panose="02040604050505020304" pitchFamily="18" charset="0"/>
+                <a:sym typeface="Symbol" panose="05050102010706020507" pitchFamily="18" charset="2"/>
+              </a:rPr>
+              <a:t> </a:t>
+            </a:r>
+            <a:r>
+              <a:rPr lang="en-US" sz="2500" dirty="0" err="1">
+                <a:latin typeface="Century" panose="02040604050505020304" pitchFamily="18" charset="0"/>
+                <a:sym typeface="Symbol" panose="05050102010706020507" pitchFamily="18" charset="2"/>
+              </a:rPr>
+              <a:t>tính</a:t>
+            </a:r>
+            <a:r>
+              <a:rPr lang="en-US" sz="2500" dirty="0">
+                <a:latin typeface="Century" panose="02040604050505020304" pitchFamily="18" charset="0"/>
+                <a:sym typeface="Symbol" panose="05050102010706020507" pitchFamily="18" charset="2"/>
+              </a:rPr>
+              <a:t> </a:t>
+            </a:r>
+            <a:r>
+              <a:rPr lang="en-US" sz="2500" dirty="0" err="1">
+                <a:latin typeface="Century" panose="02040604050505020304" pitchFamily="18" charset="0"/>
+                <a:sym typeface="Symbol" panose="05050102010706020507" pitchFamily="18" charset="2"/>
+              </a:rPr>
+              <a:t>chủ</a:t>
+            </a:r>
+            <a:r>
+              <a:rPr lang="en-US" sz="2500" dirty="0">
+                <a:latin typeface="Century" panose="02040604050505020304" pitchFamily="18" charset="0"/>
+                <a:sym typeface="Symbol" panose="05050102010706020507" pitchFamily="18" charset="2"/>
+              </a:rPr>
+              <a:t> </a:t>
+            </a:r>
+            <a:r>
+              <a:rPr lang="en-US" sz="2500" dirty="0" err="1">
+                <a:latin typeface="Century" panose="02040604050505020304" pitchFamily="18" charset="0"/>
+                <a:sym typeface="Symbol" panose="05050102010706020507" pitchFamily="18" charset="2"/>
+              </a:rPr>
+              <a:t>động</a:t>
+            </a:r>
+            <a:r>
+              <a:rPr lang="en-US" sz="2500" dirty="0">
+                <a:latin typeface="Century" panose="02040604050505020304" pitchFamily="18" charset="0"/>
+                <a:sym typeface="Symbol" panose="05050102010706020507" pitchFamily="18" charset="2"/>
+              </a:rPr>
+              <a:t> </a:t>
+            </a:r>
+            <a:r>
+              <a:rPr lang="en-US" sz="2500" dirty="0" err="1">
+                <a:latin typeface="Century" panose="02040604050505020304" pitchFamily="18" charset="0"/>
+                <a:sym typeface="Symbol" panose="05050102010706020507" pitchFamily="18" charset="2"/>
+              </a:rPr>
+              <a:t>và</a:t>
+            </a:r>
+            <a:r>
+              <a:rPr lang="en-US" sz="2500" dirty="0">
+                <a:latin typeface="Century" panose="02040604050505020304" pitchFamily="18" charset="0"/>
+                <a:sym typeface="Symbol" panose="05050102010706020507" pitchFamily="18" charset="2"/>
+              </a:rPr>
+              <a:t> </a:t>
+            </a:r>
+            <a:r>
+              <a:rPr lang="en-US" sz="2500" dirty="0" err="1">
+                <a:latin typeface="Century" panose="02040604050505020304" pitchFamily="18" charset="0"/>
+                <a:sym typeface="Symbol" panose="05050102010706020507" pitchFamily="18" charset="2"/>
+              </a:rPr>
+              <a:t>hiệu</a:t>
+            </a:r>
+            <a:r>
+              <a:rPr lang="en-US" sz="2500" dirty="0">
+                <a:latin typeface="Century" panose="02040604050505020304" pitchFamily="18" charset="0"/>
+                <a:sym typeface="Symbol" panose="05050102010706020507" pitchFamily="18" charset="2"/>
+              </a:rPr>
+              <a:t> </a:t>
+            </a:r>
+            <a:r>
+              <a:rPr lang="en-US" sz="2500" dirty="0" err="1">
+                <a:latin typeface="Century" panose="02040604050505020304" pitchFamily="18" charset="0"/>
+                <a:sym typeface="Symbol" panose="05050102010706020507" pitchFamily="18" charset="2"/>
+              </a:rPr>
+              <a:t>quả</a:t>
+            </a:r>
+            <a:endParaRPr sz="2500" dirty="0">
+              <a:latin typeface="Century" panose="02040604050505020304" pitchFamily="18" charset="0"/>
+            </a:endParaRPr>
+          </a:p>
+        </p:txBody>
+      </p:sp>
+    </p:spTree>
+  </p:cSld>
+  <p:clrMapOvr>
+    <a:masterClrMapping/>
+  </p:clrMapOvr>
+</p:sld>
+</file>
+
+<file path=ppt/slides/slide42.xml><?xml version="1.0" encoding="utf-8"?>
+<p:sld xmlns:a="http://schemas.openxmlformats.org/drawingml/2006/main" xmlns:r="http://schemas.openxmlformats.org/officeDocument/2006/relationships" xmlns:p="http://schemas.openxmlformats.org/presentationml/2006/main">
+  <p:cSld>
+    <p:spTree>
+      <p:nvGrpSpPr>
+        <p:cNvPr id="1" name=""/>
+        <p:cNvGrpSpPr/>
+        <p:nvPr/>
+      </p:nvGrpSpPr>
+      <p:grpSpPr>
+        <a:xfrm>
+          <a:off x="0" y="0"/>
+          <a:ext cx="0" cy="0"/>
+          <a:chOff x="0" y="0"/>
+          <a:chExt cx="0" cy="0"/>
+        </a:xfrm>
+      </p:grpSpPr>
+      <p:sp>
+        <p:nvSpPr>
+          <p:cNvPr id="2" name="Title 1"/>
+          <p:cNvSpPr>
+            <a:spLocks noGrp="1"/>
+          </p:cNvSpPr>
+          <p:nvPr>
+            <p:ph type="title" idx="4294967295"/>
+          </p:nvPr>
+        </p:nvSpPr>
+        <p:spPr>
+          <a:xfrm>
+            <a:off x="533819" y="311898"/>
+            <a:ext cx="6660611" cy="1211263"/>
+          </a:xfrm>
+          <a:noFill/>
+          <a:ln>
+            <a:noFill/>
+          </a:ln>
+        </p:spPr>
+        <p:txBody>
+          <a:bodyPr spcFirstLastPara="1" wrap="square" lIns="91425" tIns="91425" rIns="91425" bIns="91425" anchor="t" anchorCtr="0">
+            <a:noAutofit/>
+          </a:bodyPr>
+          <a:lstStyle/>
+          <a:p>
+            <a:pPr algn="ctr"/>
+            <a:r>
+              <a:rPr sz="4000" dirty="0" err="1">
+                <a:latin typeface="Aptos Display" panose="020B0004020202020204" pitchFamily="34" charset="0"/>
+              </a:rPr>
+              <a:t>Hạn</a:t>
+            </a:r>
+            <a:r>
+              <a:rPr sz="4000" dirty="0">
+                <a:latin typeface="Aptos Display" panose="020B0004020202020204" pitchFamily="34" charset="0"/>
+              </a:rPr>
+              <a:t> </a:t>
+            </a:r>
+            <a:r>
+              <a:rPr sz="4000" dirty="0" err="1">
+                <a:latin typeface="Aptos Display" panose="020B0004020202020204" pitchFamily="34" charset="0"/>
+              </a:rPr>
+              <a:t>chế</a:t>
+            </a:r>
+            <a:r>
+              <a:rPr sz="4000" dirty="0">
+                <a:latin typeface="Aptos Display" panose="020B0004020202020204" pitchFamily="34" charset="0"/>
+              </a:rPr>
+              <a:t> &amp; </a:t>
+            </a:r>
+            <a:r>
+              <a:rPr sz="4000" dirty="0" err="1">
+                <a:latin typeface="Aptos Display" panose="020B0004020202020204" pitchFamily="34" charset="0"/>
+              </a:rPr>
+              <a:t>Hướng</a:t>
+            </a:r>
+            <a:r>
+              <a:rPr sz="4000" dirty="0">
+                <a:latin typeface="Aptos Display" panose="020B0004020202020204" pitchFamily="34" charset="0"/>
+              </a:rPr>
+              <a:t> </a:t>
+            </a:r>
+            <a:r>
+              <a:rPr sz="4000" dirty="0" err="1">
+                <a:latin typeface="Aptos Display" panose="020B0004020202020204" pitchFamily="34" charset="0"/>
+              </a:rPr>
+              <a:t>phát</a:t>
+            </a:r>
+            <a:r>
+              <a:rPr sz="4000" dirty="0">
+                <a:latin typeface="Aptos Display" panose="020B0004020202020204" pitchFamily="34" charset="0"/>
+              </a:rPr>
+              <a:t> </a:t>
+            </a:r>
+            <a:r>
+              <a:rPr sz="4000" dirty="0" err="1">
+                <a:latin typeface="Aptos Display" panose="020B0004020202020204" pitchFamily="34" charset="0"/>
+              </a:rPr>
+              <a:t>triển</a:t>
+            </a:r>
+            <a:endParaRPr sz="4000" dirty="0">
+              <a:latin typeface="Aptos Display" panose="020B0004020202020204" pitchFamily="34" charset="0"/>
+            </a:endParaRPr>
+          </a:p>
+        </p:txBody>
+      </p:sp>
+      <p:sp>
+        <p:nvSpPr>
+          <p:cNvPr id="4" name="Picture Placeholder 3"/>
+          <p:cNvSpPr>
+            <a:spLocks noGrp="1"/>
+          </p:cNvSpPr>
+          <p:nvPr>
+            <p:ph type="pic" idx="4294967295"/>
+          </p:nvPr>
+        </p:nvSpPr>
+        <p:spPr>
+          <a:xfrm>
+            <a:off x="553109" y="1323376"/>
+            <a:ext cx="8057072" cy="2496748"/>
+          </a:xfrm>
+          <a:noFill/>
+          <a:ln>
+            <a:noFill/>
+          </a:ln>
+        </p:spPr>
+        <p:txBody>
+          <a:bodyPr/>
+          <a:lstStyle/>
+          <a:p>
+            <a:pPr marL="0" indent="0">
+              <a:buNone/>
+            </a:pPr>
+            <a:r>
+              <a:rPr sz="2500" dirty="0" err="1">
+                <a:latin typeface="Century" panose="02040604050505020304" pitchFamily="18" charset="0"/>
+              </a:rPr>
+              <a:t>Mô</a:t>
+            </a:r>
+            <a:r>
+              <a:rPr sz="2500" dirty="0">
+                <a:latin typeface="Century" panose="02040604050505020304" pitchFamily="18" charset="0"/>
+              </a:rPr>
+              <a:t> </a:t>
+            </a:r>
+            <a:r>
+              <a:rPr sz="2500" dirty="0" err="1">
+                <a:latin typeface="Century" panose="02040604050505020304" pitchFamily="18" charset="0"/>
+              </a:rPr>
+              <a:t>hình</a:t>
+            </a:r>
+            <a:r>
+              <a:rPr sz="2500" dirty="0">
+                <a:latin typeface="Century" panose="02040604050505020304" pitchFamily="18" charset="0"/>
+              </a:rPr>
+              <a:t> </a:t>
+            </a:r>
+            <a:r>
+              <a:rPr sz="2500" dirty="0" err="1">
+                <a:latin typeface="Century" panose="02040604050505020304" pitchFamily="18" charset="0"/>
+              </a:rPr>
+              <a:t>hiện</a:t>
+            </a:r>
+            <a:r>
+              <a:rPr sz="2500" dirty="0">
+                <a:latin typeface="Century" panose="02040604050505020304" pitchFamily="18" charset="0"/>
+              </a:rPr>
+              <a:t> </a:t>
+            </a:r>
+            <a:r>
+              <a:rPr sz="2500" dirty="0" err="1">
+                <a:latin typeface="Century" panose="02040604050505020304" pitchFamily="18" charset="0"/>
+              </a:rPr>
+              <a:t>tại</a:t>
+            </a:r>
+            <a:r>
+              <a:rPr sz="2500" dirty="0">
+                <a:latin typeface="Century" panose="02040604050505020304" pitchFamily="18" charset="0"/>
+              </a:rPr>
+              <a:t> </a:t>
+            </a:r>
+            <a:r>
+              <a:rPr sz="2500" dirty="0" err="1">
+                <a:latin typeface="Century" panose="02040604050505020304" pitchFamily="18" charset="0"/>
+              </a:rPr>
+              <a:t>chưa</a:t>
+            </a:r>
+            <a:r>
+              <a:rPr sz="2500" dirty="0">
+                <a:latin typeface="Century" panose="02040604050505020304" pitchFamily="18" charset="0"/>
+              </a:rPr>
+              <a:t> </a:t>
+            </a:r>
+            <a:r>
+              <a:rPr sz="2500" dirty="0" err="1">
+                <a:latin typeface="Century" panose="02040604050505020304" pitchFamily="18" charset="0"/>
+              </a:rPr>
+              <a:t>xét</a:t>
+            </a:r>
+            <a:r>
+              <a:rPr sz="2500" dirty="0">
+                <a:latin typeface="Century" panose="02040604050505020304" pitchFamily="18" charset="0"/>
+              </a:rPr>
+              <a:t> </a:t>
+            </a:r>
+            <a:r>
+              <a:rPr sz="2500" dirty="0" err="1">
+                <a:latin typeface="Century" panose="02040604050505020304" pitchFamily="18" charset="0"/>
+              </a:rPr>
+              <a:t>biến</a:t>
+            </a:r>
+            <a:r>
+              <a:rPr sz="2500" dirty="0">
+                <a:latin typeface="Century" panose="02040604050505020304" pitchFamily="18" charset="0"/>
+              </a:rPr>
+              <a:t> </a:t>
+            </a:r>
+            <a:r>
+              <a:rPr sz="2500" dirty="0" err="1">
+                <a:latin typeface="Century" panose="02040604050505020304" pitchFamily="18" charset="0"/>
+              </a:rPr>
+              <a:t>ngoại</a:t>
+            </a:r>
+            <a:r>
+              <a:rPr sz="2500" dirty="0">
+                <a:latin typeface="Century" panose="02040604050505020304" pitchFamily="18" charset="0"/>
+              </a:rPr>
+              <a:t> </a:t>
+            </a:r>
+            <a:r>
+              <a:rPr sz="2500" dirty="0" err="1">
+                <a:latin typeface="Century" panose="02040604050505020304" pitchFamily="18" charset="0"/>
+              </a:rPr>
+              <a:t>sinh</a:t>
+            </a:r>
+            <a:r>
+              <a:rPr sz="2500" dirty="0">
+                <a:latin typeface="Century" panose="02040604050505020304" pitchFamily="18" charset="0"/>
+              </a:rPr>
+              <a:t> </a:t>
+            </a:r>
+            <a:r>
+              <a:rPr sz="2500" dirty="0" err="1">
+                <a:latin typeface="Century" panose="02040604050505020304" pitchFamily="18" charset="0"/>
+              </a:rPr>
+              <a:t>như</a:t>
+            </a:r>
+            <a:r>
+              <a:rPr sz="2500" dirty="0">
+                <a:latin typeface="Century" panose="02040604050505020304" pitchFamily="18" charset="0"/>
+              </a:rPr>
+              <a:t> </a:t>
+            </a:r>
+            <a:r>
+              <a:rPr sz="2500" dirty="0" err="1">
+                <a:latin typeface="Century" panose="02040604050505020304" pitchFamily="18" charset="0"/>
+              </a:rPr>
+              <a:t>khuyến</a:t>
+            </a:r>
+            <a:r>
+              <a:rPr sz="2500" dirty="0">
+                <a:latin typeface="Century" panose="02040604050505020304" pitchFamily="18" charset="0"/>
+              </a:rPr>
+              <a:t> </a:t>
+            </a:r>
+            <a:r>
+              <a:rPr sz="2500" dirty="0" err="1">
+                <a:latin typeface="Century" panose="02040604050505020304" pitchFamily="18" charset="0"/>
+              </a:rPr>
+              <a:t>mãi</a:t>
+            </a:r>
+            <a:r>
+              <a:rPr sz="2500" dirty="0">
+                <a:latin typeface="Century" panose="02040604050505020304" pitchFamily="18" charset="0"/>
+              </a:rPr>
+              <a:t> hay </a:t>
+            </a:r>
+            <a:r>
+              <a:rPr sz="2500" dirty="0" err="1">
+                <a:latin typeface="Century" panose="02040604050505020304" pitchFamily="18" charset="0"/>
+              </a:rPr>
+              <a:t>yếu</a:t>
+            </a:r>
+            <a:r>
+              <a:rPr sz="2500" dirty="0">
+                <a:latin typeface="Century" panose="02040604050505020304" pitchFamily="18" charset="0"/>
+              </a:rPr>
+              <a:t> </a:t>
+            </a:r>
+            <a:r>
+              <a:rPr sz="2500" dirty="0" err="1">
+                <a:latin typeface="Century" panose="02040604050505020304" pitchFamily="18" charset="0"/>
+              </a:rPr>
+              <a:t>tố</a:t>
+            </a:r>
+            <a:r>
+              <a:rPr sz="2500" dirty="0">
+                <a:latin typeface="Century" panose="02040604050505020304" pitchFamily="18" charset="0"/>
+              </a:rPr>
+              <a:t> </a:t>
+            </a:r>
+            <a:r>
+              <a:rPr sz="2500" dirty="0" err="1">
+                <a:latin typeface="Century" panose="02040604050505020304" pitchFamily="18" charset="0"/>
+              </a:rPr>
+              <a:t>vĩ</a:t>
+            </a:r>
+            <a:r>
+              <a:rPr sz="2500" dirty="0">
+                <a:latin typeface="Century" panose="02040604050505020304" pitchFamily="18" charset="0"/>
+              </a:rPr>
+              <a:t> </a:t>
+            </a:r>
+            <a:r>
+              <a:rPr sz="2500" dirty="0" err="1">
+                <a:latin typeface="Century" panose="02040604050505020304" pitchFamily="18" charset="0"/>
+              </a:rPr>
+              <a:t>mô</a:t>
+            </a:r>
+            <a:r>
+              <a:rPr lang="en-US" sz="2500" dirty="0">
+                <a:latin typeface="Century" panose="02040604050505020304" pitchFamily="18" charset="0"/>
+              </a:rPr>
+              <a:t> hay </a:t>
+            </a:r>
+            <a:r>
+              <a:rPr lang="en-US" sz="2500" dirty="0" err="1">
+                <a:latin typeface="Century" panose="02040604050505020304" pitchFamily="18" charset="0"/>
+              </a:rPr>
+              <a:t>chương</a:t>
+            </a:r>
+            <a:r>
+              <a:rPr lang="en-US" sz="2500" dirty="0">
+                <a:latin typeface="Century" panose="02040604050505020304" pitchFamily="18" charset="0"/>
+              </a:rPr>
+              <a:t> </a:t>
+            </a:r>
+            <a:r>
+              <a:rPr lang="en-US" sz="2500" dirty="0" err="1">
+                <a:latin typeface="Century" panose="02040604050505020304" pitchFamily="18" charset="0"/>
+              </a:rPr>
+              <a:t>trình</a:t>
+            </a:r>
+            <a:r>
+              <a:rPr lang="en-US" sz="2500" dirty="0">
+                <a:latin typeface="Century" panose="02040604050505020304" pitchFamily="18" charset="0"/>
+              </a:rPr>
+              <a:t> </a:t>
+            </a:r>
+            <a:r>
+              <a:rPr lang="en-US" sz="2500" dirty="0" err="1">
+                <a:latin typeface="Century" panose="02040604050505020304" pitchFamily="18" charset="0"/>
+              </a:rPr>
+              <a:t>đặc</a:t>
+            </a:r>
+            <a:r>
+              <a:rPr lang="en-US" sz="2500" dirty="0">
+                <a:latin typeface="Century" panose="02040604050505020304" pitchFamily="18" charset="0"/>
+              </a:rPr>
+              <a:t> </a:t>
+            </a:r>
+            <a:r>
+              <a:rPr lang="en-US" sz="2500" dirty="0" err="1">
+                <a:latin typeface="Century" panose="02040604050505020304" pitchFamily="18" charset="0"/>
+              </a:rPr>
+              <a:t>biệt</a:t>
+            </a:r>
+            <a:r>
+              <a:rPr sz="2500" dirty="0">
+                <a:latin typeface="Century" panose="02040604050505020304" pitchFamily="18" charset="0"/>
+              </a:rPr>
+              <a:t>. </a:t>
+            </a:r>
+            <a:endParaRPr lang="en-US" sz="2500" dirty="0">
+              <a:latin typeface="Century" panose="02040604050505020304" pitchFamily="18" charset="0"/>
+            </a:endParaRPr>
+          </a:p>
+          <a:p>
+            <a:pPr marL="0" indent="0">
+              <a:buNone/>
+            </a:pPr>
+            <a:r>
+              <a:rPr sz="2500" dirty="0" err="1">
+                <a:latin typeface="Century" panose="02040604050505020304" pitchFamily="18" charset="0"/>
+              </a:rPr>
+              <a:t>Hướng</a:t>
+            </a:r>
+            <a:r>
+              <a:rPr sz="2500" dirty="0">
+                <a:latin typeface="Century" panose="02040604050505020304" pitchFamily="18" charset="0"/>
+              </a:rPr>
+              <a:t> </a:t>
+            </a:r>
+            <a:r>
+              <a:rPr sz="2500" dirty="0" err="1">
+                <a:latin typeface="Century" panose="02040604050505020304" pitchFamily="18" charset="0"/>
+              </a:rPr>
+              <a:t>tiếp</a:t>
+            </a:r>
+            <a:r>
+              <a:rPr sz="2500" dirty="0">
+                <a:latin typeface="Century" panose="02040604050505020304" pitchFamily="18" charset="0"/>
+              </a:rPr>
+              <a:t> </a:t>
+            </a:r>
+            <a:r>
+              <a:rPr sz="2500" dirty="0" err="1">
+                <a:latin typeface="Century" panose="02040604050505020304" pitchFamily="18" charset="0"/>
+              </a:rPr>
+              <a:t>theo</a:t>
+            </a:r>
+            <a:r>
+              <a:rPr sz="2500" dirty="0">
+                <a:latin typeface="Century" panose="02040604050505020304" pitchFamily="18" charset="0"/>
+              </a:rPr>
+              <a:t> </a:t>
+            </a:r>
+            <a:r>
+              <a:rPr sz="2500" dirty="0" err="1">
+                <a:latin typeface="Century" panose="02040604050505020304" pitchFamily="18" charset="0"/>
+              </a:rPr>
+              <a:t>là</a:t>
+            </a:r>
+            <a:r>
+              <a:rPr sz="2500" dirty="0">
+                <a:latin typeface="Century" panose="02040604050505020304" pitchFamily="18" charset="0"/>
+              </a:rPr>
+              <a:t> </a:t>
+            </a:r>
+            <a:r>
+              <a:rPr sz="2500" dirty="0" err="1">
+                <a:latin typeface="Century" panose="02040604050505020304" pitchFamily="18" charset="0"/>
+              </a:rPr>
+              <a:t>mở</a:t>
+            </a:r>
+            <a:r>
+              <a:rPr sz="2500" dirty="0">
+                <a:latin typeface="Century" panose="02040604050505020304" pitchFamily="18" charset="0"/>
+              </a:rPr>
+              <a:t> </a:t>
+            </a:r>
+            <a:r>
+              <a:rPr sz="2500" dirty="0" err="1">
+                <a:latin typeface="Century" panose="02040604050505020304" pitchFamily="18" charset="0"/>
+              </a:rPr>
+              <a:t>rộng</a:t>
+            </a:r>
+            <a:r>
+              <a:rPr sz="2500" dirty="0">
+                <a:latin typeface="Century" panose="02040604050505020304" pitchFamily="18" charset="0"/>
+              </a:rPr>
+              <a:t> SARIMAX </a:t>
+            </a:r>
+            <a:r>
+              <a:rPr sz="2500" dirty="0" err="1">
+                <a:latin typeface="Century" panose="02040604050505020304" pitchFamily="18" charset="0"/>
+              </a:rPr>
+              <a:t>hoặc</a:t>
+            </a:r>
+            <a:r>
+              <a:rPr sz="2500" dirty="0">
+                <a:latin typeface="Century" panose="02040604050505020304" pitchFamily="18" charset="0"/>
+              </a:rPr>
+              <a:t> </a:t>
+            </a:r>
+            <a:r>
+              <a:rPr sz="2500" dirty="0" err="1">
+                <a:latin typeface="Century" panose="02040604050505020304" pitchFamily="18" charset="0"/>
+              </a:rPr>
+              <a:t>kết</a:t>
+            </a:r>
+            <a:r>
+              <a:rPr sz="2500" dirty="0">
+                <a:latin typeface="Century" panose="02040604050505020304" pitchFamily="18" charset="0"/>
+              </a:rPr>
+              <a:t> </a:t>
+            </a:r>
+            <a:r>
+              <a:rPr sz="2500" dirty="0" err="1">
+                <a:latin typeface="Century" panose="02040604050505020304" pitchFamily="18" charset="0"/>
+              </a:rPr>
+              <a:t>hợp</a:t>
+            </a:r>
+            <a:r>
+              <a:rPr sz="2500" dirty="0">
+                <a:latin typeface="Century" panose="02040604050505020304" pitchFamily="18" charset="0"/>
+              </a:rPr>
+              <a:t> </a:t>
+            </a:r>
+            <a:r>
+              <a:rPr sz="2500" dirty="0" err="1">
+                <a:latin typeface="Century" panose="02040604050505020304" pitchFamily="18" charset="0"/>
+              </a:rPr>
+              <a:t>các</a:t>
+            </a:r>
+            <a:r>
+              <a:rPr sz="2500" dirty="0">
+                <a:latin typeface="Century" panose="02040604050505020304" pitchFamily="18" charset="0"/>
+              </a:rPr>
+              <a:t> </a:t>
+            </a:r>
+            <a:r>
+              <a:rPr sz="2500" dirty="0" err="1">
+                <a:latin typeface="Century" panose="02040604050505020304" pitchFamily="18" charset="0"/>
+              </a:rPr>
+              <a:t>phương</a:t>
+            </a:r>
+            <a:r>
+              <a:rPr sz="2500" dirty="0">
+                <a:latin typeface="Century" panose="02040604050505020304" pitchFamily="18" charset="0"/>
+              </a:rPr>
+              <a:t> </a:t>
+            </a:r>
+            <a:r>
+              <a:rPr sz="2500" dirty="0" err="1">
+                <a:latin typeface="Century" panose="02040604050505020304" pitchFamily="18" charset="0"/>
+              </a:rPr>
+              <a:t>pháp</a:t>
+            </a:r>
+            <a:r>
+              <a:rPr sz="2500" dirty="0">
+                <a:latin typeface="Century" panose="02040604050505020304" pitchFamily="18" charset="0"/>
+              </a:rPr>
+              <a:t> </a:t>
+            </a:r>
+            <a:r>
+              <a:rPr sz="2500" dirty="0" err="1">
+                <a:latin typeface="Century" panose="02040604050505020304" pitchFamily="18" charset="0"/>
+              </a:rPr>
+              <a:t>học</a:t>
+            </a:r>
+            <a:r>
+              <a:rPr sz="2500" dirty="0">
+                <a:latin typeface="Century" panose="02040604050505020304" pitchFamily="18" charset="0"/>
+              </a:rPr>
+              <a:t> </a:t>
+            </a:r>
+            <a:r>
+              <a:rPr sz="2500" dirty="0" err="1">
+                <a:latin typeface="Century" panose="02040604050505020304" pitchFamily="18" charset="0"/>
+              </a:rPr>
+              <a:t>máy</a:t>
+            </a:r>
+            <a:r>
+              <a:rPr sz="2500" dirty="0">
+                <a:latin typeface="Century" panose="02040604050505020304" pitchFamily="18" charset="0"/>
+              </a:rPr>
+              <a:t>.</a:t>
             </a:r>
           </a:p>
         </p:txBody>
